--- a/cefclient analysis.pptx
+++ b/cefclient analysis.pptx
@@ -6,21 +6,13 @@
   </p:sldMasterIdLst>
   <p:sldIdLst>
     <p:sldId id="264" r:id="rId2"/>
-    <p:sldId id="258" r:id="rId3"/>
-    <p:sldId id="262" r:id="rId4"/>
-    <p:sldId id="263" r:id="rId5"/>
-    <p:sldId id="257" r:id="rId6"/>
-    <p:sldId id="265" r:id="rId7"/>
-    <p:sldId id="266" r:id="rId8"/>
-    <p:sldId id="260" r:id="rId9"/>
-    <p:sldId id="259" r:id="rId10"/>
-    <p:sldId id="261" r:id="rId11"/>
-    <p:sldId id="267" r:id="rId12"/>
-    <p:sldId id="268" r:id="rId13"/>
-    <p:sldId id="269" r:id="rId14"/>
-    <p:sldId id="270" r:id="rId15"/>
-    <p:sldId id="256" r:id="rId16"/>
-    <p:sldId id="271" r:id="rId17"/>
+    <p:sldId id="263" r:id="rId3"/>
+    <p:sldId id="257" r:id="rId4"/>
+    <p:sldId id="265" r:id="rId5"/>
+    <p:sldId id="266" r:id="rId6"/>
+    <p:sldId id="256" r:id="rId7"/>
+    <p:sldId id="272" r:id="rId8"/>
+    <p:sldId id="274" r:id="rId9"/>
   </p:sldIdLst>
   <p:sldSz cx="12192000" cy="6858000"/>
   <p:notesSz cx="6858000" cy="9144000"/>
@@ -274,7 +266,7 @@
           <a:p>
             <a:fld id="{5033E7CF-4E71-4BF9-87D5-BDE1343927F4}" type="datetimeFigureOut">
               <a:rPr lang="ko-KR" altLang="en-US" smtClean="0"/>
-              <a:t>2021-12-21</a:t>
+              <a:t>2022-01-02</a:t>
             </a:fld>
             <a:endParaRPr lang="ko-KR" altLang="en-US"/>
           </a:p>
@@ -472,7 +464,7 @@
           <a:p>
             <a:fld id="{5033E7CF-4E71-4BF9-87D5-BDE1343927F4}" type="datetimeFigureOut">
               <a:rPr lang="ko-KR" altLang="en-US" smtClean="0"/>
-              <a:t>2021-12-21</a:t>
+              <a:t>2022-01-02</a:t>
             </a:fld>
             <a:endParaRPr lang="ko-KR" altLang="en-US"/>
           </a:p>
@@ -680,7 +672,7 @@
           <a:p>
             <a:fld id="{5033E7CF-4E71-4BF9-87D5-BDE1343927F4}" type="datetimeFigureOut">
               <a:rPr lang="ko-KR" altLang="en-US" smtClean="0"/>
-              <a:t>2021-12-21</a:t>
+              <a:t>2022-01-02</a:t>
             </a:fld>
             <a:endParaRPr lang="ko-KR" altLang="en-US"/>
           </a:p>
@@ -878,7 +870,7 @@
           <a:p>
             <a:fld id="{5033E7CF-4E71-4BF9-87D5-BDE1343927F4}" type="datetimeFigureOut">
               <a:rPr lang="ko-KR" altLang="en-US" smtClean="0"/>
-              <a:t>2021-12-21</a:t>
+              <a:t>2022-01-02</a:t>
             </a:fld>
             <a:endParaRPr lang="ko-KR" altLang="en-US"/>
           </a:p>
@@ -1153,7 +1145,7 @@
           <a:p>
             <a:fld id="{5033E7CF-4E71-4BF9-87D5-BDE1343927F4}" type="datetimeFigureOut">
               <a:rPr lang="ko-KR" altLang="en-US" smtClean="0"/>
-              <a:t>2021-12-21</a:t>
+              <a:t>2022-01-02</a:t>
             </a:fld>
             <a:endParaRPr lang="ko-KR" altLang="en-US"/>
           </a:p>
@@ -1418,7 +1410,7 @@
           <a:p>
             <a:fld id="{5033E7CF-4E71-4BF9-87D5-BDE1343927F4}" type="datetimeFigureOut">
               <a:rPr lang="ko-KR" altLang="en-US" smtClean="0"/>
-              <a:t>2021-12-21</a:t>
+              <a:t>2022-01-02</a:t>
             </a:fld>
             <a:endParaRPr lang="ko-KR" altLang="en-US"/>
           </a:p>
@@ -1830,7 +1822,7 @@
           <a:p>
             <a:fld id="{5033E7CF-4E71-4BF9-87D5-BDE1343927F4}" type="datetimeFigureOut">
               <a:rPr lang="ko-KR" altLang="en-US" smtClean="0"/>
-              <a:t>2021-12-21</a:t>
+              <a:t>2022-01-02</a:t>
             </a:fld>
             <a:endParaRPr lang="ko-KR" altLang="en-US"/>
           </a:p>
@@ -1971,7 +1963,7 @@
           <a:p>
             <a:fld id="{5033E7CF-4E71-4BF9-87D5-BDE1343927F4}" type="datetimeFigureOut">
               <a:rPr lang="ko-KR" altLang="en-US" smtClean="0"/>
-              <a:t>2021-12-21</a:t>
+              <a:t>2022-01-02</a:t>
             </a:fld>
             <a:endParaRPr lang="ko-KR" altLang="en-US"/>
           </a:p>
@@ -2084,7 +2076,7 @@
           <a:p>
             <a:fld id="{5033E7CF-4E71-4BF9-87D5-BDE1343927F4}" type="datetimeFigureOut">
               <a:rPr lang="ko-KR" altLang="en-US" smtClean="0"/>
-              <a:t>2021-12-21</a:t>
+              <a:t>2022-01-02</a:t>
             </a:fld>
             <a:endParaRPr lang="ko-KR" altLang="en-US"/>
           </a:p>
@@ -2395,7 +2387,7 @@
           <a:p>
             <a:fld id="{5033E7CF-4E71-4BF9-87D5-BDE1343927F4}" type="datetimeFigureOut">
               <a:rPr lang="ko-KR" altLang="en-US" smtClean="0"/>
-              <a:t>2021-12-21</a:t>
+              <a:t>2022-01-02</a:t>
             </a:fld>
             <a:endParaRPr lang="ko-KR" altLang="en-US"/>
           </a:p>
@@ -2683,7 +2675,7 @@
           <a:p>
             <a:fld id="{5033E7CF-4E71-4BF9-87D5-BDE1343927F4}" type="datetimeFigureOut">
               <a:rPr lang="ko-KR" altLang="en-US" smtClean="0"/>
-              <a:t>2021-12-21</a:t>
+              <a:t>2022-01-02</a:t>
             </a:fld>
             <a:endParaRPr lang="ko-KR" altLang="en-US"/>
           </a:p>
@@ -2924,7 +2916,7 @@
           <a:p>
             <a:fld id="{5033E7CF-4E71-4BF9-87D5-BDE1343927F4}" type="datetimeFigureOut">
               <a:rPr lang="ko-KR" altLang="en-US" smtClean="0"/>
-              <a:t>2021-12-21</a:t>
+              <a:t>2022-01-02</a:t>
             </a:fld>
             <a:endParaRPr lang="ko-KR" altLang="en-US"/>
           </a:p>
@@ -3469,1819 +3461,6 @@
 </p:sld>
 </file>
 
-<file path=ppt/slides/slide10.xml><?xml version="1.0" encoding="utf-8"?>
-<p:sld xmlns:a="http://schemas.openxmlformats.org/drawingml/2006/main" xmlns:r="http://schemas.openxmlformats.org/officeDocument/2006/relationships" xmlns:p="http://schemas.openxmlformats.org/presentationml/2006/main">
-  <p:cSld>
-    <p:spTree>
-      <p:nvGrpSpPr>
-        <p:cNvPr id="1" name=""/>
-        <p:cNvGrpSpPr/>
-        <p:nvPr/>
-      </p:nvGrpSpPr>
-      <p:grpSpPr>
-        <a:xfrm>
-          <a:off x="0" y="0"/>
-          <a:ext cx="0" cy="0"/>
-          <a:chOff x="0" y="0"/>
-          <a:chExt cx="0" cy="0"/>
-        </a:xfrm>
-      </p:grpSpPr>
-      <p:sp>
-        <p:nvSpPr>
-          <p:cNvPr id="2" name="제목 1">
-            <a:extLst>
-              <a:ext uri="{FF2B5EF4-FFF2-40B4-BE49-F238E27FC236}">
-                <a16:creationId xmlns:a16="http://schemas.microsoft.com/office/drawing/2014/main" id="{8ED0277B-C3BA-4CDF-BE71-1AC56BD2F767}"/>
-              </a:ext>
-            </a:extLst>
-          </p:cNvPr>
-          <p:cNvSpPr>
-            <a:spLocks noGrp="1"/>
-          </p:cNvSpPr>
-          <p:nvPr>
-            <p:ph type="title"/>
-          </p:nvPr>
-        </p:nvSpPr>
-        <p:spPr/>
-        <p:txBody>
-          <a:bodyPr/>
-          <a:lstStyle/>
-          <a:p>
-            <a:r>
-              <a:rPr lang="en-US" altLang="ko-KR" dirty="0"/>
-              <a:t>All </a:t>
-            </a:r>
-            <a:r>
-              <a:rPr lang="en-US" altLang="ko-KR" dirty="0" err="1"/>
-              <a:t>Cef</a:t>
-            </a:r>
-            <a:r>
-              <a:rPr lang="en-US" altLang="ko-KR" dirty="0"/>
-              <a:t> Classes #1</a:t>
-            </a:r>
-            <a:endParaRPr lang="ko-KR" altLang="en-US" dirty="0"/>
-          </a:p>
-        </p:txBody>
-      </p:sp>
-      <p:sp>
-        <p:nvSpPr>
-          <p:cNvPr id="3" name="내용 개체 틀 2">
-            <a:extLst>
-              <a:ext uri="{FF2B5EF4-FFF2-40B4-BE49-F238E27FC236}">
-                <a16:creationId xmlns:a16="http://schemas.microsoft.com/office/drawing/2014/main" id="{FBB0F886-5439-4DCD-8948-699AE6886F81}"/>
-              </a:ext>
-            </a:extLst>
-          </p:cNvPr>
-          <p:cNvSpPr>
-            <a:spLocks noGrp="1"/>
-          </p:cNvSpPr>
-          <p:nvPr>
-            <p:ph idx="1"/>
-          </p:nvPr>
-        </p:nvSpPr>
-        <p:spPr/>
-        <p:txBody>
-          <a:bodyPr>
-            <a:normAutofit fontScale="55000" lnSpcReduction="20000"/>
-          </a:bodyPr>
-          <a:lstStyle/>
-          <a:p>
-            <a:r>
-              <a:rPr lang="en-US" altLang="ko-KR" dirty="0" err="1"/>
-              <a:t>CefRefPtr</a:t>
-            </a:r>
-            <a:r>
-              <a:rPr lang="en-US" altLang="ko-KR" dirty="0"/>
-              <a:t>&lt;T&gt;</a:t>
-            </a:r>
-          </a:p>
-          <a:p>
-            <a:r>
-              <a:rPr lang="en-US" altLang="ko-KR" dirty="0" err="1"/>
-              <a:t>ClientWindowHandle</a:t>
-            </a:r>
-            <a:endParaRPr lang="en-US" altLang="ko-KR" dirty="0"/>
-          </a:p>
-          <a:p>
-            <a:r>
-              <a:rPr lang="en-US" altLang="ko-KR" dirty="0" err="1"/>
-              <a:t>CefRect</a:t>
-            </a:r>
-            <a:endParaRPr lang="en-US" altLang="ko-KR" dirty="0"/>
-          </a:p>
-          <a:p>
-            <a:r>
-              <a:rPr lang="en-US" altLang="ko-KR" dirty="0" err="1"/>
-              <a:t>CefBrowserSettings</a:t>
-            </a:r>
-            <a:endParaRPr lang="en-US" altLang="ko-KR" dirty="0"/>
-          </a:p>
-          <a:p>
-            <a:r>
-              <a:rPr lang="en-US" altLang="ko-KR" dirty="0" err="1"/>
-              <a:t>CefDictionaryValue</a:t>
-            </a:r>
-            <a:endParaRPr lang="en-US" altLang="ko-KR" dirty="0"/>
-          </a:p>
-          <a:p>
-            <a:r>
-              <a:rPr lang="en-US" altLang="ko-KR" dirty="0" err="1"/>
-              <a:t>CefRequestContext</a:t>
-            </a:r>
-            <a:endParaRPr lang="en-US" altLang="ko-KR" dirty="0"/>
-          </a:p>
-          <a:p>
-            <a:r>
-              <a:rPr lang="en-US" altLang="ko-KR" dirty="0" err="1"/>
-              <a:t>CefWindowInfo</a:t>
-            </a:r>
-            <a:endParaRPr lang="en-US" altLang="ko-KR" dirty="0"/>
-          </a:p>
-          <a:p>
-            <a:r>
-              <a:rPr lang="en-US" altLang="ko-KR" dirty="0" err="1"/>
-              <a:t>CefClient</a:t>
-            </a:r>
-            <a:endParaRPr lang="en-US" altLang="ko-KR" dirty="0"/>
-          </a:p>
-          <a:p>
-            <a:r>
-              <a:rPr lang="en-US" altLang="ko-KR" dirty="0" err="1"/>
-              <a:t>RootWindow</a:t>
-            </a:r>
-            <a:endParaRPr lang="en-US" altLang="ko-KR" dirty="0"/>
-          </a:p>
-          <a:p>
-            <a:r>
-              <a:rPr lang="en-US" altLang="ko-KR" dirty="0" err="1"/>
-              <a:t>CefExtension</a:t>
-            </a:r>
-            <a:endParaRPr lang="en-US" altLang="ko-KR" dirty="0"/>
-          </a:p>
-          <a:p>
-            <a:r>
-              <a:rPr lang="en-US" altLang="ko-KR" dirty="0" err="1"/>
-              <a:t>OsrDragEvent</a:t>
-            </a:r>
-            <a:endParaRPr lang="en-US" altLang="ko-KR" dirty="0"/>
-          </a:p>
-          <a:p>
-            <a:r>
-              <a:rPr lang="en-US" altLang="ko-KR" dirty="0" err="1"/>
-              <a:t>CefRange</a:t>
-            </a:r>
-            <a:endParaRPr lang="en-US" altLang="ko-KR" dirty="0"/>
-          </a:p>
-          <a:p>
-            <a:r>
-              <a:rPr lang="en-US" altLang="ko-KR" dirty="0" err="1"/>
-              <a:t>CefString</a:t>
-            </a:r>
-            <a:endParaRPr lang="en-US" altLang="ko-KR" dirty="0"/>
-          </a:p>
-          <a:p>
-            <a:r>
-              <a:rPr lang="en-US" altLang="ko-KR" dirty="0" err="1"/>
-              <a:t>CefCompositionUnderline</a:t>
-            </a:r>
-            <a:endParaRPr lang="en-US" altLang="ko-KR" dirty="0"/>
-          </a:p>
-          <a:p>
-            <a:r>
-              <a:rPr lang="en-US" altLang="ko-KR" dirty="0" err="1"/>
-              <a:t>CefResponseFilter</a:t>
-            </a:r>
-            <a:endParaRPr lang="en-US" altLang="ko-KR"/>
-          </a:p>
-          <a:p>
-            <a:endParaRPr lang="en-US" altLang="ko-KR" dirty="0"/>
-          </a:p>
-          <a:p>
-            <a:endParaRPr lang="ko-KR" altLang="en-US" dirty="0"/>
-          </a:p>
-        </p:txBody>
-      </p:sp>
-    </p:spTree>
-    <p:extLst>
-      <p:ext uri="{BB962C8B-B14F-4D97-AF65-F5344CB8AC3E}">
-        <p14:creationId xmlns:p14="http://schemas.microsoft.com/office/powerpoint/2010/main" val="3194400424"/>
-      </p:ext>
-    </p:extLst>
-  </p:cSld>
-  <p:clrMapOvr>
-    <a:masterClrMapping/>
-  </p:clrMapOvr>
-</p:sld>
-</file>
-
-<file path=ppt/slides/slide11.xml><?xml version="1.0" encoding="utf-8"?>
-<p:sld xmlns:a="http://schemas.openxmlformats.org/drawingml/2006/main" xmlns:r="http://schemas.openxmlformats.org/officeDocument/2006/relationships" xmlns:p="http://schemas.openxmlformats.org/presentationml/2006/main">
-  <p:cSld>
-    <p:spTree>
-      <p:nvGrpSpPr>
-        <p:cNvPr id="1" name=""/>
-        <p:cNvGrpSpPr/>
-        <p:nvPr/>
-      </p:nvGrpSpPr>
-      <p:grpSpPr>
-        <a:xfrm>
-          <a:off x="0" y="0"/>
-          <a:ext cx="0" cy="0"/>
-          <a:chOff x="0" y="0"/>
-          <a:chExt cx="0" cy="0"/>
-        </a:xfrm>
-      </p:grpSpPr>
-      <p:sp>
-        <p:nvSpPr>
-          <p:cNvPr id="2" name="제목 1">
-            <a:extLst>
-              <a:ext uri="{FF2B5EF4-FFF2-40B4-BE49-F238E27FC236}">
-                <a16:creationId xmlns:a16="http://schemas.microsoft.com/office/drawing/2014/main" id="{8ED0277B-C3BA-4CDF-BE71-1AC56BD2F767}"/>
-              </a:ext>
-            </a:extLst>
-          </p:cNvPr>
-          <p:cNvSpPr>
-            <a:spLocks noGrp="1"/>
-          </p:cNvSpPr>
-          <p:nvPr>
-            <p:ph type="title"/>
-          </p:nvPr>
-        </p:nvSpPr>
-        <p:spPr/>
-        <p:txBody>
-          <a:bodyPr/>
-          <a:lstStyle/>
-          <a:p>
-            <a:r>
-              <a:rPr lang="en-US" altLang="ko-KR" dirty="0"/>
-              <a:t>All </a:t>
-            </a:r>
-            <a:r>
-              <a:rPr lang="en-US" altLang="ko-KR" dirty="0" err="1"/>
-              <a:t>Cef</a:t>
-            </a:r>
-            <a:r>
-              <a:rPr lang="en-US" altLang="ko-KR" dirty="0"/>
-              <a:t> Classes #2</a:t>
-            </a:r>
-            <a:endParaRPr lang="ko-KR" altLang="en-US" dirty="0"/>
-          </a:p>
-        </p:txBody>
-      </p:sp>
-      <p:sp>
-        <p:nvSpPr>
-          <p:cNvPr id="3" name="내용 개체 틀 2">
-            <a:extLst>
-              <a:ext uri="{FF2B5EF4-FFF2-40B4-BE49-F238E27FC236}">
-                <a16:creationId xmlns:a16="http://schemas.microsoft.com/office/drawing/2014/main" id="{FBB0F886-5439-4DCD-8948-699AE6886F81}"/>
-              </a:ext>
-            </a:extLst>
-          </p:cNvPr>
-          <p:cNvSpPr>
-            <a:spLocks noGrp="1"/>
-          </p:cNvSpPr>
-          <p:nvPr>
-            <p:ph idx="1"/>
-          </p:nvPr>
-        </p:nvSpPr>
-        <p:spPr/>
-        <p:txBody>
-          <a:bodyPr/>
-          <a:lstStyle/>
-          <a:p>
-            <a:endParaRPr lang="ko-KR" altLang="en-US" dirty="0"/>
-          </a:p>
-        </p:txBody>
-      </p:sp>
-    </p:spTree>
-    <p:extLst>
-      <p:ext uri="{BB962C8B-B14F-4D97-AF65-F5344CB8AC3E}">
-        <p14:creationId xmlns:p14="http://schemas.microsoft.com/office/powerpoint/2010/main" val="3732878482"/>
-      </p:ext>
-    </p:extLst>
-  </p:cSld>
-  <p:clrMapOvr>
-    <a:masterClrMapping/>
-  </p:clrMapOvr>
-</p:sld>
-</file>
-
-<file path=ppt/slides/slide12.xml><?xml version="1.0" encoding="utf-8"?>
-<p:sld xmlns:a="http://schemas.openxmlformats.org/drawingml/2006/main" xmlns:r="http://schemas.openxmlformats.org/officeDocument/2006/relationships" xmlns:p="http://schemas.openxmlformats.org/presentationml/2006/main">
-  <p:cSld>
-    <p:spTree>
-      <p:nvGrpSpPr>
-        <p:cNvPr id="1" name=""/>
-        <p:cNvGrpSpPr/>
-        <p:nvPr/>
-      </p:nvGrpSpPr>
-      <p:grpSpPr>
-        <a:xfrm>
-          <a:off x="0" y="0"/>
-          <a:ext cx="0" cy="0"/>
-          <a:chOff x="0" y="0"/>
-          <a:chExt cx="0" cy="0"/>
-        </a:xfrm>
-      </p:grpSpPr>
-      <p:sp>
-        <p:nvSpPr>
-          <p:cNvPr id="2" name="제목 1">
-            <a:extLst>
-              <a:ext uri="{FF2B5EF4-FFF2-40B4-BE49-F238E27FC236}">
-                <a16:creationId xmlns:a16="http://schemas.microsoft.com/office/drawing/2014/main" id="{8ED0277B-C3BA-4CDF-BE71-1AC56BD2F767}"/>
-              </a:ext>
-            </a:extLst>
-          </p:cNvPr>
-          <p:cNvSpPr>
-            <a:spLocks noGrp="1"/>
-          </p:cNvSpPr>
-          <p:nvPr>
-            <p:ph type="title"/>
-          </p:nvPr>
-        </p:nvSpPr>
-        <p:spPr/>
-        <p:txBody>
-          <a:bodyPr/>
-          <a:lstStyle/>
-          <a:p>
-            <a:r>
-              <a:rPr lang="en-US" altLang="ko-KR" dirty="0"/>
-              <a:t>All </a:t>
-            </a:r>
-            <a:r>
-              <a:rPr lang="en-US" altLang="ko-KR" dirty="0" err="1"/>
-              <a:t>Cef</a:t>
-            </a:r>
-            <a:r>
-              <a:rPr lang="en-US" altLang="ko-KR" dirty="0"/>
-              <a:t> Classes #3</a:t>
-            </a:r>
-            <a:endParaRPr lang="ko-KR" altLang="en-US" dirty="0"/>
-          </a:p>
-        </p:txBody>
-      </p:sp>
-      <p:sp>
-        <p:nvSpPr>
-          <p:cNvPr id="3" name="내용 개체 틀 2">
-            <a:extLst>
-              <a:ext uri="{FF2B5EF4-FFF2-40B4-BE49-F238E27FC236}">
-                <a16:creationId xmlns:a16="http://schemas.microsoft.com/office/drawing/2014/main" id="{FBB0F886-5439-4DCD-8948-699AE6886F81}"/>
-              </a:ext>
-            </a:extLst>
-          </p:cNvPr>
-          <p:cNvSpPr>
-            <a:spLocks noGrp="1"/>
-          </p:cNvSpPr>
-          <p:nvPr>
-            <p:ph idx="1"/>
-          </p:nvPr>
-        </p:nvSpPr>
-        <p:spPr/>
-        <p:txBody>
-          <a:bodyPr/>
-          <a:lstStyle/>
-          <a:p>
-            <a:endParaRPr lang="ko-KR" altLang="en-US" dirty="0"/>
-          </a:p>
-        </p:txBody>
-      </p:sp>
-    </p:spTree>
-    <p:extLst>
-      <p:ext uri="{BB962C8B-B14F-4D97-AF65-F5344CB8AC3E}">
-        <p14:creationId xmlns:p14="http://schemas.microsoft.com/office/powerpoint/2010/main" val="865462655"/>
-      </p:ext>
-    </p:extLst>
-  </p:cSld>
-  <p:clrMapOvr>
-    <a:masterClrMapping/>
-  </p:clrMapOvr>
-</p:sld>
-</file>
-
-<file path=ppt/slides/slide13.xml><?xml version="1.0" encoding="utf-8"?>
-<p:sld xmlns:a="http://schemas.openxmlformats.org/drawingml/2006/main" xmlns:r="http://schemas.openxmlformats.org/officeDocument/2006/relationships" xmlns:p="http://schemas.openxmlformats.org/presentationml/2006/main">
-  <p:cSld>
-    <p:spTree>
-      <p:nvGrpSpPr>
-        <p:cNvPr id="1" name=""/>
-        <p:cNvGrpSpPr/>
-        <p:nvPr/>
-      </p:nvGrpSpPr>
-      <p:grpSpPr>
-        <a:xfrm>
-          <a:off x="0" y="0"/>
-          <a:ext cx="0" cy="0"/>
-          <a:chOff x="0" y="0"/>
-          <a:chExt cx="0" cy="0"/>
-        </a:xfrm>
-      </p:grpSpPr>
-      <p:sp>
-        <p:nvSpPr>
-          <p:cNvPr id="2" name="제목 1">
-            <a:extLst>
-              <a:ext uri="{FF2B5EF4-FFF2-40B4-BE49-F238E27FC236}">
-                <a16:creationId xmlns:a16="http://schemas.microsoft.com/office/drawing/2014/main" id="{ADCE2290-8FC6-49A9-B632-BCB91C234535}"/>
-              </a:ext>
-            </a:extLst>
-          </p:cNvPr>
-          <p:cNvSpPr>
-            <a:spLocks noGrp="1"/>
-          </p:cNvSpPr>
-          <p:nvPr>
-            <p:ph type="title"/>
-          </p:nvPr>
-        </p:nvSpPr>
-        <p:spPr/>
-        <p:txBody>
-          <a:bodyPr/>
-          <a:lstStyle/>
-          <a:p>
-            <a:r>
-              <a:rPr lang="en-US" altLang="ko-KR" dirty="0"/>
-              <a:t>References</a:t>
-            </a:r>
-            <a:endParaRPr lang="ko-KR" altLang="en-US" dirty="0"/>
-          </a:p>
-        </p:txBody>
-      </p:sp>
-      <p:sp>
-        <p:nvSpPr>
-          <p:cNvPr id="3" name="내용 개체 틀 2">
-            <a:extLst>
-              <a:ext uri="{FF2B5EF4-FFF2-40B4-BE49-F238E27FC236}">
-                <a16:creationId xmlns:a16="http://schemas.microsoft.com/office/drawing/2014/main" id="{CC69E94F-8A3A-417F-AC13-5716362BE70B}"/>
-              </a:ext>
-            </a:extLst>
-          </p:cNvPr>
-          <p:cNvSpPr>
-            <a:spLocks noGrp="1"/>
-          </p:cNvSpPr>
-          <p:nvPr>
-            <p:ph idx="1"/>
-          </p:nvPr>
-        </p:nvSpPr>
-        <p:spPr/>
-        <p:txBody>
-          <a:bodyPr/>
-          <a:lstStyle/>
-          <a:p>
-            <a:endParaRPr lang="ko-KR" altLang="en-US" dirty="0"/>
-          </a:p>
-        </p:txBody>
-      </p:sp>
-    </p:spTree>
-    <p:extLst>
-      <p:ext uri="{BB962C8B-B14F-4D97-AF65-F5344CB8AC3E}">
-        <p14:creationId xmlns:p14="http://schemas.microsoft.com/office/powerpoint/2010/main" val="3267086358"/>
-      </p:ext>
-    </p:extLst>
-  </p:cSld>
-  <p:clrMapOvr>
-    <a:masterClrMapping/>
-  </p:clrMapOvr>
-</p:sld>
-</file>
-
-<file path=ppt/slides/slide14.xml><?xml version="1.0" encoding="utf-8"?>
-<p:sld xmlns:a="http://schemas.openxmlformats.org/drawingml/2006/main" xmlns:r="http://schemas.openxmlformats.org/officeDocument/2006/relationships" xmlns:p="http://schemas.openxmlformats.org/presentationml/2006/main">
-  <p:cSld>
-    <p:spTree>
-      <p:nvGrpSpPr>
-        <p:cNvPr id="1" name=""/>
-        <p:cNvGrpSpPr/>
-        <p:nvPr/>
-      </p:nvGrpSpPr>
-      <p:grpSpPr>
-        <a:xfrm>
-          <a:off x="0" y="0"/>
-          <a:ext cx="0" cy="0"/>
-          <a:chOff x="0" y="0"/>
-          <a:chExt cx="0" cy="0"/>
-        </a:xfrm>
-      </p:grpSpPr>
-      <p:sp>
-        <p:nvSpPr>
-          <p:cNvPr id="2" name="제목 1">
-            <a:extLst>
-              <a:ext uri="{FF2B5EF4-FFF2-40B4-BE49-F238E27FC236}">
-                <a16:creationId xmlns:a16="http://schemas.microsoft.com/office/drawing/2014/main" id="{80481E35-BBBB-4247-B3F1-199FDFBC42EE}"/>
-              </a:ext>
-            </a:extLst>
-          </p:cNvPr>
-          <p:cNvSpPr>
-            <a:spLocks noGrp="1"/>
-          </p:cNvSpPr>
-          <p:nvPr>
-            <p:ph type="title"/>
-          </p:nvPr>
-        </p:nvSpPr>
-        <p:spPr/>
-        <p:txBody>
-          <a:bodyPr/>
-          <a:lstStyle/>
-          <a:p>
-            <a:endParaRPr lang="ko-KR" altLang="en-US" dirty="0"/>
-          </a:p>
-        </p:txBody>
-      </p:sp>
-      <p:sp>
-        <p:nvSpPr>
-          <p:cNvPr id="3" name="내용 개체 틀 2">
-            <a:extLst>
-              <a:ext uri="{FF2B5EF4-FFF2-40B4-BE49-F238E27FC236}">
-                <a16:creationId xmlns:a16="http://schemas.microsoft.com/office/drawing/2014/main" id="{E9601C8F-E34A-48F1-8390-4C5CF31A7E78}"/>
-              </a:ext>
-            </a:extLst>
-          </p:cNvPr>
-          <p:cNvSpPr>
-            <a:spLocks noGrp="1"/>
-          </p:cNvSpPr>
-          <p:nvPr>
-            <p:ph idx="1"/>
-          </p:nvPr>
-        </p:nvSpPr>
-        <p:spPr/>
-        <p:txBody>
-          <a:bodyPr/>
-          <a:lstStyle/>
-          <a:p>
-            <a:endParaRPr lang="ko-KR" altLang="en-US" dirty="0"/>
-          </a:p>
-        </p:txBody>
-      </p:sp>
-    </p:spTree>
-    <p:extLst>
-      <p:ext uri="{BB962C8B-B14F-4D97-AF65-F5344CB8AC3E}">
-        <p14:creationId xmlns:p14="http://schemas.microsoft.com/office/powerpoint/2010/main" val="3260241272"/>
-      </p:ext>
-    </p:extLst>
-  </p:cSld>
-  <p:clrMapOvr>
-    <a:masterClrMapping/>
-  </p:clrMapOvr>
-</p:sld>
-</file>
-
-<file path=ppt/slides/slide15.xml><?xml version="1.0" encoding="utf-8"?>
-<p:sld xmlns:a="http://schemas.openxmlformats.org/drawingml/2006/main" xmlns:r="http://schemas.openxmlformats.org/officeDocument/2006/relationships" xmlns:p="http://schemas.openxmlformats.org/presentationml/2006/main">
-  <p:cSld>
-    <p:spTree>
-      <p:nvGrpSpPr>
-        <p:cNvPr id="1" name=""/>
-        <p:cNvGrpSpPr/>
-        <p:nvPr/>
-      </p:nvGrpSpPr>
-      <p:grpSpPr>
-        <a:xfrm>
-          <a:off x="0" y="0"/>
-          <a:ext cx="0" cy="0"/>
-          <a:chOff x="0" y="0"/>
-          <a:chExt cx="0" cy="0"/>
-        </a:xfrm>
-      </p:grpSpPr>
-      <p:sp>
-        <p:nvSpPr>
-          <p:cNvPr id="6" name="직사각형 5">
-            <a:extLst>
-              <a:ext uri="{FF2B5EF4-FFF2-40B4-BE49-F238E27FC236}">
-                <a16:creationId xmlns:a16="http://schemas.microsoft.com/office/drawing/2014/main" id="{2CF62D37-5DB0-4188-9C66-A20A91CC4BF3}"/>
-              </a:ext>
-            </a:extLst>
-          </p:cNvPr>
-          <p:cNvSpPr/>
-          <p:nvPr/>
-        </p:nvSpPr>
-        <p:spPr>
-          <a:xfrm>
-            <a:off x="1049145" y="260060"/>
-            <a:ext cx="1828800" cy="721453"/>
-          </a:xfrm>
-          <a:prstGeom prst="rect">
-            <a:avLst/>
-          </a:prstGeom>
-        </p:spPr>
-        <p:style>
-          <a:lnRef idx="2">
-            <a:schemeClr val="accent1">
-              <a:shade val="50000"/>
-            </a:schemeClr>
-          </a:lnRef>
-          <a:fillRef idx="1">
-            <a:schemeClr val="accent1"/>
-          </a:fillRef>
-          <a:effectRef idx="0">
-            <a:schemeClr val="accent1"/>
-          </a:effectRef>
-          <a:fontRef idx="minor">
-            <a:schemeClr val="lt1"/>
-          </a:fontRef>
-        </p:style>
-        <p:txBody>
-          <a:bodyPr rtlCol="0" anchor="ctr"/>
-          <a:lstStyle/>
-          <a:p>
-            <a:pPr algn="ctr"/>
-            <a:r>
-              <a:rPr lang="en-US" altLang="ko-KR" dirty="0" err="1"/>
-              <a:t>cefsimple_win</a:t>
-            </a:r>
-            <a:endParaRPr lang="ko-KR" altLang="en-US" dirty="0"/>
-          </a:p>
-        </p:txBody>
-      </p:sp>
-      <p:cxnSp>
-        <p:nvCxnSpPr>
-          <p:cNvPr id="13" name="직선 화살표 연결선 12">
-            <a:extLst>
-              <a:ext uri="{FF2B5EF4-FFF2-40B4-BE49-F238E27FC236}">
-                <a16:creationId xmlns:a16="http://schemas.microsoft.com/office/drawing/2014/main" id="{ED3892F1-261A-4F34-A398-BDBB00510CEC}"/>
-              </a:ext>
-            </a:extLst>
-          </p:cNvPr>
-          <p:cNvCxnSpPr>
-            <a:cxnSpLocks/>
-            <a:stCxn id="6" idx="2"/>
-            <a:endCxn id="7" idx="0"/>
-          </p:cNvCxnSpPr>
-          <p:nvPr/>
-        </p:nvCxnSpPr>
-        <p:spPr>
-          <a:xfrm>
-            <a:off x="1963545" y="981513"/>
-            <a:ext cx="0" cy="369895"/>
-          </a:xfrm>
-          <a:prstGeom prst="straightConnector1">
-            <a:avLst/>
-          </a:prstGeom>
-          <a:ln>
-            <a:tailEnd type="triangle"/>
-          </a:ln>
-        </p:spPr>
-        <p:style>
-          <a:lnRef idx="1">
-            <a:schemeClr val="accent1"/>
-          </a:lnRef>
-          <a:fillRef idx="0">
-            <a:schemeClr val="accent1"/>
-          </a:fillRef>
-          <a:effectRef idx="0">
-            <a:schemeClr val="accent1"/>
-          </a:effectRef>
-          <a:fontRef idx="minor">
-            <a:schemeClr val="tx1"/>
-          </a:fontRef>
-        </p:style>
-      </p:cxnSp>
-      <p:sp>
-        <p:nvSpPr>
-          <p:cNvPr id="7" name="직사각형 6">
-            <a:extLst>
-              <a:ext uri="{FF2B5EF4-FFF2-40B4-BE49-F238E27FC236}">
-                <a16:creationId xmlns:a16="http://schemas.microsoft.com/office/drawing/2014/main" id="{B0901409-1DA1-42D8-98C5-C75D02B0567B}"/>
-              </a:ext>
-            </a:extLst>
-          </p:cNvPr>
-          <p:cNvSpPr/>
-          <p:nvPr/>
-        </p:nvSpPr>
-        <p:spPr>
-          <a:xfrm>
-            <a:off x="1049145" y="1351408"/>
-            <a:ext cx="1828800" cy="721453"/>
-          </a:xfrm>
-          <a:prstGeom prst="rect">
-            <a:avLst/>
-          </a:prstGeom>
-        </p:spPr>
-        <p:style>
-          <a:lnRef idx="2">
-            <a:schemeClr val="accent1">
-              <a:shade val="50000"/>
-            </a:schemeClr>
-          </a:lnRef>
-          <a:fillRef idx="1">
-            <a:schemeClr val="accent1"/>
-          </a:fillRef>
-          <a:effectRef idx="0">
-            <a:schemeClr val="accent1"/>
-          </a:effectRef>
-          <a:fontRef idx="minor">
-            <a:schemeClr val="lt1"/>
-          </a:fontRef>
-        </p:style>
-        <p:txBody>
-          <a:bodyPr rtlCol="0" anchor="ctr"/>
-          <a:lstStyle/>
-          <a:p>
-            <a:pPr algn="ctr"/>
-            <a:r>
-              <a:rPr lang="en-US" altLang="ko-KR" dirty="0" err="1"/>
-              <a:t>simple_app</a:t>
-            </a:r>
-            <a:endParaRPr lang="ko-KR" altLang="en-US" dirty="0"/>
-          </a:p>
-        </p:txBody>
-      </p:sp>
-      <p:cxnSp>
-        <p:nvCxnSpPr>
-          <p:cNvPr id="10" name="직선 화살표 연결선 9">
-            <a:extLst>
-              <a:ext uri="{FF2B5EF4-FFF2-40B4-BE49-F238E27FC236}">
-                <a16:creationId xmlns:a16="http://schemas.microsoft.com/office/drawing/2014/main" id="{89C92DA7-873E-44C1-B3CC-53E49060E3B9}"/>
-              </a:ext>
-            </a:extLst>
-          </p:cNvPr>
-          <p:cNvCxnSpPr>
-            <a:cxnSpLocks/>
-            <a:stCxn id="7" idx="3"/>
-            <a:endCxn id="14" idx="1"/>
-          </p:cNvCxnSpPr>
-          <p:nvPr/>
-        </p:nvCxnSpPr>
-        <p:spPr>
-          <a:xfrm>
-            <a:off x="2877945" y="1712135"/>
-            <a:ext cx="733647" cy="0"/>
-          </a:xfrm>
-          <a:prstGeom prst="straightConnector1">
-            <a:avLst/>
-          </a:prstGeom>
-          <a:ln>
-            <a:tailEnd type="triangle"/>
-          </a:ln>
-        </p:spPr>
-        <p:style>
-          <a:lnRef idx="1">
-            <a:schemeClr val="accent1"/>
-          </a:lnRef>
-          <a:fillRef idx="0">
-            <a:schemeClr val="accent1"/>
-          </a:fillRef>
-          <a:effectRef idx="0">
-            <a:schemeClr val="accent1"/>
-          </a:effectRef>
-          <a:fontRef idx="minor">
-            <a:schemeClr val="tx1"/>
-          </a:fontRef>
-        </p:style>
-      </p:cxnSp>
-      <p:sp>
-        <p:nvSpPr>
-          <p:cNvPr id="14" name="직사각형 13">
-            <a:extLst>
-              <a:ext uri="{FF2B5EF4-FFF2-40B4-BE49-F238E27FC236}">
-                <a16:creationId xmlns:a16="http://schemas.microsoft.com/office/drawing/2014/main" id="{81C668D0-72E0-42B3-81CD-882D45D24443}"/>
-              </a:ext>
-            </a:extLst>
-          </p:cNvPr>
-          <p:cNvSpPr/>
-          <p:nvPr/>
-        </p:nvSpPr>
-        <p:spPr>
-          <a:xfrm>
-            <a:off x="3611592" y="1351408"/>
-            <a:ext cx="1828800" cy="721453"/>
-          </a:xfrm>
-          <a:prstGeom prst="rect">
-            <a:avLst/>
-          </a:prstGeom>
-        </p:spPr>
-        <p:style>
-          <a:lnRef idx="2">
-            <a:schemeClr val="accent1">
-              <a:shade val="50000"/>
-            </a:schemeClr>
-          </a:lnRef>
-          <a:fillRef idx="1">
-            <a:schemeClr val="accent1"/>
-          </a:fillRef>
-          <a:effectRef idx="0">
-            <a:schemeClr val="accent1"/>
-          </a:effectRef>
-          <a:fontRef idx="minor">
-            <a:schemeClr val="lt1"/>
-          </a:fontRef>
-        </p:style>
-        <p:txBody>
-          <a:bodyPr rtlCol="0" anchor="ctr"/>
-          <a:lstStyle/>
-          <a:p>
-            <a:pPr algn="ctr"/>
-            <a:r>
-              <a:rPr lang="en-US" altLang="ko-KR" dirty="0" err="1"/>
-              <a:t>CefInitialize</a:t>
-            </a:r>
-            <a:r>
-              <a:rPr lang="en-US" altLang="ko-KR" dirty="0"/>
-              <a:t>()</a:t>
-            </a:r>
-            <a:endParaRPr lang="ko-KR" altLang="en-US" dirty="0"/>
-          </a:p>
-        </p:txBody>
-      </p:sp>
-    </p:spTree>
-    <p:extLst>
-      <p:ext uri="{BB962C8B-B14F-4D97-AF65-F5344CB8AC3E}">
-        <p14:creationId xmlns:p14="http://schemas.microsoft.com/office/powerpoint/2010/main" val="1679453139"/>
-      </p:ext>
-    </p:extLst>
-  </p:cSld>
-  <p:clrMapOvr>
-    <a:masterClrMapping/>
-  </p:clrMapOvr>
-</p:sld>
-</file>
-
-<file path=ppt/slides/slide16.xml><?xml version="1.0" encoding="utf-8"?>
-<p:sld xmlns:a="http://schemas.openxmlformats.org/drawingml/2006/main" xmlns:r="http://schemas.openxmlformats.org/officeDocument/2006/relationships" xmlns:p="http://schemas.openxmlformats.org/presentationml/2006/main">
-  <p:cSld>
-    <p:spTree>
-      <p:nvGrpSpPr>
-        <p:cNvPr id="1" name=""/>
-        <p:cNvGrpSpPr/>
-        <p:nvPr/>
-      </p:nvGrpSpPr>
-      <p:grpSpPr>
-        <a:xfrm>
-          <a:off x="0" y="0"/>
-          <a:ext cx="0" cy="0"/>
-          <a:chOff x="0" y="0"/>
-          <a:chExt cx="0" cy="0"/>
-        </a:xfrm>
-      </p:grpSpPr>
-      <p:sp>
-        <p:nvSpPr>
-          <p:cNvPr id="8" name="직사각형 7">
-            <a:extLst>
-              <a:ext uri="{FF2B5EF4-FFF2-40B4-BE49-F238E27FC236}">
-                <a16:creationId xmlns:a16="http://schemas.microsoft.com/office/drawing/2014/main" id="{98BA3C74-356C-4B9C-9A6D-DA841B2FD319}"/>
-              </a:ext>
-            </a:extLst>
-          </p:cNvPr>
-          <p:cNvSpPr/>
-          <p:nvPr/>
-        </p:nvSpPr>
-        <p:spPr>
-          <a:xfrm>
-            <a:off x="719535" y="1227631"/>
-            <a:ext cx="1828800" cy="721453"/>
-          </a:xfrm>
-          <a:prstGeom prst="rect">
-            <a:avLst/>
-          </a:prstGeom>
-        </p:spPr>
-        <p:style>
-          <a:lnRef idx="2">
-            <a:schemeClr val="accent1">
-              <a:shade val="50000"/>
-            </a:schemeClr>
-          </a:lnRef>
-          <a:fillRef idx="1">
-            <a:schemeClr val="accent1"/>
-          </a:fillRef>
-          <a:effectRef idx="0">
-            <a:schemeClr val="accent1"/>
-          </a:effectRef>
-          <a:fontRef idx="minor">
-            <a:schemeClr val="lt1"/>
-          </a:fontRef>
-        </p:style>
-        <p:txBody>
-          <a:bodyPr rtlCol="0" anchor="ctr"/>
-          <a:lstStyle/>
-          <a:p>
-            <a:pPr algn="ctr"/>
-            <a:r>
-              <a:rPr lang="en-US" altLang="ko-KR" sz="1200" dirty="0"/>
-              <a:t>base::</a:t>
-            </a:r>
-            <a:r>
-              <a:rPr lang="en-US" altLang="ko-KR" sz="1200" dirty="0" err="1"/>
-              <a:t>RefCountedThreadSafe</a:t>
-            </a:r>
-            <a:endParaRPr lang="ko-KR" altLang="en-US" sz="1200" dirty="0"/>
-          </a:p>
-        </p:txBody>
-      </p:sp>
-      <p:cxnSp>
-        <p:nvCxnSpPr>
-          <p:cNvPr id="9" name="직선 화살표 연결선 8">
-            <a:extLst>
-              <a:ext uri="{FF2B5EF4-FFF2-40B4-BE49-F238E27FC236}">
-                <a16:creationId xmlns:a16="http://schemas.microsoft.com/office/drawing/2014/main" id="{F343E0B7-C02B-41D5-A5E4-174F0A2CCC8D}"/>
-              </a:ext>
-            </a:extLst>
-          </p:cNvPr>
-          <p:cNvCxnSpPr>
-            <a:cxnSpLocks/>
-            <a:stCxn id="8" idx="2"/>
-            <a:endCxn id="10" idx="0"/>
-          </p:cNvCxnSpPr>
-          <p:nvPr/>
-        </p:nvCxnSpPr>
-        <p:spPr>
-          <a:xfrm>
-            <a:off x="1633935" y="1949084"/>
-            <a:ext cx="0" cy="167868"/>
-          </a:xfrm>
-          <a:prstGeom prst="straightConnector1">
-            <a:avLst/>
-          </a:prstGeom>
-          <a:ln>
-            <a:tailEnd type="triangle"/>
-          </a:ln>
-        </p:spPr>
-        <p:style>
-          <a:lnRef idx="1">
-            <a:schemeClr val="accent1"/>
-          </a:lnRef>
-          <a:fillRef idx="0">
-            <a:schemeClr val="accent1"/>
-          </a:fillRef>
-          <a:effectRef idx="0">
-            <a:schemeClr val="accent1"/>
-          </a:effectRef>
-          <a:fontRef idx="minor">
-            <a:schemeClr val="tx1"/>
-          </a:fontRef>
-        </p:style>
-      </p:cxnSp>
-      <p:sp>
-        <p:nvSpPr>
-          <p:cNvPr id="10" name="직사각형 9">
-            <a:extLst>
-              <a:ext uri="{FF2B5EF4-FFF2-40B4-BE49-F238E27FC236}">
-                <a16:creationId xmlns:a16="http://schemas.microsoft.com/office/drawing/2014/main" id="{174E8726-55D4-46AA-AC34-3466A13F461E}"/>
-              </a:ext>
-            </a:extLst>
-          </p:cNvPr>
-          <p:cNvSpPr/>
-          <p:nvPr/>
-        </p:nvSpPr>
-        <p:spPr>
-          <a:xfrm>
-            <a:off x="719535" y="2116952"/>
-            <a:ext cx="1828800" cy="721453"/>
-          </a:xfrm>
-          <a:prstGeom prst="rect">
-            <a:avLst/>
-          </a:prstGeom>
-        </p:spPr>
-        <p:style>
-          <a:lnRef idx="2">
-            <a:schemeClr val="accent1">
-              <a:shade val="50000"/>
-            </a:schemeClr>
-          </a:lnRef>
-          <a:fillRef idx="1">
-            <a:schemeClr val="accent1"/>
-          </a:fillRef>
-          <a:effectRef idx="0">
-            <a:schemeClr val="accent1"/>
-          </a:effectRef>
-          <a:fontRef idx="minor">
-            <a:schemeClr val="lt1"/>
-          </a:fontRef>
-        </p:style>
-        <p:txBody>
-          <a:bodyPr rtlCol="0" anchor="ctr"/>
-          <a:lstStyle/>
-          <a:p>
-            <a:pPr algn="ctr"/>
-            <a:r>
-              <a:rPr lang="en-US" altLang="ko-KR" sz="1200" dirty="0" err="1"/>
-              <a:t>RootWindow</a:t>
-            </a:r>
-            <a:endParaRPr lang="ko-KR" altLang="en-US" sz="1200" dirty="0"/>
-          </a:p>
-        </p:txBody>
-      </p:sp>
-      <p:cxnSp>
-        <p:nvCxnSpPr>
-          <p:cNvPr id="14" name="직선 화살표 연결선 13">
-            <a:extLst>
-              <a:ext uri="{FF2B5EF4-FFF2-40B4-BE49-F238E27FC236}">
-                <a16:creationId xmlns:a16="http://schemas.microsoft.com/office/drawing/2014/main" id="{3BDCF38D-B4EE-4046-93A6-C69E95D6BB4A}"/>
-              </a:ext>
-            </a:extLst>
-          </p:cNvPr>
-          <p:cNvCxnSpPr>
-            <a:cxnSpLocks/>
-            <a:stCxn id="10" idx="1"/>
-            <a:endCxn id="25" idx="0"/>
-          </p:cNvCxnSpPr>
-          <p:nvPr/>
-        </p:nvCxnSpPr>
-        <p:spPr>
-          <a:xfrm>
-            <a:off x="719535" y="2477679"/>
-            <a:ext cx="914400" cy="537430"/>
-          </a:xfrm>
-          <a:prstGeom prst="straightConnector1">
-            <a:avLst/>
-          </a:prstGeom>
-          <a:ln>
-            <a:tailEnd type="triangle"/>
-          </a:ln>
-        </p:spPr>
-        <p:style>
-          <a:lnRef idx="1">
-            <a:schemeClr val="accent1"/>
-          </a:lnRef>
-          <a:fillRef idx="0">
-            <a:schemeClr val="accent1"/>
-          </a:fillRef>
-          <a:effectRef idx="0">
-            <a:schemeClr val="accent1"/>
-          </a:effectRef>
-          <a:fontRef idx="minor">
-            <a:schemeClr val="tx1"/>
-          </a:fontRef>
-        </p:style>
-      </p:cxnSp>
-      <p:cxnSp>
-        <p:nvCxnSpPr>
-          <p:cNvPr id="17" name="직선 화살표 연결선 16">
-            <a:extLst>
-              <a:ext uri="{FF2B5EF4-FFF2-40B4-BE49-F238E27FC236}">
-                <a16:creationId xmlns:a16="http://schemas.microsoft.com/office/drawing/2014/main" id="{13B7B643-1A07-4AA1-A6D0-015A02E43385}"/>
-              </a:ext>
-            </a:extLst>
-          </p:cNvPr>
-          <p:cNvCxnSpPr>
-            <a:cxnSpLocks/>
-            <a:stCxn id="10" idx="3"/>
-            <a:endCxn id="25" idx="0"/>
-          </p:cNvCxnSpPr>
-          <p:nvPr/>
-        </p:nvCxnSpPr>
-        <p:spPr>
-          <a:xfrm flipH="1">
-            <a:off x="1633935" y="2477679"/>
-            <a:ext cx="914400" cy="537430"/>
-          </a:xfrm>
-          <a:prstGeom prst="straightConnector1">
-            <a:avLst/>
-          </a:prstGeom>
-          <a:ln>
-            <a:tailEnd type="triangle"/>
-          </a:ln>
-        </p:spPr>
-        <p:style>
-          <a:lnRef idx="1">
-            <a:schemeClr val="accent1"/>
-          </a:lnRef>
-          <a:fillRef idx="0">
-            <a:schemeClr val="accent1"/>
-          </a:fillRef>
-          <a:effectRef idx="0">
-            <a:schemeClr val="accent1"/>
-          </a:effectRef>
-          <a:fontRef idx="minor">
-            <a:schemeClr val="tx1"/>
-          </a:fontRef>
-        </p:style>
-      </p:cxnSp>
-      <p:sp>
-        <p:nvSpPr>
-          <p:cNvPr id="25" name="직사각형 24">
-            <a:extLst>
-              <a:ext uri="{FF2B5EF4-FFF2-40B4-BE49-F238E27FC236}">
-                <a16:creationId xmlns:a16="http://schemas.microsoft.com/office/drawing/2014/main" id="{C87E9168-3076-49D8-891B-F278084A7E8F}"/>
-              </a:ext>
-            </a:extLst>
-          </p:cNvPr>
-          <p:cNvSpPr/>
-          <p:nvPr/>
-        </p:nvSpPr>
-        <p:spPr>
-          <a:xfrm>
-            <a:off x="719535" y="3015109"/>
-            <a:ext cx="1828800" cy="721453"/>
-          </a:xfrm>
-          <a:prstGeom prst="rect">
-            <a:avLst/>
-          </a:prstGeom>
-        </p:spPr>
-        <p:style>
-          <a:lnRef idx="2">
-            <a:schemeClr val="accent1">
-              <a:shade val="50000"/>
-            </a:schemeClr>
-          </a:lnRef>
-          <a:fillRef idx="1">
-            <a:schemeClr val="accent1"/>
-          </a:fillRef>
-          <a:effectRef idx="0">
-            <a:schemeClr val="accent1"/>
-          </a:effectRef>
-          <a:fontRef idx="minor">
-            <a:schemeClr val="lt1"/>
-          </a:fontRef>
-        </p:style>
-        <p:txBody>
-          <a:bodyPr rtlCol="0" anchor="ctr"/>
-          <a:lstStyle/>
-          <a:p>
-            <a:pPr algn="ctr"/>
-            <a:r>
-              <a:rPr lang="en-US" altLang="ko-KR" sz="1200" dirty="0"/>
-              <a:t>Delegate</a:t>
-            </a:r>
-            <a:endParaRPr lang="ko-KR" altLang="en-US" sz="1200" dirty="0"/>
-          </a:p>
-        </p:txBody>
-      </p:sp>
-      <p:sp>
-        <p:nvSpPr>
-          <p:cNvPr id="30" name="TextBox 29">
-            <a:extLst>
-              <a:ext uri="{FF2B5EF4-FFF2-40B4-BE49-F238E27FC236}">
-                <a16:creationId xmlns:a16="http://schemas.microsoft.com/office/drawing/2014/main" id="{AFC07426-659D-4779-9028-22488E207C2D}"/>
-              </a:ext>
-            </a:extLst>
-          </p:cNvPr>
-          <p:cNvSpPr txBox="1"/>
-          <p:nvPr/>
-        </p:nvSpPr>
-        <p:spPr>
-          <a:xfrm>
-            <a:off x="2684826" y="2271301"/>
-            <a:ext cx="3779774" cy="646331"/>
-          </a:xfrm>
-          <a:prstGeom prst="rect">
-            <a:avLst/>
-          </a:prstGeom>
-          <a:noFill/>
-        </p:spPr>
-        <p:txBody>
-          <a:bodyPr wrap="square" rtlCol="0">
-            <a:spAutoFit/>
-          </a:bodyPr>
-          <a:lstStyle/>
-          <a:p>
-            <a:r>
-              <a:rPr lang="en-US" altLang="ko-KR" dirty="0" err="1"/>
-              <a:t>RootWindow</a:t>
-            </a:r>
-            <a:r>
-              <a:rPr lang="en-US" altLang="ko-KR" dirty="0"/>
-              <a:t>: </a:t>
-            </a:r>
-            <a:r>
-              <a:rPr lang="ko-KR" altLang="en-US" dirty="0"/>
-              <a:t>최상위 창 인스턴스</a:t>
-            </a:r>
-            <a:endParaRPr lang="en-US" altLang="ko-KR" dirty="0"/>
-          </a:p>
-          <a:p>
-            <a:endParaRPr lang="ko-KR" altLang="en-US" dirty="0"/>
-          </a:p>
-        </p:txBody>
-      </p:sp>
-      <p:cxnSp>
-        <p:nvCxnSpPr>
-          <p:cNvPr id="31" name="직선 화살표 연결선 30">
-            <a:extLst>
-              <a:ext uri="{FF2B5EF4-FFF2-40B4-BE49-F238E27FC236}">
-                <a16:creationId xmlns:a16="http://schemas.microsoft.com/office/drawing/2014/main" id="{E8097162-3D6C-4C69-9D9D-37E416563199}"/>
-              </a:ext>
-            </a:extLst>
-          </p:cNvPr>
-          <p:cNvCxnSpPr>
-            <a:cxnSpLocks/>
-            <a:endCxn id="34" idx="0"/>
-          </p:cNvCxnSpPr>
-          <p:nvPr/>
-        </p:nvCxnSpPr>
-        <p:spPr>
-          <a:xfrm>
-            <a:off x="1633935" y="3545168"/>
-            <a:ext cx="0" cy="360726"/>
-          </a:xfrm>
-          <a:prstGeom prst="straightConnector1">
-            <a:avLst/>
-          </a:prstGeom>
-          <a:ln>
-            <a:tailEnd type="triangle"/>
-          </a:ln>
-        </p:spPr>
-        <p:style>
-          <a:lnRef idx="1">
-            <a:schemeClr val="accent1"/>
-          </a:lnRef>
-          <a:fillRef idx="0">
-            <a:schemeClr val="accent1"/>
-          </a:fillRef>
-          <a:effectRef idx="0">
-            <a:schemeClr val="accent1"/>
-          </a:effectRef>
-          <a:fontRef idx="minor">
-            <a:schemeClr val="tx1"/>
-          </a:fontRef>
-        </p:style>
-      </p:cxnSp>
-      <p:sp>
-        <p:nvSpPr>
-          <p:cNvPr id="34" name="직사각형 33">
-            <a:extLst>
-              <a:ext uri="{FF2B5EF4-FFF2-40B4-BE49-F238E27FC236}">
-                <a16:creationId xmlns:a16="http://schemas.microsoft.com/office/drawing/2014/main" id="{AF256BE0-FBFF-4557-B1BE-FCA248DDA859}"/>
-              </a:ext>
-            </a:extLst>
-          </p:cNvPr>
-          <p:cNvSpPr/>
-          <p:nvPr/>
-        </p:nvSpPr>
-        <p:spPr>
-          <a:xfrm>
-            <a:off x="719535" y="3905894"/>
-            <a:ext cx="1828800" cy="721453"/>
-          </a:xfrm>
-          <a:prstGeom prst="rect">
-            <a:avLst/>
-          </a:prstGeom>
-        </p:spPr>
-        <p:style>
-          <a:lnRef idx="2">
-            <a:schemeClr val="accent1">
-              <a:shade val="50000"/>
-            </a:schemeClr>
-          </a:lnRef>
-          <a:fillRef idx="1">
-            <a:schemeClr val="accent1"/>
-          </a:fillRef>
-          <a:effectRef idx="0">
-            <a:schemeClr val="accent1"/>
-          </a:effectRef>
-          <a:fontRef idx="minor">
-            <a:schemeClr val="lt1"/>
-          </a:fontRef>
-        </p:style>
-        <p:txBody>
-          <a:bodyPr rtlCol="0" anchor="ctr"/>
-          <a:lstStyle/>
-          <a:p>
-            <a:pPr algn="ctr"/>
-            <a:r>
-              <a:rPr lang="en-US" altLang="ko-KR" sz="1200" dirty="0" err="1"/>
-              <a:t>RootWindowManager</a:t>
-            </a:r>
-            <a:endParaRPr lang="ko-KR" altLang="en-US" sz="1200" dirty="0"/>
-          </a:p>
-        </p:txBody>
-      </p:sp>
-      <p:sp>
-        <p:nvSpPr>
-          <p:cNvPr id="37" name="TextBox 36">
-            <a:extLst>
-              <a:ext uri="{FF2B5EF4-FFF2-40B4-BE49-F238E27FC236}">
-                <a16:creationId xmlns:a16="http://schemas.microsoft.com/office/drawing/2014/main" id="{E03F61F1-BCEA-416B-885F-B3775BF9DDC2}"/>
-              </a:ext>
-            </a:extLst>
-          </p:cNvPr>
-          <p:cNvSpPr txBox="1"/>
-          <p:nvPr/>
-        </p:nvSpPr>
-        <p:spPr>
-          <a:xfrm>
-            <a:off x="2651050" y="3943887"/>
-            <a:ext cx="4965339" cy="646331"/>
-          </a:xfrm>
-          <a:prstGeom prst="rect">
-            <a:avLst/>
-          </a:prstGeom>
-          <a:noFill/>
-        </p:spPr>
-        <p:txBody>
-          <a:bodyPr wrap="square" rtlCol="0">
-            <a:spAutoFit/>
-          </a:bodyPr>
-          <a:lstStyle/>
-          <a:p>
-            <a:r>
-              <a:rPr lang="en-US" altLang="ko-KR" dirty="0" err="1"/>
-              <a:t>RootWindowManager</a:t>
-            </a:r>
-            <a:r>
-              <a:rPr lang="en-US" altLang="ko-KR" dirty="0"/>
-              <a:t>: </a:t>
-            </a:r>
-            <a:r>
-              <a:rPr lang="ko-KR" altLang="en-US" dirty="0"/>
-              <a:t>브라우저 프로세스 내의 창들을 생성하고 관리하는 매니저</a:t>
-            </a:r>
-          </a:p>
-        </p:txBody>
-      </p:sp>
-      <p:cxnSp>
-        <p:nvCxnSpPr>
-          <p:cNvPr id="38" name="직선 화살표 연결선 37">
-            <a:extLst>
-              <a:ext uri="{FF2B5EF4-FFF2-40B4-BE49-F238E27FC236}">
-                <a16:creationId xmlns:a16="http://schemas.microsoft.com/office/drawing/2014/main" id="{30460C3C-11E8-4D14-B0F9-A1EAEA12C444}"/>
-              </a:ext>
-            </a:extLst>
-          </p:cNvPr>
-          <p:cNvCxnSpPr>
-            <a:cxnSpLocks/>
-            <a:stCxn id="34" idx="2"/>
-            <a:endCxn id="41" idx="0"/>
-          </p:cNvCxnSpPr>
-          <p:nvPr/>
-        </p:nvCxnSpPr>
-        <p:spPr>
-          <a:xfrm flipH="1">
-            <a:off x="1632196" y="4627347"/>
-            <a:ext cx="1739" cy="169332"/>
-          </a:xfrm>
-          <a:prstGeom prst="straightConnector1">
-            <a:avLst/>
-          </a:prstGeom>
-          <a:ln>
-            <a:tailEnd type="triangle"/>
-          </a:ln>
-        </p:spPr>
-        <p:style>
-          <a:lnRef idx="1">
-            <a:schemeClr val="accent1"/>
-          </a:lnRef>
-          <a:fillRef idx="0">
-            <a:schemeClr val="accent1"/>
-          </a:fillRef>
-          <a:effectRef idx="0">
-            <a:schemeClr val="accent1"/>
-          </a:effectRef>
-          <a:fontRef idx="minor">
-            <a:schemeClr val="tx1"/>
-          </a:fontRef>
-        </p:style>
-      </p:cxnSp>
-      <p:sp>
-        <p:nvSpPr>
-          <p:cNvPr id="41" name="직사각형 40">
-            <a:extLst>
-              <a:ext uri="{FF2B5EF4-FFF2-40B4-BE49-F238E27FC236}">
-                <a16:creationId xmlns:a16="http://schemas.microsoft.com/office/drawing/2014/main" id="{CDFA0E96-696C-404D-B681-13BDA07BA12F}"/>
-              </a:ext>
-            </a:extLst>
-          </p:cNvPr>
-          <p:cNvSpPr/>
-          <p:nvPr/>
-        </p:nvSpPr>
-        <p:spPr>
-          <a:xfrm>
-            <a:off x="717796" y="4796679"/>
-            <a:ext cx="1828800" cy="721453"/>
-          </a:xfrm>
-          <a:prstGeom prst="rect">
-            <a:avLst/>
-          </a:prstGeom>
-        </p:spPr>
-        <p:style>
-          <a:lnRef idx="2">
-            <a:schemeClr val="accent1">
-              <a:shade val="50000"/>
-            </a:schemeClr>
-          </a:lnRef>
-          <a:fillRef idx="1">
-            <a:schemeClr val="accent1"/>
-          </a:fillRef>
-          <a:effectRef idx="0">
-            <a:schemeClr val="accent1"/>
-          </a:effectRef>
-          <a:fontRef idx="minor">
-            <a:schemeClr val="lt1"/>
-          </a:fontRef>
-        </p:style>
-        <p:txBody>
-          <a:bodyPr rtlCol="0" anchor="ctr"/>
-          <a:lstStyle/>
-          <a:p>
-            <a:pPr algn="ctr"/>
-            <a:r>
-              <a:rPr lang="en-US" altLang="ko-KR" sz="1200" dirty="0" err="1"/>
-              <a:t>CreateRootWindow</a:t>
-            </a:r>
-            <a:endParaRPr lang="ko-KR" altLang="en-US" sz="1200" dirty="0"/>
-          </a:p>
-        </p:txBody>
-      </p:sp>
-      <p:cxnSp>
-        <p:nvCxnSpPr>
-          <p:cNvPr id="42" name="직선 화살표 연결선 41">
-            <a:extLst>
-              <a:ext uri="{FF2B5EF4-FFF2-40B4-BE49-F238E27FC236}">
-                <a16:creationId xmlns:a16="http://schemas.microsoft.com/office/drawing/2014/main" id="{02DB5E54-7FB3-4E0C-9BF8-4426234D3E02}"/>
-              </a:ext>
-            </a:extLst>
-          </p:cNvPr>
-          <p:cNvCxnSpPr>
-            <a:cxnSpLocks/>
-            <a:endCxn id="43" idx="0"/>
-          </p:cNvCxnSpPr>
-          <p:nvPr/>
-        </p:nvCxnSpPr>
-        <p:spPr>
-          <a:xfrm>
-            <a:off x="10706985" y="1031311"/>
-            <a:ext cx="0" cy="769290"/>
-          </a:xfrm>
-          <a:prstGeom prst="straightConnector1">
-            <a:avLst/>
-          </a:prstGeom>
-          <a:ln>
-            <a:tailEnd type="triangle"/>
-          </a:ln>
-        </p:spPr>
-        <p:style>
-          <a:lnRef idx="1">
-            <a:schemeClr val="accent1"/>
-          </a:lnRef>
-          <a:fillRef idx="0">
-            <a:schemeClr val="accent1"/>
-          </a:fillRef>
-          <a:effectRef idx="0">
-            <a:schemeClr val="accent1"/>
-          </a:effectRef>
-          <a:fontRef idx="minor">
-            <a:schemeClr val="tx1"/>
-          </a:fontRef>
-        </p:style>
-      </p:cxnSp>
-      <p:sp>
-        <p:nvSpPr>
-          <p:cNvPr id="43" name="직사각형 42">
-            <a:extLst>
-              <a:ext uri="{FF2B5EF4-FFF2-40B4-BE49-F238E27FC236}">
-                <a16:creationId xmlns:a16="http://schemas.microsoft.com/office/drawing/2014/main" id="{72176981-7A06-457B-93F8-4209761C751F}"/>
-              </a:ext>
-            </a:extLst>
-          </p:cNvPr>
-          <p:cNvSpPr/>
-          <p:nvPr/>
-        </p:nvSpPr>
-        <p:spPr>
-          <a:xfrm>
-            <a:off x="9792585" y="1800601"/>
-            <a:ext cx="1828800" cy="721453"/>
-          </a:xfrm>
-          <a:prstGeom prst="rect">
-            <a:avLst/>
-          </a:prstGeom>
-        </p:spPr>
-        <p:style>
-          <a:lnRef idx="2">
-            <a:schemeClr val="accent1">
-              <a:shade val="50000"/>
-            </a:schemeClr>
-          </a:lnRef>
-          <a:fillRef idx="1">
-            <a:schemeClr val="accent1"/>
-          </a:fillRef>
-          <a:effectRef idx="0">
-            <a:schemeClr val="accent1"/>
-          </a:effectRef>
-          <a:fontRef idx="minor">
-            <a:schemeClr val="lt1"/>
-          </a:fontRef>
-        </p:style>
-        <p:txBody>
-          <a:bodyPr rtlCol="0" anchor="ctr"/>
-          <a:lstStyle/>
-          <a:p>
-            <a:pPr algn="ctr"/>
-            <a:endParaRPr lang="ko-KR" altLang="en-US" dirty="0"/>
-          </a:p>
-        </p:txBody>
-      </p:sp>
-      <p:cxnSp>
-        <p:nvCxnSpPr>
-          <p:cNvPr id="48" name="직선 화살표 연결선 47">
-            <a:extLst>
-              <a:ext uri="{FF2B5EF4-FFF2-40B4-BE49-F238E27FC236}">
-                <a16:creationId xmlns:a16="http://schemas.microsoft.com/office/drawing/2014/main" id="{9D6EC002-B906-4368-9ABC-26B0666B8D5D}"/>
-              </a:ext>
-            </a:extLst>
-          </p:cNvPr>
-          <p:cNvCxnSpPr>
-            <a:cxnSpLocks/>
-            <a:endCxn id="52" idx="1"/>
-          </p:cNvCxnSpPr>
-          <p:nvPr/>
-        </p:nvCxnSpPr>
-        <p:spPr>
-          <a:xfrm>
-            <a:off x="2530751" y="6316355"/>
-            <a:ext cx="154075" cy="0"/>
-          </a:xfrm>
-          <a:prstGeom prst="straightConnector1">
-            <a:avLst/>
-          </a:prstGeom>
-          <a:ln>
-            <a:tailEnd type="triangle"/>
-          </a:ln>
-        </p:spPr>
-        <p:style>
-          <a:lnRef idx="1">
-            <a:schemeClr val="accent1"/>
-          </a:lnRef>
-          <a:fillRef idx="0">
-            <a:schemeClr val="accent1"/>
-          </a:fillRef>
-          <a:effectRef idx="0">
-            <a:schemeClr val="accent1"/>
-          </a:effectRef>
-          <a:fontRef idx="minor">
-            <a:schemeClr val="tx1"/>
-          </a:fontRef>
-        </p:style>
-      </p:cxnSp>
-      <p:sp>
-        <p:nvSpPr>
-          <p:cNvPr id="52" name="직사각형 51">
-            <a:extLst>
-              <a:ext uri="{FF2B5EF4-FFF2-40B4-BE49-F238E27FC236}">
-                <a16:creationId xmlns:a16="http://schemas.microsoft.com/office/drawing/2014/main" id="{373F8AD0-55F8-47CD-B091-AC1C7ABC2BFC}"/>
-              </a:ext>
-            </a:extLst>
-          </p:cNvPr>
-          <p:cNvSpPr/>
-          <p:nvPr/>
-        </p:nvSpPr>
-        <p:spPr>
-          <a:xfrm>
-            <a:off x="2684826" y="5955628"/>
-            <a:ext cx="1828800" cy="721453"/>
-          </a:xfrm>
-          <a:prstGeom prst="rect">
-            <a:avLst/>
-          </a:prstGeom>
-        </p:spPr>
-        <p:style>
-          <a:lnRef idx="2">
-            <a:schemeClr val="accent1">
-              <a:shade val="50000"/>
-            </a:schemeClr>
-          </a:lnRef>
-          <a:fillRef idx="1">
-            <a:schemeClr val="accent1"/>
-          </a:fillRef>
-          <a:effectRef idx="0">
-            <a:schemeClr val="accent1"/>
-          </a:effectRef>
-          <a:fontRef idx="minor">
-            <a:schemeClr val="lt1"/>
-          </a:fontRef>
-        </p:style>
-        <p:txBody>
-          <a:bodyPr rtlCol="0" anchor="ctr"/>
-          <a:lstStyle/>
-          <a:p>
-            <a:pPr algn="ctr"/>
-            <a:r>
-              <a:rPr lang="en-US" altLang="ko-KR" sz="1200" dirty="0" err="1"/>
-              <a:t>RootWindowWin</a:t>
-            </a:r>
-            <a:endParaRPr lang="ko-KR" altLang="en-US" sz="1200" dirty="0"/>
-          </a:p>
-        </p:txBody>
-      </p:sp>
-      <p:cxnSp>
-        <p:nvCxnSpPr>
-          <p:cNvPr id="55" name="직선 화살표 연결선 54">
-            <a:extLst>
-              <a:ext uri="{FF2B5EF4-FFF2-40B4-BE49-F238E27FC236}">
-                <a16:creationId xmlns:a16="http://schemas.microsoft.com/office/drawing/2014/main" id="{82DCB6EB-5B3A-4BD1-AD7C-FF463D147900}"/>
-              </a:ext>
-            </a:extLst>
-          </p:cNvPr>
-          <p:cNvCxnSpPr>
-            <a:cxnSpLocks/>
-            <a:stCxn id="52" idx="3"/>
-            <a:endCxn id="56" idx="1"/>
-          </p:cNvCxnSpPr>
-          <p:nvPr/>
-        </p:nvCxnSpPr>
-        <p:spPr>
-          <a:xfrm>
-            <a:off x="4513626" y="6316355"/>
-            <a:ext cx="322519" cy="0"/>
-          </a:xfrm>
-          <a:prstGeom prst="straightConnector1">
-            <a:avLst/>
-          </a:prstGeom>
-          <a:ln>
-            <a:tailEnd type="triangle"/>
-          </a:ln>
-        </p:spPr>
-        <p:style>
-          <a:lnRef idx="1">
-            <a:schemeClr val="accent1"/>
-          </a:lnRef>
-          <a:fillRef idx="0">
-            <a:schemeClr val="accent1"/>
-          </a:fillRef>
-          <a:effectRef idx="0">
-            <a:schemeClr val="accent1"/>
-          </a:effectRef>
-          <a:fontRef idx="minor">
-            <a:schemeClr val="tx1"/>
-          </a:fontRef>
-        </p:style>
-      </p:cxnSp>
-      <p:sp>
-        <p:nvSpPr>
-          <p:cNvPr id="56" name="직사각형 55">
-            <a:extLst>
-              <a:ext uri="{FF2B5EF4-FFF2-40B4-BE49-F238E27FC236}">
-                <a16:creationId xmlns:a16="http://schemas.microsoft.com/office/drawing/2014/main" id="{813BDB72-3FF3-4E18-B17A-F9F72113A507}"/>
-              </a:ext>
-            </a:extLst>
-          </p:cNvPr>
-          <p:cNvSpPr/>
-          <p:nvPr/>
-        </p:nvSpPr>
-        <p:spPr>
-          <a:xfrm>
-            <a:off x="4836145" y="5955628"/>
-            <a:ext cx="1828800" cy="721453"/>
-          </a:xfrm>
-          <a:prstGeom prst="rect">
-            <a:avLst/>
-          </a:prstGeom>
-        </p:spPr>
-        <p:style>
-          <a:lnRef idx="2">
-            <a:schemeClr val="accent1">
-              <a:shade val="50000"/>
-            </a:schemeClr>
-          </a:lnRef>
-          <a:fillRef idx="1">
-            <a:schemeClr val="accent1"/>
-          </a:fillRef>
-          <a:effectRef idx="0">
-            <a:schemeClr val="accent1"/>
-          </a:effectRef>
-          <a:fontRef idx="minor">
-            <a:schemeClr val="lt1"/>
-          </a:fontRef>
-        </p:style>
-        <p:txBody>
-          <a:bodyPr rtlCol="0" anchor="ctr"/>
-          <a:lstStyle/>
-          <a:p>
-            <a:pPr algn="ctr"/>
-            <a:r>
-              <a:rPr lang="en-US" altLang="ko-KR" sz="1200" dirty="0" err="1"/>
-              <a:t>BrowserWindowStdWin</a:t>
-            </a:r>
-            <a:endParaRPr lang="ko-KR" altLang="en-US" sz="1200" dirty="0"/>
-          </a:p>
-        </p:txBody>
-      </p:sp>
-      <p:cxnSp>
-        <p:nvCxnSpPr>
-          <p:cNvPr id="58" name="직선 화살표 연결선 57">
-            <a:extLst>
-              <a:ext uri="{FF2B5EF4-FFF2-40B4-BE49-F238E27FC236}">
-                <a16:creationId xmlns:a16="http://schemas.microsoft.com/office/drawing/2014/main" id="{179DA8F3-3393-4DD4-A94A-5F570946227A}"/>
-              </a:ext>
-            </a:extLst>
-          </p:cNvPr>
-          <p:cNvCxnSpPr>
-            <a:cxnSpLocks/>
-            <a:stCxn id="56" idx="3"/>
-            <a:endCxn id="59" idx="1"/>
-          </p:cNvCxnSpPr>
-          <p:nvPr/>
-        </p:nvCxnSpPr>
-        <p:spPr>
-          <a:xfrm>
-            <a:off x="6664945" y="6316355"/>
-            <a:ext cx="476594" cy="0"/>
-          </a:xfrm>
-          <a:prstGeom prst="straightConnector1">
-            <a:avLst/>
-          </a:prstGeom>
-          <a:ln>
-            <a:tailEnd type="triangle"/>
-          </a:ln>
-        </p:spPr>
-        <p:style>
-          <a:lnRef idx="1">
-            <a:schemeClr val="accent1"/>
-          </a:lnRef>
-          <a:fillRef idx="0">
-            <a:schemeClr val="accent1"/>
-          </a:fillRef>
-          <a:effectRef idx="0">
-            <a:schemeClr val="accent1"/>
-          </a:effectRef>
-          <a:fontRef idx="minor">
-            <a:schemeClr val="tx1"/>
-          </a:fontRef>
-        </p:style>
-      </p:cxnSp>
-      <p:sp>
-        <p:nvSpPr>
-          <p:cNvPr id="59" name="직사각형 58">
-            <a:extLst>
-              <a:ext uri="{FF2B5EF4-FFF2-40B4-BE49-F238E27FC236}">
-                <a16:creationId xmlns:a16="http://schemas.microsoft.com/office/drawing/2014/main" id="{05CF5917-E068-4F3A-A3A0-717067EAF300}"/>
-              </a:ext>
-            </a:extLst>
-          </p:cNvPr>
-          <p:cNvSpPr/>
-          <p:nvPr/>
-        </p:nvSpPr>
-        <p:spPr>
-          <a:xfrm>
-            <a:off x="7141539" y="5955628"/>
-            <a:ext cx="1828800" cy="721453"/>
-          </a:xfrm>
-          <a:prstGeom prst="rect">
-            <a:avLst/>
-          </a:prstGeom>
-        </p:spPr>
-        <p:style>
-          <a:lnRef idx="2">
-            <a:schemeClr val="accent1">
-              <a:shade val="50000"/>
-            </a:schemeClr>
-          </a:lnRef>
-          <a:fillRef idx="1">
-            <a:schemeClr val="accent1"/>
-          </a:fillRef>
-          <a:effectRef idx="0">
-            <a:schemeClr val="accent1"/>
-          </a:effectRef>
-          <a:fontRef idx="minor">
-            <a:schemeClr val="lt1"/>
-          </a:fontRef>
-        </p:style>
-        <p:txBody>
-          <a:bodyPr rtlCol="0" anchor="ctr"/>
-          <a:lstStyle/>
-          <a:p>
-            <a:pPr algn="ctr"/>
-            <a:r>
-              <a:rPr lang="en-US" altLang="ko-KR" sz="1200" dirty="0" err="1"/>
-              <a:t>CreateBrowser</a:t>
-            </a:r>
-            <a:endParaRPr lang="ko-KR" altLang="en-US" sz="1200" dirty="0"/>
-          </a:p>
-        </p:txBody>
-      </p:sp>
-      <p:sp>
-        <p:nvSpPr>
-          <p:cNvPr id="61" name="제목 60">
-            <a:extLst>
-              <a:ext uri="{FF2B5EF4-FFF2-40B4-BE49-F238E27FC236}">
-                <a16:creationId xmlns:a16="http://schemas.microsoft.com/office/drawing/2014/main" id="{85810FD3-3931-42FD-B333-918ED700BCE4}"/>
-              </a:ext>
-            </a:extLst>
-          </p:cNvPr>
-          <p:cNvSpPr>
-            <a:spLocks noGrp="1"/>
-          </p:cNvSpPr>
-          <p:nvPr>
-            <p:ph type="title"/>
-          </p:nvPr>
-        </p:nvSpPr>
-        <p:spPr/>
-        <p:txBody>
-          <a:bodyPr/>
-          <a:lstStyle/>
-          <a:p>
-            <a:r>
-              <a:rPr lang="en-US" altLang="ko-KR" dirty="0" err="1"/>
-              <a:t>RootWindow</a:t>
-            </a:r>
-            <a:r>
-              <a:rPr lang="en-US" altLang="ko-KR" dirty="0"/>
-              <a:t> </a:t>
-            </a:r>
-            <a:r>
-              <a:rPr lang="ko-KR" altLang="en-US" dirty="0"/>
-              <a:t>작동</a:t>
-            </a:r>
-          </a:p>
-        </p:txBody>
-      </p:sp>
-    </p:spTree>
-    <p:extLst>
-      <p:ext uri="{BB962C8B-B14F-4D97-AF65-F5344CB8AC3E}">
-        <p14:creationId xmlns:p14="http://schemas.microsoft.com/office/powerpoint/2010/main" val="3806046925"/>
-      </p:ext>
-    </p:extLst>
-  </p:cSld>
-  <p:clrMapOvr>
-    <a:masterClrMapping/>
-  </p:clrMapOvr>
-</p:sld>
-</file>
-
 <file path=ppt/slides/slide2.xml><?xml version="1.0" encoding="utf-8"?>
 <p:sld xmlns:a="http://schemas.openxmlformats.org/drawingml/2006/main" xmlns:r="http://schemas.openxmlformats.org/officeDocument/2006/relationships" xmlns:p="http://schemas.openxmlformats.org/presentationml/2006/main">
   <p:cSld>
@@ -5304,7 +3483,7 @@
           <p:cNvPr id="2" name="제목 1">
             <a:extLst>
               <a:ext uri="{FF2B5EF4-FFF2-40B4-BE49-F238E27FC236}">
-                <a16:creationId xmlns:a16="http://schemas.microsoft.com/office/drawing/2014/main" id="{2C91B1BC-07A3-4DCE-A20C-7CE92E3D58BF}"/>
+                <a16:creationId xmlns:a16="http://schemas.microsoft.com/office/drawing/2014/main" id="{E8184B2A-0B23-4FF4-B5D7-FF233C5B419F}"/>
               </a:ext>
             </a:extLst>
           </p:cNvPr>
@@ -5317,75 +3496,189 @@
         </p:nvSpPr>
         <p:spPr/>
         <p:txBody>
+          <a:bodyPr/>
+          <a:lstStyle/>
+          <a:p>
+            <a:r>
+              <a:rPr lang="en-US" altLang="ko-KR" dirty="0"/>
+              <a:t>namespace hierarchy - </a:t>
+            </a:r>
+            <a:r>
+              <a:rPr lang="en-US" altLang="ko-KR" dirty="0" err="1"/>
+              <a:t>cefsimple</a:t>
+            </a:r>
+            <a:r>
+              <a:rPr lang="en-US" altLang="ko-KR" dirty="0"/>
+              <a:t>/browser</a:t>
+            </a:r>
+            <a:endParaRPr lang="ko-KR" altLang="en-US" dirty="0"/>
+          </a:p>
+        </p:txBody>
+      </p:sp>
+      <p:sp>
+        <p:nvSpPr>
+          <p:cNvPr id="3" name="내용 개체 틀 2">
+            <a:extLst>
+              <a:ext uri="{FF2B5EF4-FFF2-40B4-BE49-F238E27FC236}">
+                <a16:creationId xmlns:a16="http://schemas.microsoft.com/office/drawing/2014/main" id="{A0B47A60-7BC1-4898-B203-472236281CBA}"/>
+              </a:ext>
+            </a:extLst>
+          </p:cNvPr>
+          <p:cNvSpPr>
+            <a:spLocks noGrp="1"/>
+          </p:cNvSpPr>
+          <p:nvPr>
+            <p:ph sz="half" idx="1"/>
+          </p:nvPr>
+        </p:nvSpPr>
+        <p:spPr/>
+        <p:txBody>
           <a:bodyPr>
-            <a:normAutofit/>
+            <a:normAutofit fontScale="85000" lnSpcReduction="20000"/>
           </a:bodyPr>
           <a:lstStyle/>
           <a:p>
             <a:r>
               <a:rPr lang="en-US" altLang="ko-KR" dirty="0"/>
-              <a:t>New keywords</a:t>
-            </a:r>
+              <a:t>namespace client</a:t>
+            </a:r>
+          </a:p>
+          <a:p>
+            <a:pPr lvl="1"/>
+            <a:r>
+              <a:rPr lang="en-US" altLang="ko-KR" dirty="0" err="1"/>
+              <a:t>binding_test</a:t>
+            </a:r>
+            <a:endParaRPr lang="en-US" altLang="ko-KR" dirty="0"/>
+          </a:p>
+          <a:p>
+            <a:pPr lvl="1"/>
+            <a:r>
+              <a:rPr lang="en-US" altLang="ko-KR" dirty="0"/>
+              <a:t>browser</a:t>
+            </a:r>
+          </a:p>
+          <a:p>
+            <a:pPr lvl="1"/>
+            <a:r>
+              <a:rPr lang="en-US" altLang="ko-KR" dirty="0" err="1"/>
+              <a:t>dialog_test</a:t>
+            </a:r>
+            <a:endParaRPr lang="en-US" altLang="ko-KR" dirty="0"/>
+          </a:p>
+          <a:p>
+            <a:pPr lvl="1"/>
+            <a:r>
+              <a:rPr lang="en-US" altLang="ko-KR" dirty="0" err="1"/>
+              <a:t>drm_test</a:t>
+            </a:r>
+            <a:endParaRPr lang="en-US" altLang="ko-KR" dirty="0"/>
+          </a:p>
+          <a:p>
+            <a:pPr lvl="1"/>
+            <a:r>
+              <a:rPr lang="en-US" altLang="ko-KR" dirty="0" err="1"/>
+              <a:t>media_router_test</a:t>
+            </a:r>
+            <a:endParaRPr lang="en-US" altLang="ko-KR" dirty="0"/>
+          </a:p>
+          <a:p>
+            <a:pPr lvl="1"/>
+            <a:r>
+              <a:rPr lang="en-US" altLang="ko-KR" dirty="0"/>
+              <a:t>d3d11</a:t>
+            </a:r>
+          </a:p>
+          <a:p>
+            <a:pPr lvl="1"/>
+            <a:r>
+              <a:rPr lang="en-US" altLang="ko-KR" dirty="0" err="1"/>
+              <a:t>preferences_test</a:t>
+            </a:r>
+            <a:endParaRPr lang="en-US" altLang="ko-KR" dirty="0"/>
+          </a:p>
+          <a:p>
+            <a:pPr lvl="1"/>
+            <a:r>
+              <a:rPr lang="en-US" altLang="ko-KR" dirty="0" err="1"/>
+              <a:t>response_filter_test</a:t>
+            </a:r>
+            <a:endParaRPr lang="en-US" altLang="ko-KR" dirty="0"/>
+          </a:p>
+          <a:p>
+            <a:pPr lvl="1"/>
+            <a:r>
+              <a:rPr lang="en-US" altLang="ko-KR" dirty="0" err="1"/>
+              <a:t>scheme_test</a:t>
+            </a:r>
+            <a:endParaRPr lang="en-US" altLang="ko-KR" dirty="0"/>
+          </a:p>
+          <a:p>
+            <a:pPr lvl="1"/>
+            <a:r>
+              <a:rPr lang="en-US" altLang="ko-KR" dirty="0" err="1"/>
+              <a:t>server_test</a:t>
+            </a:r>
+            <a:endParaRPr lang="en-US" altLang="ko-KR" dirty="0"/>
+          </a:p>
+          <a:p>
+            <a:pPr lvl="1"/>
+            <a:r>
+              <a:rPr lang="en-US" altLang="ko-KR" dirty="0" err="1"/>
+              <a:t>test_runner</a:t>
+            </a:r>
+            <a:endParaRPr lang="en-US" altLang="ko-KR" dirty="0"/>
+          </a:p>
+          <a:p>
+            <a:pPr lvl="1"/>
+            <a:r>
+              <a:rPr lang="en-US" altLang="ko-KR" dirty="0" err="1"/>
+              <a:t>urlrequest_test</a:t>
+            </a:r>
+            <a:endParaRPr lang="en-US" altLang="ko-KR" dirty="0"/>
+          </a:p>
+          <a:p>
+            <a:pPr lvl="1"/>
+            <a:r>
+              <a:rPr lang="en-US" altLang="ko-KR" dirty="0" err="1"/>
+              <a:t>views_style</a:t>
+            </a:r>
+            <a:endParaRPr lang="en-US" altLang="ko-KR" dirty="0"/>
+          </a:p>
+          <a:p>
+            <a:pPr lvl="1"/>
+            <a:r>
+              <a:rPr lang="en-US" altLang="ko-KR" dirty="0" err="1"/>
+              <a:t>window_test</a:t>
+            </a:r>
+            <a:endParaRPr lang="en-US" altLang="ko-KR" dirty="0"/>
+          </a:p>
+          <a:p>
+            <a:pPr lvl="1"/>
             <a:endParaRPr lang="ko-KR" altLang="en-US" dirty="0"/>
           </a:p>
         </p:txBody>
       </p:sp>
       <p:sp>
         <p:nvSpPr>
-          <p:cNvPr id="3" name="내용 개체 틀 2">
-            <a:extLst>
-              <a:ext uri="{FF2B5EF4-FFF2-40B4-BE49-F238E27FC236}">
-                <a16:creationId xmlns:a16="http://schemas.microsoft.com/office/drawing/2014/main" id="{4555D545-2992-42BE-939E-24276F946F13}"/>
-              </a:ext>
-            </a:extLst>
-          </p:cNvPr>
-          <p:cNvSpPr>
-            <a:spLocks noGrp="1"/>
-          </p:cNvSpPr>
-          <p:nvPr>
-            <p:ph idx="1"/>
+          <p:cNvPr id="4" name="내용 개체 틀 3">
+            <a:extLst>
+              <a:ext uri="{FF2B5EF4-FFF2-40B4-BE49-F238E27FC236}">
+                <a16:creationId xmlns:a16="http://schemas.microsoft.com/office/drawing/2014/main" id="{164E2F96-D9C7-41BC-815F-34517BAEF260}"/>
+              </a:ext>
+            </a:extLst>
+          </p:cNvPr>
+          <p:cNvSpPr>
+            <a:spLocks noGrp="1"/>
+          </p:cNvSpPr>
+          <p:nvPr>
+            <p:ph sz="half" idx="2"/>
           </p:nvPr>
         </p:nvSpPr>
         <p:spPr/>
         <p:txBody>
-          <a:bodyPr>
-            <a:normAutofit/>
-          </a:bodyPr>
-          <a:lstStyle/>
-          <a:p>
-            <a:r>
-              <a:rPr lang="en-US" altLang="ko-KR" dirty="0"/>
-              <a:t>Off Screen Rendering, OSR</a:t>
-            </a:r>
-          </a:p>
-          <a:p>
-            <a:r>
-              <a:rPr lang="en-US" altLang="ko-KR" dirty="0"/>
-              <a:t>Delegate</a:t>
-            </a:r>
-          </a:p>
-          <a:p>
-            <a:r>
-              <a:rPr lang="en-US" altLang="ko-KR" dirty="0"/>
-              <a:t>IME(in </a:t>
-            </a:r>
-            <a:r>
-              <a:rPr lang="en-US" altLang="ko-KR" dirty="0" err="1"/>
-              <a:t>cefclient</a:t>
-            </a:r>
-            <a:r>
-              <a:rPr lang="en-US" altLang="ko-KR" dirty="0"/>
-              <a:t>/browser/</a:t>
-            </a:r>
-            <a:r>
-              <a:rPr lang="en-US" altLang="ko-KR" dirty="0" err="1"/>
-              <a:t>osr_ime_handler_win</a:t>
-            </a:r>
-            <a:r>
-              <a:rPr lang="en-US" altLang="ko-KR" dirty="0"/>
-              <a:t>)</a:t>
-            </a:r>
-          </a:p>
+          <a:bodyPr/>
+          <a:lstStyle/>
           <a:p>
             <a:endParaRPr lang="ko-KR" altLang="en-US" dirty="0"/>
           </a:p>
@@ -5394,7 +3687,7 @@
     </p:spTree>
     <p:extLst>
       <p:ext uri="{BB962C8B-B14F-4D97-AF65-F5344CB8AC3E}">
-        <p14:creationId xmlns:p14="http://schemas.microsoft.com/office/powerpoint/2010/main" val="2274040813"/>
+        <p14:creationId xmlns:p14="http://schemas.microsoft.com/office/powerpoint/2010/main" val="3091500186"/>
       </p:ext>
     </p:extLst>
   </p:cSld>
@@ -5426,7 +3719,7 @@
           <p:cNvPr id="2" name="제목 1">
             <a:extLst>
               <a:ext uri="{FF2B5EF4-FFF2-40B4-BE49-F238E27FC236}">
-                <a16:creationId xmlns:a16="http://schemas.microsoft.com/office/drawing/2014/main" id="{D54C93F3-1CB5-44EC-99BA-7001C000A395}"/>
+                <a16:creationId xmlns:a16="http://schemas.microsoft.com/office/drawing/2014/main" id="{FF79257A-D88F-47FD-94FD-9878BBA6F085}"/>
               </a:ext>
             </a:extLst>
           </p:cNvPr>
@@ -5443,8 +3736,12 @@
           <a:lstStyle/>
           <a:p>
             <a:r>
-              <a:rPr lang="en-US" altLang="ko-KR" dirty="0"/>
-              <a:t>The Off Screen Rendering, OSR in CEF</a:t>
+              <a:rPr lang="en-US" altLang="ko-KR" dirty="0" err="1"/>
+              <a:t>cefsimple</a:t>
+            </a:r>
+            <a:r>
+              <a:rPr lang="en-US" altLang="ko-KR" dirty="0"/>
+              <a:t>/browser files #1</a:t>
             </a:r>
             <a:endParaRPr lang="ko-KR" altLang="en-US" dirty="0"/>
           </a:p>
@@ -5455,30 +3752,232 @@
           <p:cNvPr id="3" name="내용 개체 틀 2">
             <a:extLst>
               <a:ext uri="{FF2B5EF4-FFF2-40B4-BE49-F238E27FC236}">
-                <a16:creationId xmlns:a16="http://schemas.microsoft.com/office/drawing/2014/main" id="{5961176C-F491-4962-B863-4E89DAF9B5EA}"/>
-              </a:ext>
-            </a:extLst>
-          </p:cNvPr>
-          <p:cNvSpPr>
-            <a:spLocks noGrp="1"/>
-          </p:cNvSpPr>
-          <p:nvPr>
-            <p:ph idx="1"/>
+                <a16:creationId xmlns:a16="http://schemas.microsoft.com/office/drawing/2014/main" id="{EF972FF7-503C-43FA-980C-130E00F33D7D}"/>
+              </a:ext>
+            </a:extLst>
+          </p:cNvPr>
+          <p:cNvSpPr>
+            <a:spLocks noGrp="1"/>
+          </p:cNvSpPr>
+          <p:nvPr>
+            <p:ph sz="half" idx="1"/>
           </p:nvPr>
         </p:nvSpPr>
         <p:spPr/>
         <p:txBody>
-          <a:bodyPr/>
-          <a:lstStyle/>
-          <a:p>
-            <a:endParaRPr lang="ko-KR" altLang="en-US" dirty="0"/>
+          <a:bodyPr>
+            <a:normAutofit fontScale="92500" lnSpcReduction="20000"/>
+          </a:bodyPr>
+          <a:lstStyle/>
+          <a:p>
+            <a:r>
+              <a:rPr lang="en-US" altLang="ko-KR" dirty="0" err="1"/>
+              <a:t>binding_test</a:t>
+            </a:r>
+            <a:r>
+              <a:rPr lang="en-US" altLang="ko-KR" dirty="0"/>
+              <a:t> (h/cc)</a:t>
+            </a:r>
+          </a:p>
+          <a:p>
+            <a:r>
+              <a:rPr lang="en-US" altLang="ko-KR" dirty="0" err="1"/>
+              <a:t>browser_window</a:t>
+            </a:r>
+            <a:r>
+              <a:rPr lang="en-US" altLang="ko-KR" dirty="0"/>
+              <a:t> (h/cc)</a:t>
+            </a:r>
+          </a:p>
+          <a:p>
+            <a:r>
+              <a:rPr lang="en-US" altLang="ko-KR" dirty="0" err="1"/>
+              <a:t>browser_window_osr_win</a:t>
+            </a:r>
+            <a:r>
+              <a:rPr lang="en-US" altLang="ko-KR" dirty="0"/>
+              <a:t> (h/cc)</a:t>
+            </a:r>
+          </a:p>
+          <a:p>
+            <a:r>
+              <a:rPr lang="en-US" altLang="ko-KR" dirty="0" err="1"/>
+              <a:t>browser_window_std_win</a:t>
+            </a:r>
+            <a:r>
+              <a:rPr lang="en-US" altLang="ko-KR" dirty="0"/>
+              <a:t> (h/cc)</a:t>
+            </a:r>
+          </a:p>
+          <a:p>
+            <a:r>
+              <a:rPr lang="en-US" altLang="ko-KR" dirty="0" err="1"/>
+              <a:t>byte_write_handler</a:t>
+            </a:r>
+            <a:r>
+              <a:rPr lang="en-US" altLang="ko-KR" dirty="0"/>
+              <a:t> (h/cc)</a:t>
+            </a:r>
+          </a:p>
+          <a:p>
+            <a:r>
+              <a:rPr lang="en-US" altLang="ko-KR" dirty="0"/>
+              <a:t>client_app_delegates_browser.cc</a:t>
+            </a:r>
+          </a:p>
+          <a:p>
+            <a:r>
+              <a:rPr lang="en-US" altLang="ko-KR" dirty="0" err="1"/>
+              <a:t>client_browser</a:t>
+            </a:r>
+            <a:r>
+              <a:rPr lang="en-US" altLang="ko-KR" dirty="0"/>
+              <a:t> (h/cc)</a:t>
+            </a:r>
+          </a:p>
+          <a:p>
+            <a:r>
+              <a:rPr lang="en-US" altLang="ko-KR" dirty="0" err="1"/>
+              <a:t>client_handler</a:t>
+            </a:r>
+            <a:r>
+              <a:rPr lang="en-US" altLang="ko-KR" dirty="0"/>
+              <a:t> (h/cc)</a:t>
+            </a:r>
+          </a:p>
+          <a:p>
+            <a:r>
+              <a:rPr lang="en-US" altLang="ko-KR" dirty="0" err="1"/>
+              <a:t>client_handler_osr</a:t>
+            </a:r>
+            <a:r>
+              <a:rPr lang="en-US" altLang="ko-KR" dirty="0"/>
+              <a:t> (h/cc)</a:t>
+            </a:r>
+          </a:p>
+          <a:p>
+            <a:r>
+              <a:rPr lang="en-US" altLang="ko-KR" dirty="0" err="1"/>
+              <a:t>client_handler_std</a:t>
+            </a:r>
+            <a:r>
+              <a:rPr lang="en-US" altLang="ko-KR" dirty="0"/>
+              <a:t> (h/cc)</a:t>
+            </a:r>
+          </a:p>
+        </p:txBody>
+      </p:sp>
+      <p:sp>
+        <p:nvSpPr>
+          <p:cNvPr id="6" name="내용 개체 틀 5">
+            <a:extLst>
+              <a:ext uri="{FF2B5EF4-FFF2-40B4-BE49-F238E27FC236}">
+                <a16:creationId xmlns:a16="http://schemas.microsoft.com/office/drawing/2014/main" id="{68CB5861-B48B-4CA2-9832-CDA07685AA50}"/>
+              </a:ext>
+            </a:extLst>
+          </p:cNvPr>
+          <p:cNvSpPr>
+            <a:spLocks noGrp="1"/>
+          </p:cNvSpPr>
+          <p:nvPr>
+            <p:ph sz="half" idx="2"/>
+          </p:nvPr>
+        </p:nvSpPr>
+        <p:spPr/>
+        <p:txBody>
+          <a:bodyPr>
+            <a:normAutofit fontScale="92500" lnSpcReduction="20000"/>
+          </a:bodyPr>
+          <a:lstStyle/>
+          <a:p>
+            <a:r>
+              <a:rPr lang="en-US" altLang="ko-KR" dirty="0" err="1"/>
+              <a:t>client_types.h</a:t>
+            </a:r>
+            <a:endParaRPr lang="en-US" altLang="ko-KR" dirty="0"/>
+          </a:p>
+          <a:p>
+            <a:r>
+              <a:rPr lang="en-US" altLang="ko-KR" dirty="0" err="1"/>
+              <a:t>dialog_test</a:t>
+            </a:r>
+            <a:r>
+              <a:rPr lang="en-US" altLang="ko-KR" dirty="0"/>
+              <a:t> (h/cc)</a:t>
+            </a:r>
+          </a:p>
+          <a:p>
+            <a:r>
+              <a:rPr lang="en-US" altLang="ko-KR" dirty="0" err="1"/>
+              <a:t>drm_test</a:t>
+            </a:r>
+            <a:r>
+              <a:rPr lang="en-US" altLang="ko-KR" dirty="0"/>
+              <a:t> (h/cc)</a:t>
+            </a:r>
+          </a:p>
+          <a:p>
+            <a:r>
+              <a:rPr lang="en-US" altLang="ko-KR" dirty="0" err="1"/>
+              <a:t>image_cache</a:t>
+            </a:r>
+            <a:r>
+              <a:rPr lang="en-US" altLang="ko-KR" dirty="0"/>
+              <a:t> (h/cc)</a:t>
+            </a:r>
+          </a:p>
+          <a:p>
+            <a:r>
+              <a:rPr lang="en-US" altLang="ko-KR" dirty="0" err="1"/>
+              <a:t>main_context</a:t>
+            </a:r>
+            <a:r>
+              <a:rPr lang="en-US" altLang="ko-KR" dirty="0"/>
+              <a:t> (h/cc)</a:t>
+            </a:r>
+          </a:p>
+          <a:p>
+            <a:r>
+              <a:rPr lang="en-US" altLang="ko-KR" dirty="0" err="1"/>
+              <a:t>main_context_impl</a:t>
+            </a:r>
+            <a:r>
+              <a:rPr lang="en-US" altLang="ko-KR" dirty="0"/>
+              <a:t> (h/cc)</a:t>
+            </a:r>
+          </a:p>
+          <a:p>
+            <a:r>
+              <a:rPr lang="en-US" altLang="ko-KR" dirty="0"/>
+              <a:t>main_context_impl_win.cc</a:t>
+            </a:r>
+          </a:p>
+          <a:p>
+            <a:r>
+              <a:rPr lang="en-US" altLang="ko-KR" dirty="0" err="1"/>
+              <a:t>main_message_loop_multithreaded_win</a:t>
+            </a:r>
+            <a:r>
+              <a:rPr lang="en-US" altLang="ko-KR" dirty="0"/>
+              <a:t> (h/cc)</a:t>
+            </a:r>
+          </a:p>
+          <a:p>
+            <a:r>
+              <a:rPr lang="en-US" altLang="ko-KR" dirty="0" err="1"/>
+              <a:t>media_router_test</a:t>
+            </a:r>
+            <a:r>
+              <a:rPr lang="en-US" altLang="ko-KR" dirty="0"/>
+              <a:t> (h/cc)</a:t>
+            </a:r>
           </a:p>
         </p:txBody>
       </p:sp>
     </p:spTree>
     <p:extLst>
       <p:ext uri="{BB962C8B-B14F-4D97-AF65-F5344CB8AC3E}">
-        <p14:creationId xmlns:p14="http://schemas.microsoft.com/office/powerpoint/2010/main" val="4289250139"/>
+        <p14:creationId xmlns:p14="http://schemas.microsoft.com/office/powerpoint/2010/main" val="1153892104"/>
       </p:ext>
     </p:extLst>
   </p:cSld>
@@ -5510,7 +4009,7 @@
           <p:cNvPr id="2" name="제목 1">
             <a:extLst>
               <a:ext uri="{FF2B5EF4-FFF2-40B4-BE49-F238E27FC236}">
-                <a16:creationId xmlns:a16="http://schemas.microsoft.com/office/drawing/2014/main" id="{E8184B2A-0B23-4FF4-B5D7-FF233C5B419F}"/>
+                <a16:creationId xmlns:a16="http://schemas.microsoft.com/office/drawing/2014/main" id="{FF79257A-D88F-47FD-94FD-9878BBA6F085}"/>
               </a:ext>
             </a:extLst>
           </p:cNvPr>
@@ -5527,16 +4026,12 @@
           <a:lstStyle/>
           <a:p>
             <a:r>
-              <a:rPr lang="en-US" altLang="ko-KR" dirty="0"/>
-              <a:t>namespace hierarchy - </a:t>
-            </a:r>
-            <a:r>
               <a:rPr lang="en-US" altLang="ko-KR" dirty="0" err="1"/>
               <a:t>cefsimple</a:t>
             </a:r>
             <a:r>
               <a:rPr lang="en-US" altLang="ko-KR" dirty="0"/>
-              <a:t>/browser</a:t>
+              <a:t>/browser files #2</a:t>
             </a:r>
             <a:endParaRPr lang="ko-KR" altLang="en-US" dirty="0"/>
           </a:p>
@@ -5547,7 +4042,7 @@
           <p:cNvPr id="3" name="내용 개체 틀 2">
             <a:extLst>
               <a:ext uri="{FF2B5EF4-FFF2-40B4-BE49-F238E27FC236}">
-                <a16:creationId xmlns:a16="http://schemas.microsoft.com/office/drawing/2014/main" id="{A0B47A60-7BC1-4898-B203-472236281CBA}"/>
+                <a16:creationId xmlns:a16="http://schemas.microsoft.com/office/drawing/2014/main" id="{EF972FF7-503C-43FA-980C-130E00F33D7D}"/>
               </a:ext>
             </a:extLst>
           </p:cNvPr>
@@ -5561,151 +4056,191 @@
         <p:spPr/>
         <p:txBody>
           <a:bodyPr>
-            <a:normAutofit fontScale="85000" lnSpcReduction="20000"/>
+            <a:normAutofit fontScale="92500" lnSpcReduction="20000"/>
           </a:bodyPr>
           <a:lstStyle/>
           <a:p>
             <a:r>
-              <a:rPr lang="en-US" altLang="ko-KR" dirty="0"/>
-              <a:t>namespace client</a:t>
-            </a:r>
-          </a:p>
-          <a:p>
-            <a:pPr lvl="1"/>
-            <a:r>
-              <a:rPr lang="en-US" altLang="ko-KR" dirty="0" err="1"/>
-              <a:t>binding_test</a:t>
+              <a:rPr lang="en-US" altLang="ko-KR" dirty="0" err="1"/>
+              <a:t>osr_accessibility_helper</a:t>
+            </a:r>
+            <a:r>
+              <a:rPr lang="en-US" altLang="ko-KR" dirty="0"/>
+              <a:t> (h/cc)</a:t>
+            </a:r>
+          </a:p>
+          <a:p>
+            <a:r>
+              <a:rPr lang="en-US" altLang="ko-KR" dirty="0" err="1"/>
+              <a:t>osr_accessibility_node</a:t>
+            </a:r>
+            <a:r>
+              <a:rPr lang="en-US" altLang="ko-KR" dirty="0"/>
+              <a:t> (h/cc)</a:t>
+            </a:r>
+          </a:p>
+          <a:p>
+            <a:r>
+              <a:rPr lang="en-US" altLang="ko-KR" dirty="0"/>
+              <a:t>osr_accessibility_node_win.cc</a:t>
+            </a:r>
+          </a:p>
+          <a:p>
+            <a:r>
+              <a:rPr lang="en-US" altLang="ko-KR" dirty="0"/>
+              <a:t>osr_d3d11_win (h/cc)</a:t>
+            </a:r>
+          </a:p>
+          <a:p>
+            <a:r>
+              <a:rPr lang="en-US" altLang="ko-KR" dirty="0" err="1"/>
+              <a:t>osr_dragdrop_events.h</a:t>
             </a:r>
             <a:endParaRPr lang="en-US" altLang="ko-KR" dirty="0"/>
           </a:p>
           <a:p>
-            <a:pPr lvl="1"/>
-            <a:r>
-              <a:rPr lang="en-US" altLang="ko-KR" dirty="0"/>
-              <a:t>browser</a:t>
-            </a:r>
-          </a:p>
-          <a:p>
-            <a:pPr lvl="1"/>
-            <a:r>
-              <a:rPr lang="en-US" altLang="ko-KR" dirty="0" err="1"/>
-              <a:t>dialog_test</a:t>
-            </a:r>
+            <a:r>
+              <a:rPr lang="en-US" altLang="ko-KR" dirty="0" err="1"/>
+              <a:t>osr_dragdrop_win</a:t>
+            </a:r>
+            <a:r>
+              <a:rPr lang="en-US" altLang="ko-KR" dirty="0"/>
+              <a:t> (h/cc)</a:t>
+            </a:r>
+          </a:p>
+          <a:p>
+            <a:r>
+              <a:rPr lang="en-US" altLang="ko-KR" dirty="0" err="1"/>
+              <a:t>osr_ime_handler_win</a:t>
+            </a:r>
+            <a:r>
+              <a:rPr lang="en-US" altLang="ko-KR" dirty="0"/>
+              <a:t> (h/cc)</a:t>
+            </a:r>
+          </a:p>
+          <a:p>
+            <a:r>
+              <a:rPr lang="en-US" altLang="ko-KR" dirty="0" err="1"/>
+              <a:t>osr_render_handler</a:t>
+            </a:r>
+            <a:r>
+              <a:rPr lang="en-US" altLang="ko-KR" dirty="0"/>
+              <a:t> (h/cc)</a:t>
+            </a:r>
+          </a:p>
+          <a:p>
+            <a:r>
+              <a:rPr lang="en-US" altLang="ko-KR" dirty="0" err="1"/>
+              <a:t>osr_render_handler_win</a:t>
+            </a:r>
+            <a:r>
+              <a:rPr lang="en-US" altLang="ko-KR" dirty="0"/>
+              <a:t> (h/cc)</a:t>
+            </a:r>
+          </a:p>
+          <a:p>
+            <a:r>
+              <a:rPr lang="en-US" altLang="ko-KR" dirty="0"/>
+              <a:t>osr_render_handler_win_d3d11 (h/cc)</a:t>
+            </a:r>
+          </a:p>
+          <a:p>
             <a:endParaRPr lang="en-US" altLang="ko-KR" dirty="0"/>
           </a:p>
-          <a:p>
-            <a:pPr lvl="1"/>
-            <a:r>
-              <a:rPr lang="en-US" altLang="ko-KR" dirty="0" err="1"/>
-              <a:t>drm_test</a:t>
+        </p:txBody>
+      </p:sp>
+      <p:sp>
+        <p:nvSpPr>
+          <p:cNvPr id="6" name="내용 개체 틀 5">
+            <a:extLst>
+              <a:ext uri="{FF2B5EF4-FFF2-40B4-BE49-F238E27FC236}">
+                <a16:creationId xmlns:a16="http://schemas.microsoft.com/office/drawing/2014/main" id="{68CB5861-B48B-4CA2-9832-CDA07685AA50}"/>
+              </a:ext>
+            </a:extLst>
+          </p:cNvPr>
+          <p:cNvSpPr>
+            <a:spLocks noGrp="1"/>
+          </p:cNvSpPr>
+          <p:nvPr>
+            <p:ph sz="half" idx="2"/>
+          </p:nvPr>
+        </p:nvSpPr>
+        <p:spPr/>
+        <p:txBody>
+          <a:bodyPr>
+            <a:normAutofit fontScale="92500" lnSpcReduction="20000"/>
+          </a:bodyPr>
+          <a:lstStyle/>
+          <a:p>
+            <a:r>
+              <a:rPr lang="en-US" altLang="ko-KR" dirty="0" err="1"/>
+              <a:t>osr_render_handler_win_gl</a:t>
+            </a:r>
+            <a:r>
+              <a:rPr lang="en-US" altLang="ko-KR" dirty="0"/>
+              <a:t> (h/cc)</a:t>
+            </a:r>
+          </a:p>
+          <a:p>
+            <a:r>
+              <a:rPr lang="en-US" altLang="ko-KR" dirty="0" err="1"/>
+              <a:t>osr_renderer</a:t>
+            </a:r>
+            <a:r>
+              <a:rPr lang="en-US" altLang="ko-KR" dirty="0"/>
+              <a:t> (h/cc)</a:t>
+            </a:r>
+          </a:p>
+          <a:p>
+            <a:r>
+              <a:rPr lang="en-US" altLang="ko-KR" dirty="0" err="1"/>
+              <a:t>osr_renderer_settings.h</a:t>
             </a:r>
             <a:endParaRPr lang="en-US" altLang="ko-KR" dirty="0"/>
           </a:p>
           <a:p>
-            <a:pPr lvl="1"/>
-            <a:r>
-              <a:rPr lang="en-US" altLang="ko-KR" dirty="0" err="1"/>
-              <a:t>media_router_test</a:t>
+            <a:r>
+              <a:rPr lang="en-US" altLang="ko-KR" dirty="0" err="1"/>
+              <a:t>osr_window_win</a:t>
+            </a:r>
+            <a:r>
+              <a:rPr lang="en-US" altLang="ko-KR" dirty="0"/>
+              <a:t> (h/cc)</a:t>
+            </a:r>
+          </a:p>
+          <a:p>
+            <a:r>
+              <a:rPr lang="en-US" altLang="ko-KR" dirty="0" err="1"/>
+              <a:t>preferences_test</a:t>
+            </a:r>
+            <a:r>
+              <a:rPr lang="en-US" altLang="ko-KR" dirty="0"/>
+              <a:t> (h/cc)</a:t>
+            </a:r>
+          </a:p>
+          <a:p>
+            <a:r>
+              <a:rPr lang="en-US" altLang="ko-KR" dirty="0" err="1"/>
+              <a:t>resource.h</a:t>
             </a:r>
             <a:endParaRPr lang="en-US" altLang="ko-KR" dirty="0"/>
           </a:p>
           <a:p>
-            <a:pPr lvl="1"/>
-            <a:r>
-              <a:rPr lang="en-US" altLang="ko-KR" dirty="0"/>
-              <a:t>d3d11</a:t>
-            </a:r>
-          </a:p>
-          <a:p>
-            <a:pPr lvl="1"/>
-            <a:r>
-              <a:rPr lang="en-US" altLang="ko-KR" dirty="0" err="1"/>
-              <a:t>preferences_test</a:t>
-            </a:r>
-            <a:endParaRPr lang="en-US" altLang="ko-KR" dirty="0"/>
-          </a:p>
-          <a:p>
-            <a:pPr lvl="1"/>
+            <a:r>
+              <a:rPr lang="en-US" altLang="ko-KR" dirty="0"/>
+              <a:t>resource_util_win_idmap.cc</a:t>
+            </a:r>
+          </a:p>
+          <a:p>
             <a:r>
               <a:rPr lang="en-US" altLang="ko-KR" dirty="0" err="1"/>
               <a:t>response_filter_test</a:t>
             </a:r>
-            <a:endParaRPr lang="en-US" altLang="ko-KR" dirty="0"/>
-          </a:p>
-          <a:p>
-            <a:pPr lvl="1"/>
-            <a:r>
-              <a:rPr lang="en-US" altLang="ko-KR" dirty="0" err="1"/>
-              <a:t>scheme_test</a:t>
-            </a:r>
-            <a:endParaRPr lang="en-US" altLang="ko-KR" dirty="0"/>
-          </a:p>
-          <a:p>
-            <a:pPr lvl="1"/>
-            <a:r>
-              <a:rPr lang="en-US" altLang="ko-KR" dirty="0" err="1"/>
-              <a:t>server_test</a:t>
-            </a:r>
-            <a:endParaRPr lang="en-US" altLang="ko-KR" dirty="0"/>
-          </a:p>
-          <a:p>
-            <a:pPr lvl="1"/>
-            <a:r>
-              <a:rPr lang="en-US" altLang="ko-KR" dirty="0" err="1"/>
-              <a:t>test_runner</a:t>
-            </a:r>
-            <a:endParaRPr lang="en-US" altLang="ko-KR" dirty="0"/>
-          </a:p>
-          <a:p>
-            <a:pPr lvl="1"/>
-            <a:r>
-              <a:rPr lang="en-US" altLang="ko-KR" dirty="0" err="1"/>
-              <a:t>urlrequest_test</a:t>
-            </a:r>
-            <a:endParaRPr lang="en-US" altLang="ko-KR" dirty="0"/>
-          </a:p>
-          <a:p>
-            <a:pPr lvl="1"/>
-            <a:r>
-              <a:rPr lang="en-US" altLang="ko-KR" dirty="0" err="1"/>
-              <a:t>views_style</a:t>
-            </a:r>
-            <a:endParaRPr lang="en-US" altLang="ko-KR" dirty="0"/>
-          </a:p>
-          <a:p>
-            <a:pPr lvl="1"/>
-            <a:r>
-              <a:rPr lang="en-US" altLang="ko-KR" dirty="0" err="1"/>
-              <a:t>window_test</a:t>
-            </a:r>
-            <a:endParaRPr lang="en-US" altLang="ko-KR" dirty="0"/>
-          </a:p>
-          <a:p>
-            <a:pPr lvl="1"/>
-            <a:endParaRPr lang="ko-KR" altLang="en-US" dirty="0"/>
-          </a:p>
-        </p:txBody>
-      </p:sp>
-      <p:sp>
-        <p:nvSpPr>
-          <p:cNvPr id="4" name="내용 개체 틀 3">
-            <a:extLst>
-              <a:ext uri="{FF2B5EF4-FFF2-40B4-BE49-F238E27FC236}">
-                <a16:creationId xmlns:a16="http://schemas.microsoft.com/office/drawing/2014/main" id="{164E2F96-D9C7-41BC-815F-34517BAEF260}"/>
-              </a:ext>
-            </a:extLst>
-          </p:cNvPr>
-          <p:cNvSpPr>
-            <a:spLocks noGrp="1"/>
-          </p:cNvSpPr>
-          <p:nvPr>
-            <p:ph sz="half" idx="2"/>
-          </p:nvPr>
-        </p:nvSpPr>
-        <p:spPr/>
-        <p:txBody>
-          <a:bodyPr/>
-          <a:lstStyle/>
+            <a:r>
+              <a:rPr lang="en-US" altLang="ko-KR" dirty="0"/>
+              <a:t> (h/cc)</a:t>
+            </a:r>
+          </a:p>
           <a:p>
             <a:endParaRPr lang="ko-KR" altLang="en-US" dirty="0"/>
           </a:p>
@@ -5714,7 +4249,7 @@
     </p:spTree>
     <p:extLst>
       <p:ext uri="{BB962C8B-B14F-4D97-AF65-F5344CB8AC3E}">
-        <p14:creationId xmlns:p14="http://schemas.microsoft.com/office/powerpoint/2010/main" val="3091500186"/>
+        <p14:creationId xmlns:p14="http://schemas.microsoft.com/office/powerpoint/2010/main" val="1163038035"/>
       </p:ext>
     </p:extLst>
   </p:cSld>
@@ -5768,7 +4303,7 @@
             </a:r>
             <a:r>
               <a:rPr lang="en-US" altLang="ko-KR" dirty="0"/>
-              <a:t>/browser files #1</a:t>
+              <a:t>/browser files #3</a:t>
             </a:r>
             <a:endParaRPr lang="ko-KR" altLang="en-US" dirty="0"/>
           </a:p>
@@ -5793,13 +4328,13 @@
         <p:spPr/>
         <p:txBody>
           <a:bodyPr>
-            <a:normAutofit fontScale="92500" lnSpcReduction="20000"/>
+            <a:normAutofit fontScale="85000" lnSpcReduction="20000"/>
           </a:bodyPr>
           <a:lstStyle/>
           <a:p>
             <a:r>
               <a:rPr lang="en-US" altLang="ko-KR" dirty="0" err="1"/>
-              <a:t>binding_test</a:t>
+              <a:t>root_window</a:t>
             </a:r>
             <a:r>
               <a:rPr lang="en-US" altLang="ko-KR" dirty="0"/>
@@ -5808,8 +4343,14 @@
           </a:p>
           <a:p>
             <a:r>
-              <a:rPr lang="en-US" altLang="ko-KR" dirty="0" err="1"/>
-              <a:t>browser_window</a:t>
+              <a:rPr lang="en-US" altLang="ko-KR" dirty="0"/>
+              <a:t>root_window_create.cc</a:t>
+            </a:r>
+          </a:p>
+          <a:p>
+            <a:r>
+              <a:rPr lang="en-US" altLang="ko-KR" dirty="0" err="1"/>
+              <a:t>root_window_manager</a:t>
             </a:r>
             <a:r>
               <a:rPr lang="en-US" altLang="ko-KR" dirty="0"/>
@@ -5819,7 +4360,7 @@
           <a:p>
             <a:r>
               <a:rPr lang="en-US" altLang="ko-KR" dirty="0" err="1"/>
-              <a:t>browser_window_osr_win</a:t>
+              <a:t>root_window_views</a:t>
             </a:r>
             <a:r>
               <a:rPr lang="en-US" altLang="ko-KR" dirty="0"/>
@@ -5829,7 +4370,7 @@
           <a:p>
             <a:r>
               <a:rPr lang="en-US" altLang="ko-KR" dirty="0" err="1"/>
-              <a:t>browser_window_std_win</a:t>
+              <a:t>root_window_win</a:t>
             </a:r>
             <a:r>
               <a:rPr lang="en-US" altLang="ko-KR" dirty="0"/>
@@ -5839,7 +4380,7 @@
           <a:p>
             <a:r>
               <a:rPr lang="en-US" altLang="ko-KR" dirty="0" err="1"/>
-              <a:t>byte_write_handler</a:t>
+              <a:t>scheme_test</a:t>
             </a:r>
             <a:r>
               <a:rPr lang="en-US" altLang="ko-KR" dirty="0"/>
@@ -5848,14 +4389,8 @@
           </a:p>
           <a:p>
             <a:r>
-              <a:rPr lang="en-US" altLang="ko-KR" dirty="0"/>
-              <a:t>client_app_delegates_browser.cc</a:t>
-            </a:r>
-          </a:p>
-          <a:p>
-            <a:r>
-              <a:rPr lang="en-US" altLang="ko-KR" dirty="0" err="1"/>
-              <a:t>client_browser</a:t>
+              <a:rPr lang="en-US" altLang="ko-KR" dirty="0" err="1"/>
+              <a:t>server_test</a:t>
             </a:r>
             <a:r>
               <a:rPr lang="en-US" altLang="ko-KR" dirty="0"/>
@@ -5865,7 +4400,14 @@
           <a:p>
             <a:r>
               <a:rPr lang="en-US" altLang="ko-KR" dirty="0" err="1"/>
-              <a:t>client_handler</a:t>
+              <a:t>temp_window.h</a:t>
+            </a:r>
+            <a:endParaRPr lang="en-US" altLang="ko-KR" dirty="0"/>
+          </a:p>
+          <a:p>
+            <a:r>
+              <a:rPr lang="en-US" altLang="ko-KR" dirty="0" err="1"/>
+              <a:t>temp_window_win</a:t>
             </a:r>
             <a:r>
               <a:rPr lang="en-US" altLang="ko-KR" dirty="0"/>
@@ -5875,7 +4417,7 @@
           <a:p>
             <a:r>
               <a:rPr lang="en-US" altLang="ko-KR" dirty="0" err="1"/>
-              <a:t>client_handler_osr</a:t>
+              <a:t>test_runner</a:t>
             </a:r>
             <a:r>
               <a:rPr lang="en-US" altLang="ko-KR" dirty="0"/>
@@ -5885,13 +4427,22 @@
           <a:p>
             <a:r>
               <a:rPr lang="en-US" altLang="ko-KR" dirty="0" err="1"/>
-              <a:t>client_handler_std</a:t>
+              <a:t>urlrequest_test</a:t>
             </a:r>
             <a:r>
               <a:rPr lang="en-US" altLang="ko-KR" dirty="0"/>
               <a:t> (h/cc)</a:t>
             </a:r>
           </a:p>
+          <a:p>
+            <a:endParaRPr lang="en-US" altLang="ko-KR" dirty="0"/>
+          </a:p>
+          <a:p>
+            <a:endParaRPr lang="en-US" altLang="ko-KR" dirty="0"/>
+          </a:p>
+          <a:p>
+            <a:endParaRPr lang="en-US" altLang="ko-KR" dirty="0"/>
+          </a:p>
         </p:txBody>
       </p:sp>
       <p:sp>
@@ -5913,20 +4464,13 @@
         <p:spPr/>
         <p:txBody>
           <a:bodyPr>
-            <a:normAutofit fontScale="92500" lnSpcReduction="20000"/>
+            <a:normAutofit fontScale="85000" lnSpcReduction="20000"/>
           </a:bodyPr>
           <a:lstStyle/>
           <a:p>
             <a:r>
               <a:rPr lang="en-US" altLang="ko-KR" dirty="0" err="1"/>
-              <a:t>client_types.h</a:t>
-            </a:r>
-            <a:endParaRPr lang="en-US" altLang="ko-KR" dirty="0"/>
-          </a:p>
-          <a:p>
-            <a:r>
-              <a:rPr lang="en-US" altLang="ko-KR" dirty="0" err="1"/>
-              <a:t>dialog_test</a:t>
+              <a:t>views_menu_bar</a:t>
             </a:r>
             <a:r>
               <a:rPr lang="en-US" altLang="ko-KR" dirty="0"/>
@@ -5936,7 +4480,7 @@
           <a:p>
             <a:r>
               <a:rPr lang="en-US" altLang="ko-KR" dirty="0" err="1"/>
-              <a:t>drm_test</a:t>
+              <a:t>views_style</a:t>
             </a:r>
             <a:r>
               <a:rPr lang="en-US" altLang="ko-KR" dirty="0"/>
@@ -5946,7 +4490,7 @@
           <a:p>
             <a:r>
               <a:rPr lang="en-US" altLang="ko-KR" dirty="0" err="1"/>
-              <a:t>image_cache</a:t>
+              <a:t>views_windows</a:t>
             </a:r>
             <a:r>
               <a:rPr lang="en-US" altLang="ko-KR" dirty="0"/>
@@ -5956,7 +4500,7 @@
           <a:p>
             <a:r>
               <a:rPr lang="en-US" altLang="ko-KR" dirty="0" err="1"/>
-              <a:t>main_context</a:t>
+              <a:t>window_test</a:t>
             </a:r>
             <a:r>
               <a:rPr lang="en-US" altLang="ko-KR" dirty="0"/>
@@ -5966,7 +4510,7 @@
           <a:p>
             <a:r>
               <a:rPr lang="en-US" altLang="ko-KR" dirty="0" err="1"/>
-              <a:t>main_context_impl</a:t>
+              <a:t>window_test_runner</a:t>
             </a:r>
             <a:r>
               <a:rPr lang="en-US" altLang="ko-KR" dirty="0"/>
@@ -5975,14 +4519,8 @@
           </a:p>
           <a:p>
             <a:r>
-              <a:rPr lang="en-US" altLang="ko-KR" dirty="0"/>
-              <a:t>main_context_impl_win.cc</a:t>
-            </a:r>
-          </a:p>
-          <a:p>
-            <a:r>
-              <a:rPr lang="en-US" altLang="ko-KR" dirty="0" err="1"/>
-              <a:t>main_message_loop_multithreaded_win</a:t>
+              <a:rPr lang="en-US" altLang="ko-KR" dirty="0" err="1"/>
+              <a:t>window_test_runner_views</a:t>
             </a:r>
             <a:r>
               <a:rPr lang="en-US" altLang="ko-KR" dirty="0"/>
@@ -5992,19 +4530,20 @@
           <a:p>
             <a:r>
               <a:rPr lang="en-US" altLang="ko-KR" dirty="0" err="1"/>
-              <a:t>media_router_test</a:t>
+              <a:t>window_test_runner_win</a:t>
             </a:r>
             <a:r>
               <a:rPr lang="en-US" altLang="ko-KR" dirty="0"/>
               <a:t> (h/cc)</a:t>
             </a:r>
+            <a:endParaRPr lang="ko-KR" altLang="en-US" dirty="0"/>
           </a:p>
         </p:txBody>
       </p:sp>
     </p:spTree>
     <p:extLst>
       <p:ext uri="{BB962C8B-B14F-4D97-AF65-F5344CB8AC3E}">
-        <p14:creationId xmlns:p14="http://schemas.microsoft.com/office/powerpoint/2010/main" val="1153892104"/>
+        <p14:creationId xmlns:p14="http://schemas.microsoft.com/office/powerpoint/2010/main" val="3093120559"/>
       </p:ext>
     </p:extLst>
   </p:cSld>
@@ -6036,7 +4575,7 @@
           <p:cNvPr id="2" name="제목 1">
             <a:extLst>
               <a:ext uri="{FF2B5EF4-FFF2-40B4-BE49-F238E27FC236}">
-                <a16:creationId xmlns:a16="http://schemas.microsoft.com/office/drawing/2014/main" id="{FF79257A-D88F-47FD-94FD-9878BBA6F085}"/>
+                <a16:creationId xmlns:a16="http://schemas.microsoft.com/office/drawing/2014/main" id="{16EE5B48-9ADE-495F-BE39-5EBB1E6D9301}"/>
               </a:ext>
             </a:extLst>
           </p:cNvPr>
@@ -6053,12 +4592,12 @@
           <a:lstStyle/>
           <a:p>
             <a:r>
-              <a:rPr lang="en-US" altLang="ko-KR" dirty="0" err="1"/>
-              <a:t>cefsimple</a:t>
-            </a:r>
-            <a:r>
-              <a:rPr lang="en-US" altLang="ko-KR" dirty="0"/>
-              <a:t>/browser files #2</a:t>
+              <a:rPr lang="en-US" altLang="ko-KR" dirty="0"/>
+              <a:t>Client App &amp; Client </a:t>
+            </a:r>
+            <a:r>
+              <a:rPr lang="en-US" altLang="ko-KR" dirty="0" err="1"/>
+              <a:t>MainContext</a:t>
             </a:r>
             <a:endParaRPr lang="ko-KR" altLang="en-US" dirty="0"/>
           </a:p>
@@ -6066,217 +4605,834 @@
       </p:sp>
       <p:sp>
         <p:nvSpPr>
-          <p:cNvPr id="3" name="내용 개체 틀 2">
-            <a:extLst>
-              <a:ext uri="{FF2B5EF4-FFF2-40B4-BE49-F238E27FC236}">
-                <a16:creationId xmlns:a16="http://schemas.microsoft.com/office/drawing/2014/main" id="{EF972FF7-503C-43FA-980C-130E00F33D7D}"/>
-              </a:ext>
-            </a:extLst>
-          </p:cNvPr>
-          <p:cNvSpPr>
-            <a:spLocks noGrp="1"/>
-          </p:cNvSpPr>
-          <p:nvPr>
-            <p:ph sz="half" idx="1"/>
-          </p:nvPr>
-        </p:nvSpPr>
-        <p:spPr/>
-        <p:txBody>
-          <a:bodyPr>
-            <a:normAutofit fontScale="92500" lnSpcReduction="20000"/>
-          </a:bodyPr>
-          <a:lstStyle/>
-          <a:p>
-            <a:r>
-              <a:rPr lang="en-US" altLang="ko-KR" dirty="0" err="1"/>
-              <a:t>osr_accessibility_helper</a:t>
-            </a:r>
-            <a:r>
-              <a:rPr lang="en-US" altLang="ko-KR" dirty="0"/>
-              <a:t> (h/cc)</a:t>
-            </a:r>
-          </a:p>
-          <a:p>
-            <a:r>
-              <a:rPr lang="en-US" altLang="ko-KR" dirty="0" err="1"/>
-              <a:t>osr_accessibility_node</a:t>
-            </a:r>
-            <a:r>
-              <a:rPr lang="en-US" altLang="ko-KR" dirty="0"/>
-              <a:t> (h/cc)</a:t>
-            </a:r>
-          </a:p>
-          <a:p>
-            <a:r>
-              <a:rPr lang="en-US" altLang="ko-KR" dirty="0"/>
-              <a:t>osr_accessibility_node_win.cc</a:t>
-            </a:r>
-          </a:p>
-          <a:p>
-            <a:r>
-              <a:rPr lang="en-US" altLang="ko-KR" dirty="0"/>
-              <a:t>osr_d3d11_win (h/cc)</a:t>
-            </a:r>
-          </a:p>
-          <a:p>
-            <a:r>
-              <a:rPr lang="en-US" altLang="ko-KR" dirty="0" err="1"/>
-              <a:t>osr_dragdrop_events.h</a:t>
-            </a:r>
+          <p:cNvPr id="3" name="직사각형 2">
+            <a:extLst>
+              <a:ext uri="{FF2B5EF4-FFF2-40B4-BE49-F238E27FC236}">
+                <a16:creationId xmlns:a16="http://schemas.microsoft.com/office/drawing/2014/main" id="{53DE0B15-746F-4C73-9669-CE37A4ECC1D0}"/>
+              </a:ext>
+            </a:extLst>
+          </p:cNvPr>
+          <p:cNvSpPr/>
+          <p:nvPr/>
+        </p:nvSpPr>
+        <p:spPr>
+          <a:xfrm>
+            <a:off x="1391873" y="2059803"/>
+            <a:ext cx="1282132" cy="433636"/>
+          </a:xfrm>
+          <a:prstGeom prst="rect">
+            <a:avLst/>
+          </a:prstGeom>
+        </p:spPr>
+        <p:style>
+          <a:lnRef idx="2">
+            <a:schemeClr val="accent1">
+              <a:shade val="50000"/>
+            </a:schemeClr>
+          </a:lnRef>
+          <a:fillRef idx="1">
+            <a:schemeClr val="accent1"/>
+          </a:fillRef>
+          <a:effectRef idx="0">
+            <a:schemeClr val="accent1"/>
+          </a:effectRef>
+          <a:fontRef idx="minor">
+            <a:schemeClr val="lt1"/>
+          </a:fontRef>
+        </p:style>
+        <p:txBody>
+          <a:bodyPr rtlCol="0" anchor="ctr"/>
+          <a:lstStyle/>
+          <a:p>
+            <a:pPr algn="ctr"/>
+            <a:r>
+              <a:rPr lang="en-US" altLang="ko-KR" dirty="0" err="1"/>
+              <a:t>CefApp</a:t>
+            </a:r>
+            <a:endParaRPr lang="ko-KR" altLang="en-US" dirty="0"/>
+          </a:p>
+        </p:txBody>
+      </p:sp>
+      <p:sp>
+        <p:nvSpPr>
+          <p:cNvPr id="4" name="화살표: 아래쪽 3">
+            <a:extLst>
+              <a:ext uri="{FF2B5EF4-FFF2-40B4-BE49-F238E27FC236}">
+                <a16:creationId xmlns:a16="http://schemas.microsoft.com/office/drawing/2014/main" id="{59C00B3A-69A6-4A4F-B22E-183ACEAE16C9}"/>
+              </a:ext>
+            </a:extLst>
+          </p:cNvPr>
+          <p:cNvSpPr/>
+          <p:nvPr/>
+        </p:nvSpPr>
+        <p:spPr>
+          <a:xfrm>
+            <a:off x="1781269" y="2553152"/>
+            <a:ext cx="553673" cy="425247"/>
+          </a:xfrm>
+          <a:prstGeom prst="downArrow">
+            <a:avLst/>
+          </a:prstGeom>
+        </p:spPr>
+        <p:style>
+          <a:lnRef idx="2">
+            <a:schemeClr val="accent1">
+              <a:shade val="50000"/>
+            </a:schemeClr>
+          </a:lnRef>
+          <a:fillRef idx="1">
+            <a:schemeClr val="accent1"/>
+          </a:fillRef>
+          <a:effectRef idx="0">
+            <a:schemeClr val="accent1"/>
+          </a:effectRef>
+          <a:fontRef idx="minor">
+            <a:schemeClr val="lt1"/>
+          </a:fontRef>
+        </p:style>
+        <p:txBody>
+          <a:bodyPr rtlCol="0" anchor="ctr"/>
+          <a:lstStyle/>
+          <a:p>
+            <a:pPr algn="ctr"/>
+            <a:endParaRPr lang="ko-KR" altLang="en-US"/>
+          </a:p>
+        </p:txBody>
+      </p:sp>
+      <p:sp>
+        <p:nvSpPr>
+          <p:cNvPr id="11" name="직사각형 10">
+            <a:extLst>
+              <a:ext uri="{FF2B5EF4-FFF2-40B4-BE49-F238E27FC236}">
+                <a16:creationId xmlns:a16="http://schemas.microsoft.com/office/drawing/2014/main" id="{6B720976-0DAF-4138-A75A-B95D69A19C87}"/>
+              </a:ext>
+            </a:extLst>
+          </p:cNvPr>
+          <p:cNvSpPr/>
+          <p:nvPr/>
+        </p:nvSpPr>
+        <p:spPr>
+          <a:xfrm>
+            <a:off x="1391873" y="3046501"/>
+            <a:ext cx="1282132" cy="425247"/>
+          </a:xfrm>
+          <a:prstGeom prst="rect">
+            <a:avLst/>
+          </a:prstGeom>
+        </p:spPr>
+        <p:style>
+          <a:lnRef idx="2">
+            <a:schemeClr val="accent1">
+              <a:shade val="50000"/>
+            </a:schemeClr>
+          </a:lnRef>
+          <a:fillRef idx="1">
+            <a:schemeClr val="accent1"/>
+          </a:fillRef>
+          <a:effectRef idx="0">
+            <a:schemeClr val="accent1"/>
+          </a:effectRef>
+          <a:fontRef idx="minor">
+            <a:schemeClr val="lt1"/>
+          </a:fontRef>
+        </p:style>
+        <p:txBody>
+          <a:bodyPr rtlCol="0" anchor="ctr"/>
+          <a:lstStyle/>
+          <a:p>
+            <a:pPr algn="ctr"/>
+            <a:r>
+              <a:rPr lang="en-US" altLang="ko-KR" dirty="0" err="1"/>
+              <a:t>ClientApp</a:t>
+            </a:r>
+            <a:endParaRPr lang="ko-KR" altLang="en-US" dirty="0"/>
+          </a:p>
+        </p:txBody>
+      </p:sp>
+      <p:sp>
+        <p:nvSpPr>
+          <p:cNvPr id="12" name="직사각형 11">
+            <a:extLst>
+              <a:ext uri="{FF2B5EF4-FFF2-40B4-BE49-F238E27FC236}">
+                <a16:creationId xmlns:a16="http://schemas.microsoft.com/office/drawing/2014/main" id="{2A90DC7B-F935-40C4-93C3-E437CFEB0601}"/>
+              </a:ext>
+            </a:extLst>
+          </p:cNvPr>
+          <p:cNvSpPr/>
+          <p:nvPr/>
+        </p:nvSpPr>
+        <p:spPr>
+          <a:xfrm>
+            <a:off x="1391873" y="4024810"/>
+            <a:ext cx="1282132" cy="425247"/>
+          </a:xfrm>
+          <a:prstGeom prst="rect">
+            <a:avLst/>
+          </a:prstGeom>
+        </p:spPr>
+        <p:style>
+          <a:lnRef idx="2">
+            <a:schemeClr val="accent1">
+              <a:shade val="50000"/>
+            </a:schemeClr>
+          </a:lnRef>
+          <a:fillRef idx="1">
+            <a:schemeClr val="accent1"/>
+          </a:fillRef>
+          <a:effectRef idx="0">
+            <a:schemeClr val="accent1"/>
+          </a:effectRef>
+          <a:fontRef idx="minor">
+            <a:schemeClr val="lt1"/>
+          </a:fontRef>
+        </p:style>
+        <p:txBody>
+          <a:bodyPr rtlCol="0" anchor="ctr"/>
+          <a:lstStyle/>
+          <a:p>
+            <a:pPr algn="ctr"/>
+            <a:r>
+              <a:rPr lang="en-US" altLang="ko-KR" dirty="0" err="1"/>
+              <a:t>ClientAppBrowser</a:t>
+            </a:r>
+            <a:endParaRPr lang="ko-KR" altLang="en-US" dirty="0"/>
+          </a:p>
+        </p:txBody>
+      </p:sp>
+      <p:sp>
+        <p:nvSpPr>
+          <p:cNvPr id="15" name="화살표: 아래쪽 14">
+            <a:extLst>
+              <a:ext uri="{FF2B5EF4-FFF2-40B4-BE49-F238E27FC236}">
+                <a16:creationId xmlns:a16="http://schemas.microsoft.com/office/drawing/2014/main" id="{C386EAB7-98A9-44DE-BCB5-02D617754E52}"/>
+              </a:ext>
+            </a:extLst>
+          </p:cNvPr>
+          <p:cNvSpPr/>
+          <p:nvPr/>
+        </p:nvSpPr>
+        <p:spPr>
+          <a:xfrm>
+            <a:off x="1786154" y="3511200"/>
+            <a:ext cx="553673" cy="425247"/>
+          </a:xfrm>
+          <a:prstGeom prst="downArrow">
+            <a:avLst/>
+          </a:prstGeom>
+        </p:spPr>
+        <p:style>
+          <a:lnRef idx="2">
+            <a:schemeClr val="accent1">
+              <a:shade val="50000"/>
+            </a:schemeClr>
+          </a:lnRef>
+          <a:fillRef idx="1">
+            <a:schemeClr val="accent1"/>
+          </a:fillRef>
+          <a:effectRef idx="0">
+            <a:schemeClr val="accent1"/>
+          </a:effectRef>
+          <a:fontRef idx="minor">
+            <a:schemeClr val="lt1"/>
+          </a:fontRef>
+        </p:style>
+        <p:txBody>
+          <a:bodyPr rtlCol="0" anchor="ctr"/>
+          <a:lstStyle/>
+          <a:p>
+            <a:pPr algn="ctr"/>
+            <a:endParaRPr lang="ko-KR" altLang="en-US"/>
+          </a:p>
+        </p:txBody>
+      </p:sp>
+      <p:sp>
+        <p:nvSpPr>
+          <p:cNvPr id="16" name="직사각형 15">
+            <a:extLst>
+              <a:ext uri="{FF2B5EF4-FFF2-40B4-BE49-F238E27FC236}">
+                <a16:creationId xmlns:a16="http://schemas.microsoft.com/office/drawing/2014/main" id="{CB3EBC93-5246-44E2-A65F-363253208C37}"/>
+              </a:ext>
+            </a:extLst>
+          </p:cNvPr>
+          <p:cNvSpPr/>
+          <p:nvPr/>
+        </p:nvSpPr>
+        <p:spPr>
+          <a:xfrm>
+            <a:off x="3244416" y="2080775"/>
+            <a:ext cx="1282132" cy="425247"/>
+          </a:xfrm>
+          <a:prstGeom prst="rect">
+            <a:avLst/>
+          </a:prstGeom>
+        </p:spPr>
+        <p:style>
+          <a:lnRef idx="2">
+            <a:schemeClr val="accent1">
+              <a:shade val="50000"/>
+            </a:schemeClr>
+          </a:lnRef>
+          <a:fillRef idx="1">
+            <a:schemeClr val="accent1"/>
+          </a:fillRef>
+          <a:effectRef idx="0">
+            <a:schemeClr val="accent1"/>
+          </a:effectRef>
+          <a:fontRef idx="minor">
+            <a:schemeClr val="lt1"/>
+          </a:fontRef>
+        </p:style>
+        <p:txBody>
+          <a:bodyPr rtlCol="0" anchor="ctr"/>
+          <a:lstStyle/>
+          <a:p>
+            <a:pPr algn="ctr"/>
+            <a:r>
+              <a:rPr lang="en-US" altLang="ko-KR" dirty="0" err="1"/>
+              <a:t>MainContext</a:t>
+            </a:r>
+            <a:endParaRPr lang="ko-KR" altLang="en-US" dirty="0"/>
+          </a:p>
+        </p:txBody>
+      </p:sp>
+      <p:sp>
+        <p:nvSpPr>
+          <p:cNvPr id="17" name="직사각형 16">
+            <a:extLst>
+              <a:ext uri="{FF2B5EF4-FFF2-40B4-BE49-F238E27FC236}">
+                <a16:creationId xmlns:a16="http://schemas.microsoft.com/office/drawing/2014/main" id="{60764511-9614-43D5-AB51-7537AC13EC7B}"/>
+              </a:ext>
+            </a:extLst>
+          </p:cNvPr>
+          <p:cNvSpPr/>
+          <p:nvPr/>
+        </p:nvSpPr>
+        <p:spPr>
+          <a:xfrm>
+            <a:off x="3250009" y="3843836"/>
+            <a:ext cx="1282132" cy="425247"/>
+          </a:xfrm>
+          <a:prstGeom prst="rect">
+            <a:avLst/>
+          </a:prstGeom>
+        </p:spPr>
+        <p:style>
+          <a:lnRef idx="2">
+            <a:schemeClr val="accent1">
+              <a:shade val="50000"/>
+            </a:schemeClr>
+          </a:lnRef>
+          <a:fillRef idx="1">
+            <a:schemeClr val="accent1"/>
+          </a:fillRef>
+          <a:effectRef idx="0">
+            <a:schemeClr val="accent1"/>
+          </a:effectRef>
+          <a:fontRef idx="minor">
+            <a:schemeClr val="lt1"/>
+          </a:fontRef>
+        </p:style>
+        <p:txBody>
+          <a:bodyPr rtlCol="0" anchor="ctr"/>
+          <a:lstStyle/>
+          <a:p>
+            <a:pPr algn="ctr"/>
+            <a:r>
+              <a:rPr lang="en-US" altLang="ko-KR" dirty="0" err="1"/>
+              <a:t>MainContextImpl</a:t>
+            </a:r>
+            <a:endParaRPr lang="ko-KR" altLang="en-US" dirty="0"/>
+          </a:p>
+        </p:txBody>
+      </p:sp>
+      <p:sp>
+        <p:nvSpPr>
+          <p:cNvPr id="18" name="화살표: 아래쪽 17">
+            <a:extLst>
+              <a:ext uri="{FF2B5EF4-FFF2-40B4-BE49-F238E27FC236}">
+                <a16:creationId xmlns:a16="http://schemas.microsoft.com/office/drawing/2014/main" id="{197CB42D-2A55-4CED-8249-D13B38EA72F8}"/>
+              </a:ext>
+            </a:extLst>
+          </p:cNvPr>
+          <p:cNvSpPr/>
+          <p:nvPr/>
+        </p:nvSpPr>
+        <p:spPr>
+          <a:xfrm>
+            <a:off x="3578594" y="2987585"/>
+            <a:ext cx="553673" cy="425247"/>
+          </a:xfrm>
+          <a:prstGeom prst="downArrow">
+            <a:avLst/>
+          </a:prstGeom>
+        </p:spPr>
+        <p:style>
+          <a:lnRef idx="2">
+            <a:schemeClr val="accent1">
+              <a:shade val="50000"/>
+            </a:schemeClr>
+          </a:lnRef>
+          <a:fillRef idx="1">
+            <a:schemeClr val="accent1"/>
+          </a:fillRef>
+          <a:effectRef idx="0">
+            <a:schemeClr val="accent1"/>
+          </a:effectRef>
+          <a:fontRef idx="minor">
+            <a:schemeClr val="lt1"/>
+          </a:fontRef>
+        </p:style>
+        <p:txBody>
+          <a:bodyPr rtlCol="0" anchor="ctr"/>
+          <a:lstStyle/>
+          <a:p>
+            <a:pPr algn="ctr"/>
+            <a:endParaRPr lang="ko-KR" altLang="en-US"/>
+          </a:p>
+        </p:txBody>
+      </p:sp>
+      <p:sp>
+        <p:nvSpPr>
+          <p:cNvPr id="19" name="텍스트 개체 틀 29">
+            <a:extLst>
+              <a:ext uri="{FF2B5EF4-FFF2-40B4-BE49-F238E27FC236}">
+                <a16:creationId xmlns:a16="http://schemas.microsoft.com/office/drawing/2014/main" id="{708E83F1-C6EC-4E2A-BE20-1D68408DD8C7}"/>
+              </a:ext>
+            </a:extLst>
+          </p:cNvPr>
+          <p:cNvSpPr txBox="1">
+            <a:spLocks/>
+          </p:cNvSpPr>
+          <p:nvPr/>
+        </p:nvSpPr>
+        <p:spPr>
+          <a:xfrm>
+            <a:off x="6887360" y="1681163"/>
+            <a:ext cx="4468027" cy="823912"/>
+          </a:xfrm>
+          <a:prstGeom prst="rect">
+            <a:avLst/>
+          </a:prstGeom>
+        </p:spPr>
+        <p:txBody>
+          <a:bodyPr/>
+          <a:lstStyle>
+            <a:lvl1pPr marL="228600" indent="-228600" algn="l" defTabSz="914400" rtl="0" eaLnBrk="1" latinLnBrk="1" hangingPunct="1">
+              <a:lnSpc>
+                <a:spcPct val="90000"/>
+              </a:lnSpc>
+              <a:spcBef>
+                <a:spcPts val="1000"/>
+              </a:spcBef>
+              <a:buFont typeface="Arial" panose="020B0604020202020204" pitchFamily="34" charset="0"/>
+              <a:buChar char="•"/>
+              <a:defRPr sz="2800" kern="1200">
+                <a:solidFill>
+                  <a:schemeClr val="tx1"/>
+                </a:solidFill>
+                <a:latin typeface="+mn-lt"/>
+                <a:ea typeface="+mn-ea"/>
+                <a:cs typeface="+mn-cs"/>
+              </a:defRPr>
+            </a:lvl1pPr>
+            <a:lvl2pPr marL="685800" indent="-228600" algn="l" defTabSz="914400" rtl="0" eaLnBrk="1" latinLnBrk="1" hangingPunct="1">
+              <a:lnSpc>
+                <a:spcPct val="90000"/>
+              </a:lnSpc>
+              <a:spcBef>
+                <a:spcPts val="500"/>
+              </a:spcBef>
+              <a:buFont typeface="Arial" panose="020B0604020202020204" pitchFamily="34" charset="0"/>
+              <a:buChar char="•"/>
+              <a:defRPr sz="2400" kern="1200">
+                <a:solidFill>
+                  <a:schemeClr val="tx1"/>
+                </a:solidFill>
+                <a:latin typeface="+mn-lt"/>
+                <a:ea typeface="+mn-ea"/>
+                <a:cs typeface="+mn-cs"/>
+              </a:defRPr>
+            </a:lvl2pPr>
+            <a:lvl3pPr marL="1143000" indent="-228600" algn="l" defTabSz="914400" rtl="0" eaLnBrk="1" latinLnBrk="1" hangingPunct="1">
+              <a:lnSpc>
+                <a:spcPct val="90000"/>
+              </a:lnSpc>
+              <a:spcBef>
+                <a:spcPts val="500"/>
+              </a:spcBef>
+              <a:buFont typeface="Arial" panose="020B0604020202020204" pitchFamily="34" charset="0"/>
+              <a:buChar char="•"/>
+              <a:defRPr sz="2000" kern="1200">
+                <a:solidFill>
+                  <a:schemeClr val="tx1"/>
+                </a:solidFill>
+                <a:latin typeface="+mn-lt"/>
+                <a:ea typeface="+mn-ea"/>
+                <a:cs typeface="+mn-cs"/>
+              </a:defRPr>
+            </a:lvl3pPr>
+            <a:lvl4pPr marL="1600200" indent="-228600" algn="l" defTabSz="914400" rtl="0" eaLnBrk="1" latinLnBrk="1" hangingPunct="1">
+              <a:lnSpc>
+                <a:spcPct val="90000"/>
+              </a:lnSpc>
+              <a:spcBef>
+                <a:spcPts val="500"/>
+              </a:spcBef>
+              <a:buFont typeface="Arial" panose="020B0604020202020204" pitchFamily="34" charset="0"/>
+              <a:buChar char="•"/>
+              <a:defRPr sz="1800" kern="1200">
+                <a:solidFill>
+                  <a:schemeClr val="tx1"/>
+                </a:solidFill>
+                <a:latin typeface="+mn-lt"/>
+                <a:ea typeface="+mn-ea"/>
+                <a:cs typeface="+mn-cs"/>
+              </a:defRPr>
+            </a:lvl4pPr>
+            <a:lvl5pPr marL="2057400" indent="-228600" algn="l" defTabSz="914400" rtl="0" eaLnBrk="1" latinLnBrk="1" hangingPunct="1">
+              <a:lnSpc>
+                <a:spcPct val="90000"/>
+              </a:lnSpc>
+              <a:spcBef>
+                <a:spcPts val="500"/>
+              </a:spcBef>
+              <a:buFont typeface="Arial" panose="020B0604020202020204" pitchFamily="34" charset="0"/>
+              <a:buChar char="•"/>
+              <a:defRPr sz="1800" kern="1200">
+                <a:solidFill>
+                  <a:schemeClr val="tx1"/>
+                </a:solidFill>
+                <a:latin typeface="+mn-lt"/>
+                <a:ea typeface="+mn-ea"/>
+                <a:cs typeface="+mn-cs"/>
+              </a:defRPr>
+            </a:lvl5pPr>
+            <a:lvl6pPr marL="2514600" indent="-228600" algn="l" defTabSz="914400" rtl="0" eaLnBrk="1" latinLnBrk="1" hangingPunct="1">
+              <a:lnSpc>
+                <a:spcPct val="90000"/>
+              </a:lnSpc>
+              <a:spcBef>
+                <a:spcPts val="500"/>
+              </a:spcBef>
+              <a:buFont typeface="Arial" panose="020B0604020202020204" pitchFamily="34" charset="0"/>
+              <a:buChar char="•"/>
+              <a:defRPr sz="1800" kern="1200">
+                <a:solidFill>
+                  <a:schemeClr val="tx1"/>
+                </a:solidFill>
+                <a:latin typeface="+mn-lt"/>
+                <a:ea typeface="+mn-ea"/>
+                <a:cs typeface="+mn-cs"/>
+              </a:defRPr>
+            </a:lvl6pPr>
+            <a:lvl7pPr marL="2971800" indent="-228600" algn="l" defTabSz="914400" rtl="0" eaLnBrk="1" latinLnBrk="1" hangingPunct="1">
+              <a:lnSpc>
+                <a:spcPct val="90000"/>
+              </a:lnSpc>
+              <a:spcBef>
+                <a:spcPts val="500"/>
+              </a:spcBef>
+              <a:buFont typeface="Arial" panose="020B0604020202020204" pitchFamily="34" charset="0"/>
+              <a:buChar char="•"/>
+              <a:defRPr sz="1800" kern="1200">
+                <a:solidFill>
+                  <a:schemeClr val="tx1"/>
+                </a:solidFill>
+                <a:latin typeface="+mn-lt"/>
+                <a:ea typeface="+mn-ea"/>
+                <a:cs typeface="+mn-cs"/>
+              </a:defRPr>
+            </a:lvl7pPr>
+            <a:lvl8pPr marL="3429000" indent="-228600" algn="l" defTabSz="914400" rtl="0" eaLnBrk="1" latinLnBrk="1" hangingPunct="1">
+              <a:lnSpc>
+                <a:spcPct val="90000"/>
+              </a:lnSpc>
+              <a:spcBef>
+                <a:spcPts val="500"/>
+              </a:spcBef>
+              <a:buFont typeface="Arial" panose="020B0604020202020204" pitchFamily="34" charset="0"/>
+              <a:buChar char="•"/>
+              <a:defRPr sz="1800" kern="1200">
+                <a:solidFill>
+                  <a:schemeClr val="tx1"/>
+                </a:solidFill>
+                <a:latin typeface="+mn-lt"/>
+                <a:ea typeface="+mn-ea"/>
+                <a:cs typeface="+mn-cs"/>
+              </a:defRPr>
+            </a:lvl8pPr>
+            <a:lvl9pPr marL="3886200" indent="-228600" algn="l" defTabSz="914400" rtl="0" eaLnBrk="1" latinLnBrk="1" hangingPunct="1">
+              <a:lnSpc>
+                <a:spcPct val="90000"/>
+              </a:lnSpc>
+              <a:spcBef>
+                <a:spcPts val="500"/>
+              </a:spcBef>
+              <a:buFont typeface="Arial" panose="020B0604020202020204" pitchFamily="34" charset="0"/>
+              <a:buChar char="•"/>
+              <a:defRPr sz="1800" kern="1200">
+                <a:solidFill>
+                  <a:schemeClr val="tx1"/>
+                </a:solidFill>
+                <a:latin typeface="+mn-lt"/>
+                <a:ea typeface="+mn-ea"/>
+                <a:cs typeface="+mn-cs"/>
+              </a:defRPr>
+            </a:lvl9pPr>
+          </a:lstStyle>
+          <a:p>
+            <a:pPr marL="0" marR="0" lvl="0" indent="0" algn="l" defTabSz="914400" rtl="0" eaLnBrk="1" fontAlgn="auto" latinLnBrk="1" hangingPunct="1">
+              <a:lnSpc>
+                <a:spcPct val="90000"/>
+              </a:lnSpc>
+              <a:spcBef>
+                <a:spcPts val="1000"/>
+              </a:spcBef>
+              <a:spcAft>
+                <a:spcPts val="0"/>
+              </a:spcAft>
+              <a:buClrTx/>
+              <a:buSzTx/>
+              <a:buFont typeface="Arial" panose="020B0604020202020204" pitchFamily="34" charset="0"/>
+              <a:buNone/>
+              <a:tabLst/>
+              <a:defRPr/>
+            </a:pPr>
+            <a:r>
+              <a:rPr kumimoji="0" lang="en-US" altLang="ko-KR" sz="2400" b="1" i="0" u="none" strike="noStrike" kern="1200" cap="none" spc="0" normalizeH="0" baseline="0" noProof="0" dirty="0">
+                <a:ln>
+                  <a:noFill/>
+                </a:ln>
+                <a:solidFill>
+                  <a:prstClr val="black"/>
+                </a:solidFill>
+                <a:effectLst/>
+                <a:uLnTx/>
+                <a:uFillTx/>
+                <a:latin typeface="맑은 고딕" panose="020F0502020204030204"/>
+                <a:ea typeface="맑은 고딕" panose="020B0503020000020004" pitchFamily="50" charset="-127"/>
+                <a:cs typeface="+mn-cs"/>
+              </a:rPr>
+              <a:t>Class names</a:t>
+            </a:r>
+            <a:endParaRPr kumimoji="0" lang="ko-KR" altLang="en-US" sz="2400" b="1" i="0" u="none" strike="noStrike" kern="1200" cap="none" spc="0" normalizeH="0" baseline="0" noProof="0" dirty="0">
+              <a:ln>
+                <a:noFill/>
+              </a:ln>
+              <a:solidFill>
+                <a:prstClr val="black"/>
+              </a:solidFill>
+              <a:effectLst/>
+              <a:uLnTx/>
+              <a:uFillTx/>
+              <a:latin typeface="맑은 고딕" panose="020F0502020204030204"/>
+              <a:ea typeface="맑은 고딕" panose="020B0503020000020004" pitchFamily="50" charset="-127"/>
+              <a:cs typeface="+mn-cs"/>
+            </a:endParaRPr>
+          </a:p>
+        </p:txBody>
+      </p:sp>
+      <p:sp>
+        <p:nvSpPr>
+          <p:cNvPr id="20" name="내용 개체 틀 30">
+            <a:extLst>
+              <a:ext uri="{FF2B5EF4-FFF2-40B4-BE49-F238E27FC236}">
+                <a16:creationId xmlns:a16="http://schemas.microsoft.com/office/drawing/2014/main" id="{9D880895-73C9-4470-981C-A02BCC548EB2}"/>
+              </a:ext>
+            </a:extLst>
+          </p:cNvPr>
+          <p:cNvSpPr txBox="1">
+            <a:spLocks/>
+          </p:cNvSpPr>
+          <p:nvPr/>
+        </p:nvSpPr>
+        <p:spPr>
+          <a:xfrm>
+            <a:off x="6887360" y="2505075"/>
+            <a:ext cx="4468027" cy="3684588"/>
+          </a:xfrm>
+          <a:prstGeom prst="rect">
+            <a:avLst/>
+          </a:prstGeom>
+        </p:spPr>
+        <p:txBody>
+          <a:bodyPr/>
+          <a:lstStyle>
+            <a:lvl1pPr marL="228600" indent="-228600" algn="l" defTabSz="914400" rtl="0" eaLnBrk="1" latinLnBrk="1" hangingPunct="1">
+              <a:lnSpc>
+                <a:spcPct val="90000"/>
+              </a:lnSpc>
+              <a:spcBef>
+                <a:spcPts val="1000"/>
+              </a:spcBef>
+              <a:buFont typeface="Arial" panose="020B0604020202020204" pitchFamily="34" charset="0"/>
+              <a:buChar char="•"/>
+              <a:defRPr sz="2800" kern="1200">
+                <a:solidFill>
+                  <a:schemeClr val="tx1"/>
+                </a:solidFill>
+                <a:latin typeface="+mn-lt"/>
+                <a:ea typeface="+mn-ea"/>
+                <a:cs typeface="+mn-cs"/>
+              </a:defRPr>
+            </a:lvl1pPr>
+            <a:lvl2pPr marL="685800" indent="-228600" algn="l" defTabSz="914400" rtl="0" eaLnBrk="1" latinLnBrk="1" hangingPunct="1">
+              <a:lnSpc>
+                <a:spcPct val="90000"/>
+              </a:lnSpc>
+              <a:spcBef>
+                <a:spcPts val="500"/>
+              </a:spcBef>
+              <a:buFont typeface="Arial" panose="020B0604020202020204" pitchFamily="34" charset="0"/>
+              <a:buChar char="•"/>
+              <a:defRPr sz="2400" kern="1200">
+                <a:solidFill>
+                  <a:schemeClr val="tx1"/>
+                </a:solidFill>
+                <a:latin typeface="+mn-lt"/>
+                <a:ea typeface="+mn-ea"/>
+                <a:cs typeface="+mn-cs"/>
+              </a:defRPr>
+            </a:lvl2pPr>
+            <a:lvl3pPr marL="1143000" indent="-228600" algn="l" defTabSz="914400" rtl="0" eaLnBrk="1" latinLnBrk="1" hangingPunct="1">
+              <a:lnSpc>
+                <a:spcPct val="90000"/>
+              </a:lnSpc>
+              <a:spcBef>
+                <a:spcPts val="500"/>
+              </a:spcBef>
+              <a:buFont typeface="Arial" panose="020B0604020202020204" pitchFamily="34" charset="0"/>
+              <a:buChar char="•"/>
+              <a:defRPr sz="2000" kern="1200">
+                <a:solidFill>
+                  <a:schemeClr val="tx1"/>
+                </a:solidFill>
+                <a:latin typeface="+mn-lt"/>
+                <a:ea typeface="+mn-ea"/>
+                <a:cs typeface="+mn-cs"/>
+              </a:defRPr>
+            </a:lvl3pPr>
+            <a:lvl4pPr marL="1600200" indent="-228600" algn="l" defTabSz="914400" rtl="0" eaLnBrk="1" latinLnBrk="1" hangingPunct="1">
+              <a:lnSpc>
+                <a:spcPct val="90000"/>
+              </a:lnSpc>
+              <a:spcBef>
+                <a:spcPts val="500"/>
+              </a:spcBef>
+              <a:buFont typeface="Arial" panose="020B0604020202020204" pitchFamily="34" charset="0"/>
+              <a:buChar char="•"/>
+              <a:defRPr sz="1800" kern="1200">
+                <a:solidFill>
+                  <a:schemeClr val="tx1"/>
+                </a:solidFill>
+                <a:latin typeface="+mn-lt"/>
+                <a:ea typeface="+mn-ea"/>
+                <a:cs typeface="+mn-cs"/>
+              </a:defRPr>
+            </a:lvl4pPr>
+            <a:lvl5pPr marL="2057400" indent="-228600" algn="l" defTabSz="914400" rtl="0" eaLnBrk="1" latinLnBrk="1" hangingPunct="1">
+              <a:lnSpc>
+                <a:spcPct val="90000"/>
+              </a:lnSpc>
+              <a:spcBef>
+                <a:spcPts val="500"/>
+              </a:spcBef>
+              <a:buFont typeface="Arial" panose="020B0604020202020204" pitchFamily="34" charset="0"/>
+              <a:buChar char="•"/>
+              <a:defRPr sz="1800" kern="1200">
+                <a:solidFill>
+                  <a:schemeClr val="tx1"/>
+                </a:solidFill>
+                <a:latin typeface="+mn-lt"/>
+                <a:ea typeface="+mn-ea"/>
+                <a:cs typeface="+mn-cs"/>
+              </a:defRPr>
+            </a:lvl5pPr>
+            <a:lvl6pPr marL="2514600" indent="-228600" algn="l" defTabSz="914400" rtl="0" eaLnBrk="1" latinLnBrk="1" hangingPunct="1">
+              <a:lnSpc>
+                <a:spcPct val="90000"/>
+              </a:lnSpc>
+              <a:spcBef>
+                <a:spcPts val="500"/>
+              </a:spcBef>
+              <a:buFont typeface="Arial" panose="020B0604020202020204" pitchFamily="34" charset="0"/>
+              <a:buChar char="•"/>
+              <a:defRPr sz="1800" kern="1200">
+                <a:solidFill>
+                  <a:schemeClr val="tx1"/>
+                </a:solidFill>
+                <a:latin typeface="+mn-lt"/>
+                <a:ea typeface="+mn-ea"/>
+                <a:cs typeface="+mn-cs"/>
+              </a:defRPr>
+            </a:lvl6pPr>
+            <a:lvl7pPr marL="2971800" indent="-228600" algn="l" defTabSz="914400" rtl="0" eaLnBrk="1" latinLnBrk="1" hangingPunct="1">
+              <a:lnSpc>
+                <a:spcPct val="90000"/>
+              </a:lnSpc>
+              <a:spcBef>
+                <a:spcPts val="500"/>
+              </a:spcBef>
+              <a:buFont typeface="Arial" panose="020B0604020202020204" pitchFamily="34" charset="0"/>
+              <a:buChar char="•"/>
+              <a:defRPr sz="1800" kern="1200">
+                <a:solidFill>
+                  <a:schemeClr val="tx1"/>
+                </a:solidFill>
+                <a:latin typeface="+mn-lt"/>
+                <a:ea typeface="+mn-ea"/>
+                <a:cs typeface="+mn-cs"/>
+              </a:defRPr>
+            </a:lvl7pPr>
+            <a:lvl8pPr marL="3429000" indent="-228600" algn="l" defTabSz="914400" rtl="0" eaLnBrk="1" latinLnBrk="1" hangingPunct="1">
+              <a:lnSpc>
+                <a:spcPct val="90000"/>
+              </a:lnSpc>
+              <a:spcBef>
+                <a:spcPts val="500"/>
+              </a:spcBef>
+              <a:buFont typeface="Arial" panose="020B0604020202020204" pitchFamily="34" charset="0"/>
+              <a:buChar char="•"/>
+              <a:defRPr sz="1800" kern="1200">
+                <a:solidFill>
+                  <a:schemeClr val="tx1"/>
+                </a:solidFill>
+                <a:latin typeface="+mn-lt"/>
+                <a:ea typeface="+mn-ea"/>
+                <a:cs typeface="+mn-cs"/>
+              </a:defRPr>
+            </a:lvl8pPr>
+            <a:lvl9pPr marL="3886200" indent="-228600" algn="l" defTabSz="914400" rtl="0" eaLnBrk="1" latinLnBrk="1" hangingPunct="1">
+              <a:lnSpc>
+                <a:spcPct val="90000"/>
+              </a:lnSpc>
+              <a:spcBef>
+                <a:spcPts val="500"/>
+              </a:spcBef>
+              <a:buFont typeface="Arial" panose="020B0604020202020204" pitchFamily="34" charset="0"/>
+              <a:buChar char="•"/>
+              <a:defRPr sz="1800" kern="1200">
+                <a:solidFill>
+                  <a:schemeClr val="tx1"/>
+                </a:solidFill>
+                <a:latin typeface="+mn-lt"/>
+                <a:ea typeface="+mn-ea"/>
+                <a:cs typeface="+mn-cs"/>
+              </a:defRPr>
+            </a:lvl9pPr>
+          </a:lstStyle>
+          <a:p>
+            <a:pPr marL="0" indent="0">
+              <a:buNone/>
+            </a:pPr>
             <a:endParaRPr lang="en-US" altLang="ko-KR" dirty="0"/>
-          </a:p>
-          <a:p>
-            <a:r>
-              <a:rPr lang="en-US" altLang="ko-KR" dirty="0" err="1"/>
-              <a:t>osr_dragdrop_win</a:t>
-            </a:r>
-            <a:r>
-              <a:rPr lang="en-US" altLang="ko-KR" dirty="0"/>
-              <a:t> (h/cc)</a:t>
-            </a:r>
-          </a:p>
-          <a:p>
-            <a:r>
-              <a:rPr lang="en-US" altLang="ko-KR" dirty="0" err="1"/>
-              <a:t>osr_ime_handler_win</a:t>
-            </a:r>
-            <a:r>
-              <a:rPr lang="en-US" altLang="ko-KR" dirty="0"/>
-              <a:t> (h/cc)</a:t>
-            </a:r>
-          </a:p>
-          <a:p>
-            <a:r>
-              <a:rPr lang="en-US" altLang="ko-KR" dirty="0" err="1"/>
-              <a:t>osr_render_handler</a:t>
-            </a:r>
-            <a:r>
-              <a:rPr lang="en-US" altLang="ko-KR" dirty="0"/>
-              <a:t> (h/cc)</a:t>
-            </a:r>
-          </a:p>
-          <a:p>
-            <a:r>
-              <a:rPr lang="en-US" altLang="ko-KR" dirty="0" err="1"/>
-              <a:t>osr_render_handler_win</a:t>
-            </a:r>
-            <a:r>
-              <a:rPr lang="en-US" altLang="ko-KR" dirty="0"/>
-              <a:t> (h/cc)</a:t>
-            </a:r>
-          </a:p>
-          <a:p>
-            <a:r>
-              <a:rPr lang="en-US" altLang="ko-KR" dirty="0"/>
-              <a:t>osr_render_handler_win_d3d11 (h/cc)</a:t>
-            </a:r>
-          </a:p>
-          <a:p>
-            <a:endParaRPr lang="en-US" altLang="ko-KR" dirty="0"/>
-          </a:p>
-        </p:txBody>
-      </p:sp>
-      <p:sp>
-        <p:nvSpPr>
-          <p:cNvPr id="6" name="내용 개체 틀 5">
-            <a:extLst>
-              <a:ext uri="{FF2B5EF4-FFF2-40B4-BE49-F238E27FC236}">
-                <a16:creationId xmlns:a16="http://schemas.microsoft.com/office/drawing/2014/main" id="{68CB5861-B48B-4CA2-9832-CDA07685AA50}"/>
-              </a:ext>
-            </a:extLst>
-          </p:cNvPr>
-          <p:cNvSpPr>
-            <a:spLocks noGrp="1"/>
-          </p:cNvSpPr>
-          <p:nvPr>
-            <p:ph sz="half" idx="2"/>
-          </p:nvPr>
-        </p:nvSpPr>
-        <p:spPr/>
-        <p:txBody>
-          <a:bodyPr>
-            <a:normAutofit fontScale="92500" lnSpcReduction="20000"/>
-          </a:bodyPr>
-          <a:lstStyle/>
-          <a:p>
-            <a:r>
-              <a:rPr lang="en-US" altLang="ko-KR" dirty="0" err="1"/>
-              <a:t>osr_render_handler_win_gl</a:t>
-            </a:r>
-            <a:r>
-              <a:rPr lang="en-US" altLang="ko-KR" dirty="0"/>
-              <a:t> (h/cc)</a:t>
-            </a:r>
-          </a:p>
-          <a:p>
-            <a:r>
-              <a:rPr lang="en-US" altLang="ko-KR" dirty="0" err="1"/>
-              <a:t>osr_renderer</a:t>
-            </a:r>
-            <a:r>
-              <a:rPr lang="en-US" altLang="ko-KR" dirty="0"/>
-              <a:t> (h/cc)</a:t>
-            </a:r>
-          </a:p>
-          <a:p>
-            <a:r>
-              <a:rPr lang="en-US" altLang="ko-KR" dirty="0" err="1"/>
-              <a:t>osr_renderer_settings.h</a:t>
-            </a:r>
-            <a:endParaRPr lang="en-US" altLang="ko-KR" dirty="0"/>
-          </a:p>
-          <a:p>
-            <a:r>
-              <a:rPr lang="en-US" altLang="ko-KR" dirty="0" err="1"/>
-              <a:t>osr_window_win</a:t>
-            </a:r>
-            <a:r>
-              <a:rPr lang="en-US" altLang="ko-KR" dirty="0"/>
-              <a:t> (h/cc)</a:t>
-            </a:r>
-          </a:p>
-          <a:p>
-            <a:r>
-              <a:rPr lang="en-US" altLang="ko-KR" dirty="0" err="1"/>
-              <a:t>preferences_test</a:t>
-            </a:r>
-            <a:r>
-              <a:rPr lang="en-US" altLang="ko-KR" dirty="0"/>
-              <a:t> (h/cc)</a:t>
-            </a:r>
-          </a:p>
-          <a:p>
-            <a:r>
-              <a:rPr lang="en-US" altLang="ko-KR" dirty="0" err="1"/>
-              <a:t>resource.h</a:t>
-            </a:r>
-            <a:endParaRPr lang="en-US" altLang="ko-KR" dirty="0"/>
-          </a:p>
-          <a:p>
-            <a:r>
-              <a:rPr lang="en-US" altLang="ko-KR" dirty="0"/>
-              <a:t>resource_util_win_idmap.cc</a:t>
-            </a:r>
-          </a:p>
-          <a:p>
-            <a:r>
-              <a:rPr lang="en-US" altLang="ko-KR" dirty="0" err="1"/>
-              <a:t>response_filter_test</a:t>
-            </a:r>
-            <a:r>
-              <a:rPr lang="en-US" altLang="ko-KR" dirty="0"/>
-              <a:t> (h/cc)</a:t>
-            </a:r>
-          </a:p>
-          <a:p>
-            <a:endParaRPr lang="ko-KR" altLang="en-US" dirty="0"/>
           </a:p>
         </p:txBody>
       </p:sp>
     </p:spTree>
     <p:extLst>
       <p:ext uri="{BB962C8B-B14F-4D97-AF65-F5344CB8AC3E}">
-        <p14:creationId xmlns:p14="http://schemas.microsoft.com/office/powerpoint/2010/main" val="1163038035"/>
+        <p14:creationId xmlns:p14="http://schemas.microsoft.com/office/powerpoint/2010/main" val="1679453139"/>
       </p:ext>
     </p:extLst>
   </p:cSld>
@@ -6308,7 +5464,7 @@
           <p:cNvPr id="2" name="제목 1">
             <a:extLst>
               <a:ext uri="{FF2B5EF4-FFF2-40B4-BE49-F238E27FC236}">
-                <a16:creationId xmlns:a16="http://schemas.microsoft.com/office/drawing/2014/main" id="{FF79257A-D88F-47FD-94FD-9878BBA6F085}"/>
+                <a16:creationId xmlns:a16="http://schemas.microsoft.com/office/drawing/2014/main" id="{99A71488-E603-4B70-8B20-C0BCBFFDD24D}"/>
               </a:ext>
             </a:extLst>
           </p:cNvPr>
@@ -6325,12 +5481,8 @@
           <a:lstStyle/>
           <a:p>
             <a:r>
-              <a:rPr lang="en-US" altLang="ko-KR" dirty="0" err="1"/>
-              <a:t>cefsimple</a:t>
-            </a:r>
-            <a:r>
-              <a:rPr lang="en-US" altLang="ko-KR" dirty="0"/>
-              <a:t>/browser files #3</a:t>
+              <a:rPr lang="en-US" altLang="ko-KR" dirty="0"/>
+              <a:t>Client Window</a:t>
             </a:r>
             <a:endParaRPr lang="ko-KR" altLang="en-US" dirty="0"/>
           </a:p>
@@ -6338,230 +5490,920 @@
       </p:sp>
       <p:sp>
         <p:nvSpPr>
-          <p:cNvPr id="3" name="내용 개체 틀 2">
-            <a:extLst>
-              <a:ext uri="{FF2B5EF4-FFF2-40B4-BE49-F238E27FC236}">
-                <a16:creationId xmlns:a16="http://schemas.microsoft.com/office/drawing/2014/main" id="{EF972FF7-503C-43FA-980C-130E00F33D7D}"/>
-              </a:ext>
-            </a:extLst>
-          </p:cNvPr>
-          <p:cNvSpPr>
-            <a:spLocks noGrp="1"/>
-          </p:cNvSpPr>
-          <p:nvPr>
-            <p:ph sz="half" idx="1"/>
-          </p:nvPr>
-        </p:nvSpPr>
-        <p:spPr/>
-        <p:txBody>
-          <a:bodyPr>
-            <a:normAutofit fontScale="85000" lnSpcReduction="20000"/>
-          </a:bodyPr>
-          <a:lstStyle/>
-          <a:p>
-            <a:r>
-              <a:rPr lang="en-US" altLang="ko-KR" dirty="0" err="1"/>
-              <a:t>root_window</a:t>
-            </a:r>
-            <a:r>
-              <a:rPr lang="en-US" altLang="ko-KR" dirty="0"/>
-              <a:t> (h/cc)</a:t>
-            </a:r>
-          </a:p>
-          <a:p>
-            <a:r>
-              <a:rPr lang="en-US" altLang="ko-KR" dirty="0"/>
-              <a:t>root_window_create.cc</a:t>
-            </a:r>
-          </a:p>
-          <a:p>
-            <a:r>
-              <a:rPr lang="en-US" altLang="ko-KR" dirty="0" err="1"/>
-              <a:t>root_window_manager</a:t>
-            </a:r>
-            <a:r>
-              <a:rPr lang="en-US" altLang="ko-KR" dirty="0"/>
-              <a:t> (h/cc)</a:t>
-            </a:r>
-          </a:p>
-          <a:p>
-            <a:r>
-              <a:rPr lang="en-US" altLang="ko-KR" dirty="0" err="1"/>
-              <a:t>root_window_views</a:t>
-            </a:r>
-            <a:r>
-              <a:rPr lang="en-US" altLang="ko-KR" dirty="0"/>
-              <a:t> (h/cc)</a:t>
-            </a:r>
-          </a:p>
-          <a:p>
-            <a:r>
-              <a:rPr lang="en-US" altLang="ko-KR" dirty="0" err="1"/>
-              <a:t>root_window_win</a:t>
-            </a:r>
-            <a:r>
-              <a:rPr lang="en-US" altLang="ko-KR" dirty="0"/>
-              <a:t> (h/cc)</a:t>
-            </a:r>
-          </a:p>
-          <a:p>
-            <a:r>
-              <a:rPr lang="en-US" altLang="ko-KR" dirty="0" err="1"/>
-              <a:t>scheme_test</a:t>
-            </a:r>
-            <a:r>
-              <a:rPr lang="en-US" altLang="ko-KR" dirty="0"/>
-              <a:t> (h/cc)</a:t>
-            </a:r>
-          </a:p>
-          <a:p>
-            <a:r>
-              <a:rPr lang="en-US" altLang="ko-KR" dirty="0" err="1"/>
-              <a:t>server_test</a:t>
-            </a:r>
-            <a:r>
-              <a:rPr lang="en-US" altLang="ko-KR" dirty="0"/>
-              <a:t> (h/cc)</a:t>
-            </a:r>
-          </a:p>
-          <a:p>
-            <a:r>
-              <a:rPr lang="en-US" altLang="ko-KR" dirty="0" err="1"/>
-              <a:t>temp_window.h</a:t>
+          <p:cNvPr id="30" name="텍스트 개체 틀 29">
+            <a:extLst>
+              <a:ext uri="{FF2B5EF4-FFF2-40B4-BE49-F238E27FC236}">
+                <a16:creationId xmlns:a16="http://schemas.microsoft.com/office/drawing/2014/main" id="{B3AB8607-4EA6-4066-825A-1063704FE4C4}"/>
+              </a:ext>
+            </a:extLst>
+          </p:cNvPr>
+          <p:cNvSpPr>
+            <a:spLocks noGrp="1"/>
+          </p:cNvSpPr>
+          <p:nvPr>
+            <p:ph type="body" sz="quarter" idx="3"/>
+          </p:nvPr>
+        </p:nvSpPr>
+        <p:spPr>
+          <a:xfrm>
+            <a:off x="6887360" y="1681163"/>
+            <a:ext cx="4468027" cy="823912"/>
+          </a:xfrm>
+        </p:spPr>
+        <p:txBody>
+          <a:bodyPr/>
+          <a:lstStyle/>
+          <a:p>
+            <a:r>
+              <a:rPr lang="en-US" altLang="ko-KR" dirty="0"/>
+              <a:t>Class names</a:t>
+            </a:r>
+            <a:endParaRPr lang="ko-KR" altLang="en-US" dirty="0"/>
+          </a:p>
+        </p:txBody>
+      </p:sp>
+      <p:sp>
+        <p:nvSpPr>
+          <p:cNvPr id="31" name="내용 개체 틀 30">
+            <a:extLst>
+              <a:ext uri="{FF2B5EF4-FFF2-40B4-BE49-F238E27FC236}">
+                <a16:creationId xmlns:a16="http://schemas.microsoft.com/office/drawing/2014/main" id="{620D7F59-615B-400C-AD09-49FECAC78599}"/>
+              </a:ext>
+            </a:extLst>
+          </p:cNvPr>
+          <p:cNvSpPr>
+            <a:spLocks noGrp="1"/>
+          </p:cNvSpPr>
+          <p:nvPr>
+            <p:ph sz="quarter" idx="4"/>
+          </p:nvPr>
+        </p:nvSpPr>
+        <p:spPr>
+          <a:xfrm>
+            <a:off x="6887360" y="2505075"/>
+            <a:ext cx="4468027" cy="3684588"/>
+          </a:xfrm>
+        </p:spPr>
+        <p:txBody>
+          <a:bodyPr/>
+          <a:lstStyle/>
+          <a:p>
+            <a:r>
+              <a:rPr lang="en-US" altLang="ko-KR" dirty="0"/>
+              <a:t>CH: </a:t>
+            </a:r>
+            <a:r>
+              <a:rPr lang="en-US" altLang="ko-KR" dirty="0" err="1"/>
+              <a:t>ClientHandler</a:t>
             </a:r>
             <a:endParaRPr lang="en-US" altLang="ko-KR" dirty="0"/>
           </a:p>
           <a:p>
             <a:r>
-              <a:rPr lang="en-US" altLang="ko-KR" dirty="0" err="1"/>
-              <a:t>temp_window_win</a:t>
-            </a:r>
-            <a:r>
-              <a:rPr lang="en-US" altLang="ko-KR" dirty="0"/>
-              <a:t> (h/cc)</a:t>
-            </a:r>
-          </a:p>
-          <a:p>
-            <a:r>
-              <a:rPr lang="en-US" altLang="ko-KR" dirty="0" err="1"/>
-              <a:t>test_runner</a:t>
-            </a:r>
-            <a:r>
-              <a:rPr lang="en-US" altLang="ko-KR" dirty="0"/>
-              <a:t> (h/cc)</a:t>
-            </a:r>
-          </a:p>
-          <a:p>
-            <a:r>
-              <a:rPr lang="en-US" altLang="ko-KR" dirty="0" err="1"/>
-              <a:t>urlrequest_test</a:t>
-            </a:r>
-            <a:r>
-              <a:rPr lang="en-US" altLang="ko-KR" dirty="0"/>
-              <a:t> (h/cc)</a:t>
-            </a:r>
-          </a:p>
-          <a:p>
+              <a:rPr lang="en-US" altLang="ko-KR" dirty="0"/>
+              <a:t>BW: </a:t>
+            </a:r>
+            <a:r>
+              <a:rPr lang="en-US" altLang="ko-KR" dirty="0" err="1"/>
+              <a:t>BrowserWindow</a:t>
+            </a:r>
             <a:endParaRPr lang="en-US" altLang="ko-KR" dirty="0"/>
           </a:p>
           <a:p>
+            <a:r>
+              <a:rPr lang="en-US" altLang="ko-KR" dirty="0"/>
+              <a:t>CHS: </a:t>
+            </a:r>
+            <a:r>
+              <a:rPr lang="en-US" altLang="ko-KR" dirty="0" err="1"/>
+              <a:t>CLientHandlerStd</a:t>
+            </a:r>
             <a:endParaRPr lang="en-US" altLang="ko-KR" dirty="0"/>
           </a:p>
           <a:p>
+            <a:r>
+              <a:rPr lang="en-US" altLang="ko-KR" dirty="0"/>
+              <a:t>RW: </a:t>
+            </a:r>
+            <a:r>
+              <a:rPr lang="en-US" altLang="ko-KR" dirty="0" err="1"/>
+              <a:t>RootWindow</a:t>
+            </a:r>
             <a:endParaRPr lang="en-US" altLang="ko-KR" dirty="0"/>
           </a:p>
-        </p:txBody>
-      </p:sp>
-      <p:sp>
-        <p:nvSpPr>
-          <p:cNvPr id="6" name="내용 개체 틀 5">
-            <a:extLst>
-              <a:ext uri="{FF2B5EF4-FFF2-40B4-BE49-F238E27FC236}">
-                <a16:creationId xmlns:a16="http://schemas.microsoft.com/office/drawing/2014/main" id="{68CB5861-B48B-4CA2-9832-CDA07685AA50}"/>
-              </a:ext>
-            </a:extLst>
-          </p:cNvPr>
-          <p:cNvSpPr>
-            <a:spLocks noGrp="1"/>
-          </p:cNvSpPr>
-          <p:nvPr>
-            <p:ph sz="half" idx="2"/>
-          </p:nvPr>
-        </p:nvSpPr>
-        <p:spPr/>
-        <p:txBody>
-          <a:bodyPr>
-            <a:normAutofit fontScale="85000" lnSpcReduction="20000"/>
-          </a:bodyPr>
-          <a:lstStyle/>
-          <a:p>
-            <a:r>
-              <a:rPr lang="en-US" altLang="ko-KR" dirty="0" err="1"/>
-              <a:t>views_menu_bar</a:t>
-            </a:r>
-            <a:r>
-              <a:rPr lang="en-US" altLang="ko-KR" dirty="0"/>
-              <a:t> (h/cc)</a:t>
-            </a:r>
-          </a:p>
-          <a:p>
-            <a:r>
-              <a:rPr lang="en-US" altLang="ko-KR" dirty="0" err="1"/>
-              <a:t>views_style</a:t>
-            </a:r>
-            <a:r>
-              <a:rPr lang="en-US" altLang="ko-KR" dirty="0"/>
-              <a:t> (h/cc)</a:t>
-            </a:r>
-          </a:p>
-          <a:p>
-            <a:r>
-              <a:rPr lang="en-US" altLang="ko-KR" dirty="0" err="1"/>
-              <a:t>views_windows</a:t>
-            </a:r>
-            <a:r>
-              <a:rPr lang="en-US" altLang="ko-KR" dirty="0"/>
-              <a:t> (h/cc)</a:t>
-            </a:r>
-          </a:p>
-          <a:p>
-            <a:r>
-              <a:rPr lang="en-US" altLang="ko-KR" dirty="0" err="1"/>
-              <a:t>window_test</a:t>
-            </a:r>
-            <a:r>
-              <a:rPr lang="en-US" altLang="ko-KR" dirty="0"/>
-              <a:t> (h/cc)</a:t>
-            </a:r>
-          </a:p>
-          <a:p>
-            <a:r>
-              <a:rPr lang="en-US" altLang="ko-KR" dirty="0" err="1"/>
-              <a:t>window_test_runner</a:t>
-            </a:r>
-            <a:r>
-              <a:rPr lang="en-US" altLang="ko-KR" dirty="0"/>
-              <a:t> (h/cc)</a:t>
-            </a:r>
-          </a:p>
-          <a:p>
-            <a:r>
-              <a:rPr lang="en-US" altLang="ko-KR" dirty="0" err="1"/>
-              <a:t>window_test_runner_views</a:t>
-            </a:r>
-            <a:r>
-              <a:rPr lang="en-US" altLang="ko-KR" dirty="0"/>
-              <a:t> (h/cc)</a:t>
-            </a:r>
-          </a:p>
-          <a:p>
-            <a:r>
-              <a:rPr lang="en-US" altLang="ko-KR" dirty="0" err="1"/>
-              <a:t>window_test_runner_win</a:t>
-            </a:r>
-            <a:r>
-              <a:rPr lang="en-US" altLang="ko-KR" dirty="0"/>
-              <a:t> (h/cc)</a:t>
+          <a:p>
+            <a:r>
+              <a:rPr lang="en-US" altLang="ko-KR" dirty="0"/>
+              <a:t>RWM: </a:t>
+            </a:r>
+            <a:r>
+              <a:rPr lang="en-US" altLang="ko-KR" dirty="0" err="1"/>
+              <a:t>RootWindowManager</a:t>
+            </a:r>
+            <a:endParaRPr lang="en-US" altLang="ko-KR" dirty="0"/>
+          </a:p>
+          <a:p>
+            <a:r>
+              <a:rPr lang="en-US" altLang="ko-KR" dirty="0"/>
+              <a:t>RWW: </a:t>
+            </a:r>
+            <a:r>
+              <a:rPr lang="en-US" altLang="ko-KR" dirty="0" err="1"/>
+              <a:t>RootWindowWin</a:t>
+            </a:r>
+            <a:endParaRPr lang="ko-KR" altLang="en-US" dirty="0"/>
+          </a:p>
+        </p:txBody>
+      </p:sp>
+      <p:sp>
+        <p:nvSpPr>
+          <p:cNvPr id="3" name="직사각형 2">
+            <a:extLst>
+              <a:ext uri="{FF2B5EF4-FFF2-40B4-BE49-F238E27FC236}">
+                <a16:creationId xmlns:a16="http://schemas.microsoft.com/office/drawing/2014/main" id="{E9F0A506-424C-45E9-9791-1ACB6B9C8EC5}"/>
+              </a:ext>
+            </a:extLst>
+          </p:cNvPr>
+          <p:cNvSpPr/>
+          <p:nvPr/>
+        </p:nvSpPr>
+        <p:spPr>
+          <a:xfrm>
+            <a:off x="4813868" y="1877838"/>
+            <a:ext cx="1282132" cy="433636"/>
+          </a:xfrm>
+          <a:prstGeom prst="rect">
+            <a:avLst/>
+          </a:prstGeom>
+        </p:spPr>
+        <p:style>
+          <a:lnRef idx="2">
+            <a:schemeClr val="accent1">
+              <a:shade val="50000"/>
+            </a:schemeClr>
+          </a:lnRef>
+          <a:fillRef idx="1">
+            <a:schemeClr val="accent1"/>
+          </a:fillRef>
+          <a:effectRef idx="0">
+            <a:schemeClr val="accent1"/>
+          </a:effectRef>
+          <a:fontRef idx="minor">
+            <a:schemeClr val="lt1"/>
+          </a:fontRef>
+        </p:style>
+        <p:txBody>
+          <a:bodyPr rtlCol="0" anchor="ctr"/>
+          <a:lstStyle/>
+          <a:p>
+            <a:pPr algn="ctr"/>
+            <a:r>
+              <a:rPr lang="en-US" altLang="ko-KR" dirty="0"/>
+              <a:t>Many Handlers</a:t>
+            </a:r>
+            <a:endParaRPr lang="ko-KR" altLang="en-US" dirty="0"/>
+          </a:p>
+        </p:txBody>
+      </p:sp>
+      <p:sp>
+        <p:nvSpPr>
+          <p:cNvPr id="4" name="화살표: 아래쪽 3">
+            <a:extLst>
+              <a:ext uri="{FF2B5EF4-FFF2-40B4-BE49-F238E27FC236}">
+                <a16:creationId xmlns:a16="http://schemas.microsoft.com/office/drawing/2014/main" id="{CD7A1B12-AECE-428A-AC5C-F4CA74EFC5A0}"/>
+              </a:ext>
+            </a:extLst>
+          </p:cNvPr>
+          <p:cNvSpPr/>
+          <p:nvPr/>
+        </p:nvSpPr>
+        <p:spPr>
+          <a:xfrm>
+            <a:off x="5178097" y="2371187"/>
+            <a:ext cx="553673" cy="425247"/>
+          </a:xfrm>
+          <a:prstGeom prst="downArrow">
+            <a:avLst/>
+          </a:prstGeom>
+        </p:spPr>
+        <p:style>
+          <a:lnRef idx="2">
+            <a:schemeClr val="accent1">
+              <a:shade val="50000"/>
+            </a:schemeClr>
+          </a:lnRef>
+          <a:fillRef idx="1">
+            <a:schemeClr val="accent1"/>
+          </a:fillRef>
+          <a:effectRef idx="0">
+            <a:schemeClr val="accent1"/>
+          </a:effectRef>
+          <a:fontRef idx="minor">
+            <a:schemeClr val="lt1"/>
+          </a:fontRef>
+        </p:style>
+        <p:txBody>
+          <a:bodyPr rtlCol="0" anchor="ctr"/>
+          <a:lstStyle/>
+          <a:p>
+            <a:pPr algn="ctr"/>
+            <a:endParaRPr lang="ko-KR" altLang="en-US"/>
+          </a:p>
+        </p:txBody>
+      </p:sp>
+      <p:sp>
+        <p:nvSpPr>
+          <p:cNvPr id="5" name="직사각형 4">
+            <a:extLst>
+              <a:ext uri="{FF2B5EF4-FFF2-40B4-BE49-F238E27FC236}">
+                <a16:creationId xmlns:a16="http://schemas.microsoft.com/office/drawing/2014/main" id="{C9107DC4-34F6-4CD6-920D-39BD310C7D28}"/>
+              </a:ext>
+            </a:extLst>
+          </p:cNvPr>
+          <p:cNvSpPr/>
+          <p:nvPr/>
+        </p:nvSpPr>
+        <p:spPr>
+          <a:xfrm>
+            <a:off x="4813868" y="2856147"/>
+            <a:ext cx="1282132" cy="433636"/>
+          </a:xfrm>
+          <a:prstGeom prst="rect">
+            <a:avLst/>
+          </a:prstGeom>
+        </p:spPr>
+        <p:style>
+          <a:lnRef idx="2">
+            <a:schemeClr val="accent1">
+              <a:shade val="50000"/>
+            </a:schemeClr>
+          </a:lnRef>
+          <a:fillRef idx="1">
+            <a:schemeClr val="accent1"/>
+          </a:fillRef>
+          <a:effectRef idx="0">
+            <a:schemeClr val="accent1"/>
+          </a:effectRef>
+          <a:fontRef idx="minor">
+            <a:schemeClr val="lt1"/>
+          </a:fontRef>
+        </p:style>
+        <p:txBody>
+          <a:bodyPr rtlCol="0" anchor="ctr"/>
+          <a:lstStyle/>
+          <a:p>
+            <a:pPr algn="ctr"/>
+            <a:r>
+              <a:rPr lang="en-US" altLang="ko-KR" dirty="0"/>
+              <a:t>CH</a:t>
+            </a:r>
+            <a:endParaRPr lang="ko-KR" altLang="en-US" dirty="0"/>
+          </a:p>
+        </p:txBody>
+      </p:sp>
+      <p:sp>
+        <p:nvSpPr>
+          <p:cNvPr id="6" name="화살표: 아래쪽 5">
+            <a:extLst>
+              <a:ext uri="{FF2B5EF4-FFF2-40B4-BE49-F238E27FC236}">
+                <a16:creationId xmlns:a16="http://schemas.microsoft.com/office/drawing/2014/main" id="{F5DAC2F5-6364-4B25-A70F-98B15B140893}"/>
+              </a:ext>
+            </a:extLst>
+          </p:cNvPr>
+          <p:cNvSpPr/>
+          <p:nvPr/>
+        </p:nvSpPr>
+        <p:spPr>
+          <a:xfrm>
+            <a:off x="5852719" y="3476321"/>
+            <a:ext cx="553673" cy="425247"/>
+          </a:xfrm>
+          <a:prstGeom prst="downArrow">
+            <a:avLst/>
+          </a:prstGeom>
+        </p:spPr>
+        <p:style>
+          <a:lnRef idx="2">
+            <a:schemeClr val="accent1">
+              <a:shade val="50000"/>
+            </a:schemeClr>
+          </a:lnRef>
+          <a:fillRef idx="1">
+            <a:schemeClr val="accent1"/>
+          </a:fillRef>
+          <a:effectRef idx="0">
+            <a:schemeClr val="accent1"/>
+          </a:effectRef>
+          <a:fontRef idx="minor">
+            <a:schemeClr val="lt1"/>
+          </a:fontRef>
+        </p:style>
+        <p:txBody>
+          <a:bodyPr rtlCol="0" anchor="ctr"/>
+          <a:lstStyle/>
+          <a:p>
+            <a:pPr algn="ctr"/>
+            <a:endParaRPr lang="ko-KR" altLang="en-US"/>
+          </a:p>
+        </p:txBody>
+      </p:sp>
+      <p:sp>
+        <p:nvSpPr>
+          <p:cNvPr id="7" name="직사각형 6">
+            <a:extLst>
+              <a:ext uri="{FF2B5EF4-FFF2-40B4-BE49-F238E27FC236}">
+                <a16:creationId xmlns:a16="http://schemas.microsoft.com/office/drawing/2014/main" id="{156112A9-F17F-498D-90ED-8DA32EEC87EC}"/>
+              </a:ext>
+            </a:extLst>
+          </p:cNvPr>
+          <p:cNvSpPr/>
+          <p:nvPr/>
+        </p:nvSpPr>
+        <p:spPr>
+          <a:xfrm>
+            <a:off x="5488489" y="4010392"/>
+            <a:ext cx="1282132" cy="433636"/>
+          </a:xfrm>
+          <a:prstGeom prst="rect">
+            <a:avLst/>
+          </a:prstGeom>
+        </p:spPr>
+        <p:style>
+          <a:lnRef idx="2">
+            <a:schemeClr val="accent1">
+              <a:shade val="50000"/>
+            </a:schemeClr>
+          </a:lnRef>
+          <a:fillRef idx="1">
+            <a:schemeClr val="accent1"/>
+          </a:fillRef>
+          <a:effectRef idx="0">
+            <a:schemeClr val="accent1"/>
+          </a:effectRef>
+          <a:fontRef idx="minor">
+            <a:schemeClr val="lt1"/>
+          </a:fontRef>
+        </p:style>
+        <p:txBody>
+          <a:bodyPr rtlCol="0" anchor="ctr"/>
+          <a:lstStyle/>
+          <a:p>
+            <a:pPr algn="ctr"/>
+            <a:r>
+              <a:rPr lang="en-US" altLang="ko-KR" dirty="0"/>
+              <a:t>CHS</a:t>
+            </a:r>
+            <a:endParaRPr lang="ko-KR" altLang="en-US" dirty="0"/>
+          </a:p>
+        </p:txBody>
+      </p:sp>
+      <p:grpSp>
+        <p:nvGrpSpPr>
+          <p:cNvPr id="11" name="그룹 10">
+            <a:extLst>
+              <a:ext uri="{FF2B5EF4-FFF2-40B4-BE49-F238E27FC236}">
+                <a16:creationId xmlns:a16="http://schemas.microsoft.com/office/drawing/2014/main" id="{8F949C6B-4B43-4667-BCF3-284804668CAD}"/>
+              </a:ext>
+            </a:extLst>
+          </p:cNvPr>
+          <p:cNvGrpSpPr/>
+          <p:nvPr/>
+        </p:nvGrpSpPr>
+        <p:grpSpPr>
+          <a:xfrm>
+            <a:off x="4231525" y="3476321"/>
+            <a:ext cx="1117855" cy="425934"/>
+            <a:chOff x="7556362" y="2855535"/>
+            <a:chExt cx="1117855" cy="425934"/>
+          </a:xfrm>
+        </p:grpSpPr>
+        <p:sp>
+          <p:nvSpPr>
+            <p:cNvPr id="8" name="화살표: 아래쪽 7">
+              <a:extLst>
+                <a:ext uri="{FF2B5EF4-FFF2-40B4-BE49-F238E27FC236}">
+                  <a16:creationId xmlns:a16="http://schemas.microsoft.com/office/drawing/2014/main" id="{1951C0AC-6B17-4570-A726-D6967DAC9B99}"/>
+                </a:ext>
+              </a:extLst>
+            </p:cNvPr>
+            <p:cNvSpPr/>
+            <p:nvPr/>
+          </p:nvSpPr>
+          <p:spPr>
+            <a:xfrm>
+              <a:off x="7811549" y="2856222"/>
+              <a:ext cx="553673" cy="425247"/>
+            </a:xfrm>
+            <a:prstGeom prst="downArrow">
+              <a:avLst/>
+            </a:prstGeom>
+          </p:spPr>
+          <p:style>
+            <a:lnRef idx="2">
+              <a:schemeClr val="accent1">
+                <a:shade val="50000"/>
+              </a:schemeClr>
+            </a:lnRef>
+            <a:fillRef idx="1">
+              <a:schemeClr val="accent1"/>
+            </a:fillRef>
+            <a:effectRef idx="0">
+              <a:schemeClr val="accent1"/>
+            </a:effectRef>
+            <a:fontRef idx="minor">
+              <a:schemeClr val="lt1"/>
+            </a:fontRef>
+          </p:style>
+          <p:txBody>
+            <a:bodyPr rtlCol="0" anchor="ctr"/>
+            <a:lstStyle/>
+            <a:p>
+              <a:pPr algn="ctr"/>
+              <a:endParaRPr lang="ko-KR" altLang="en-US" dirty="0"/>
+            </a:p>
+          </p:txBody>
+        </p:sp>
+        <p:sp>
+          <p:nvSpPr>
+            <p:cNvPr id="9" name="TextBox 8">
+              <a:extLst>
+                <a:ext uri="{FF2B5EF4-FFF2-40B4-BE49-F238E27FC236}">
+                  <a16:creationId xmlns:a16="http://schemas.microsoft.com/office/drawing/2014/main" id="{F14A3B4F-BAE3-4C9D-80C5-16145F1B6B16}"/>
+                </a:ext>
+              </a:extLst>
+            </p:cNvPr>
+            <p:cNvSpPr txBox="1"/>
+            <p:nvPr/>
+          </p:nvSpPr>
+          <p:spPr>
+            <a:xfrm>
+              <a:off x="7556362" y="2855535"/>
+              <a:ext cx="1117855" cy="369332"/>
+            </a:xfrm>
+            <a:prstGeom prst="rect">
+              <a:avLst/>
+            </a:prstGeom>
+            <a:noFill/>
+          </p:spPr>
+          <p:txBody>
+            <a:bodyPr wrap="square" rtlCol="0">
+              <a:spAutoFit/>
+            </a:bodyPr>
+            <a:lstStyle/>
+            <a:p>
+              <a:r>
+                <a:rPr lang="en-US" altLang="ko-KR" dirty="0"/>
+                <a:t>Delegate</a:t>
+              </a:r>
+            </a:p>
+          </p:txBody>
+        </p:sp>
+      </p:grpSp>
+      <p:sp>
+        <p:nvSpPr>
+          <p:cNvPr id="12" name="직사각형 11">
+            <a:extLst>
+              <a:ext uri="{FF2B5EF4-FFF2-40B4-BE49-F238E27FC236}">
+                <a16:creationId xmlns:a16="http://schemas.microsoft.com/office/drawing/2014/main" id="{0EF18624-9D8F-4BD9-AA39-66F33F4991F9}"/>
+              </a:ext>
+            </a:extLst>
+          </p:cNvPr>
+          <p:cNvSpPr/>
+          <p:nvPr/>
+        </p:nvSpPr>
+        <p:spPr>
+          <a:xfrm>
+            <a:off x="4122482" y="4020994"/>
+            <a:ext cx="1282132" cy="433636"/>
+          </a:xfrm>
+          <a:prstGeom prst="rect">
+            <a:avLst/>
+          </a:prstGeom>
+        </p:spPr>
+        <p:style>
+          <a:lnRef idx="2">
+            <a:schemeClr val="accent1">
+              <a:shade val="50000"/>
+            </a:schemeClr>
+          </a:lnRef>
+          <a:fillRef idx="1">
+            <a:schemeClr val="accent1"/>
+          </a:fillRef>
+          <a:effectRef idx="0">
+            <a:schemeClr val="accent1"/>
+          </a:effectRef>
+          <a:fontRef idx="minor">
+            <a:schemeClr val="lt1"/>
+          </a:fontRef>
+        </p:style>
+        <p:txBody>
+          <a:bodyPr rtlCol="0" anchor="ctr"/>
+          <a:lstStyle/>
+          <a:p>
+            <a:pPr algn="ctr"/>
+            <a:r>
+              <a:rPr lang="en-US" altLang="ko-KR" dirty="0"/>
+              <a:t>BW</a:t>
+            </a:r>
+            <a:endParaRPr lang="ko-KR" altLang="en-US" dirty="0"/>
+          </a:p>
+        </p:txBody>
+      </p:sp>
+      <p:grpSp>
+        <p:nvGrpSpPr>
+          <p:cNvPr id="13" name="그룹 12">
+            <a:extLst>
+              <a:ext uri="{FF2B5EF4-FFF2-40B4-BE49-F238E27FC236}">
+                <a16:creationId xmlns:a16="http://schemas.microsoft.com/office/drawing/2014/main" id="{DB725443-7C19-4AC5-BB38-8D26D8648578}"/>
+              </a:ext>
+            </a:extLst>
+          </p:cNvPr>
+          <p:cNvGrpSpPr/>
+          <p:nvPr/>
+        </p:nvGrpSpPr>
+        <p:grpSpPr>
+          <a:xfrm>
+            <a:off x="3054947" y="4010392"/>
+            <a:ext cx="1117855" cy="553673"/>
+            <a:chOff x="7556362" y="2801629"/>
+            <a:chExt cx="1117855" cy="534434"/>
+          </a:xfrm>
+        </p:grpSpPr>
+        <p:sp>
+          <p:nvSpPr>
+            <p:cNvPr id="14" name="화살표: 아래쪽 13">
+              <a:extLst>
+                <a:ext uri="{FF2B5EF4-FFF2-40B4-BE49-F238E27FC236}">
+                  <a16:creationId xmlns:a16="http://schemas.microsoft.com/office/drawing/2014/main" id="{076AC6BA-18F0-4EF7-A511-BA7D2BC1A93D}"/>
+                </a:ext>
+              </a:extLst>
+            </p:cNvPr>
+            <p:cNvSpPr/>
+            <p:nvPr/>
+          </p:nvSpPr>
+          <p:spPr>
+            <a:xfrm rot="5400000">
+              <a:off x="7821168" y="2848568"/>
+              <a:ext cx="534434" cy="440555"/>
+            </a:xfrm>
+            <a:prstGeom prst="downArrow">
+              <a:avLst/>
+            </a:prstGeom>
+          </p:spPr>
+          <p:style>
+            <a:lnRef idx="2">
+              <a:schemeClr val="accent1">
+                <a:shade val="50000"/>
+              </a:schemeClr>
+            </a:lnRef>
+            <a:fillRef idx="1">
+              <a:schemeClr val="accent1"/>
+            </a:fillRef>
+            <a:effectRef idx="0">
+              <a:schemeClr val="accent1"/>
+            </a:effectRef>
+            <a:fontRef idx="minor">
+              <a:schemeClr val="lt1"/>
+            </a:fontRef>
+          </p:style>
+          <p:txBody>
+            <a:bodyPr rtlCol="0" anchor="ctr"/>
+            <a:lstStyle/>
+            <a:p>
+              <a:pPr algn="ctr"/>
+              <a:endParaRPr lang="ko-KR" altLang="en-US" dirty="0"/>
+            </a:p>
+          </p:txBody>
+        </p:sp>
+        <p:sp>
+          <p:nvSpPr>
+            <p:cNvPr id="15" name="TextBox 14">
+              <a:extLst>
+                <a:ext uri="{FF2B5EF4-FFF2-40B4-BE49-F238E27FC236}">
+                  <a16:creationId xmlns:a16="http://schemas.microsoft.com/office/drawing/2014/main" id="{5C629CF2-45C5-4558-8433-205055A230E8}"/>
+                </a:ext>
+              </a:extLst>
+            </p:cNvPr>
+            <p:cNvSpPr txBox="1"/>
+            <p:nvPr/>
+          </p:nvSpPr>
+          <p:spPr>
+            <a:xfrm>
+              <a:off x="7556362" y="2855535"/>
+              <a:ext cx="1117855" cy="369332"/>
+            </a:xfrm>
+            <a:prstGeom prst="rect">
+              <a:avLst/>
+            </a:prstGeom>
+            <a:noFill/>
+          </p:spPr>
+          <p:txBody>
+            <a:bodyPr wrap="square" rtlCol="0">
+              <a:spAutoFit/>
+            </a:bodyPr>
+            <a:lstStyle/>
+            <a:p>
+              <a:r>
+                <a:rPr lang="en-US" altLang="ko-KR" dirty="0"/>
+                <a:t>Delegate</a:t>
+              </a:r>
+            </a:p>
+          </p:txBody>
+        </p:sp>
+      </p:grpSp>
+      <p:sp>
+        <p:nvSpPr>
+          <p:cNvPr id="19" name="직사각형 18">
+            <a:extLst>
+              <a:ext uri="{FF2B5EF4-FFF2-40B4-BE49-F238E27FC236}">
+                <a16:creationId xmlns:a16="http://schemas.microsoft.com/office/drawing/2014/main" id="{5A022E07-5A04-4310-AAC5-FBFB13A60661}"/>
+              </a:ext>
+            </a:extLst>
+          </p:cNvPr>
+          <p:cNvSpPr/>
+          <p:nvPr/>
+        </p:nvSpPr>
+        <p:spPr>
+          <a:xfrm>
+            <a:off x="1872116" y="4040735"/>
+            <a:ext cx="1282132" cy="433636"/>
+          </a:xfrm>
+          <a:prstGeom prst="rect">
+            <a:avLst/>
+          </a:prstGeom>
+        </p:spPr>
+        <p:style>
+          <a:lnRef idx="2">
+            <a:schemeClr val="accent1">
+              <a:shade val="50000"/>
+            </a:schemeClr>
+          </a:lnRef>
+          <a:fillRef idx="1">
+            <a:schemeClr val="accent1"/>
+          </a:fillRef>
+          <a:effectRef idx="0">
+            <a:schemeClr val="accent1"/>
+          </a:effectRef>
+          <a:fontRef idx="minor">
+            <a:schemeClr val="lt1"/>
+          </a:fontRef>
+        </p:style>
+        <p:txBody>
+          <a:bodyPr rtlCol="0" anchor="ctr"/>
+          <a:lstStyle/>
+          <a:p>
+            <a:pPr algn="ctr"/>
+            <a:r>
+              <a:rPr lang="en-US" altLang="ko-KR" dirty="0"/>
+              <a:t>RWW</a:t>
+            </a:r>
+            <a:endParaRPr lang="ko-KR" altLang="en-US" dirty="0"/>
+          </a:p>
+        </p:txBody>
+      </p:sp>
+      <p:sp>
+        <p:nvSpPr>
+          <p:cNvPr id="20" name="직사각형 19">
+            <a:extLst>
+              <a:ext uri="{FF2B5EF4-FFF2-40B4-BE49-F238E27FC236}">
+                <a16:creationId xmlns:a16="http://schemas.microsoft.com/office/drawing/2014/main" id="{3E862797-BD31-46C1-9603-11913E2F0BDD}"/>
+              </a:ext>
+            </a:extLst>
+          </p:cNvPr>
+          <p:cNvSpPr/>
+          <p:nvPr/>
+        </p:nvSpPr>
+        <p:spPr>
+          <a:xfrm>
+            <a:off x="1147160" y="2856147"/>
+            <a:ext cx="1282132" cy="433636"/>
+          </a:xfrm>
+          <a:prstGeom prst="rect">
+            <a:avLst/>
+          </a:prstGeom>
+        </p:spPr>
+        <p:style>
+          <a:lnRef idx="2">
+            <a:schemeClr val="accent1">
+              <a:shade val="50000"/>
+            </a:schemeClr>
+          </a:lnRef>
+          <a:fillRef idx="1">
+            <a:schemeClr val="accent1"/>
+          </a:fillRef>
+          <a:effectRef idx="0">
+            <a:schemeClr val="accent1"/>
+          </a:effectRef>
+          <a:fontRef idx="minor">
+            <a:schemeClr val="lt1"/>
+          </a:fontRef>
+        </p:style>
+        <p:txBody>
+          <a:bodyPr rtlCol="0" anchor="ctr"/>
+          <a:lstStyle/>
+          <a:p>
+            <a:pPr algn="ctr"/>
+            <a:r>
+              <a:rPr lang="en-US" altLang="ko-KR" dirty="0"/>
+              <a:t>RW</a:t>
+            </a:r>
+            <a:endParaRPr lang="ko-KR" altLang="en-US" dirty="0"/>
+          </a:p>
+        </p:txBody>
+      </p:sp>
+      <p:sp>
+        <p:nvSpPr>
+          <p:cNvPr id="21" name="화살표: 아래쪽 20">
+            <a:extLst>
+              <a:ext uri="{FF2B5EF4-FFF2-40B4-BE49-F238E27FC236}">
+                <a16:creationId xmlns:a16="http://schemas.microsoft.com/office/drawing/2014/main" id="{E29E9046-5024-4840-9090-2430B9F52145}"/>
+              </a:ext>
+            </a:extLst>
+          </p:cNvPr>
+          <p:cNvSpPr/>
+          <p:nvPr/>
+        </p:nvSpPr>
+        <p:spPr>
+          <a:xfrm>
+            <a:off x="2233620" y="3474866"/>
+            <a:ext cx="553673" cy="425247"/>
+          </a:xfrm>
+          <a:prstGeom prst="downArrow">
+            <a:avLst/>
+          </a:prstGeom>
+        </p:spPr>
+        <p:style>
+          <a:lnRef idx="2">
+            <a:schemeClr val="accent1">
+              <a:shade val="50000"/>
+            </a:schemeClr>
+          </a:lnRef>
+          <a:fillRef idx="1">
+            <a:schemeClr val="accent1"/>
+          </a:fillRef>
+          <a:effectRef idx="0">
+            <a:schemeClr val="accent1"/>
+          </a:effectRef>
+          <a:fontRef idx="minor">
+            <a:schemeClr val="lt1"/>
+          </a:fontRef>
+        </p:style>
+        <p:txBody>
+          <a:bodyPr rtlCol="0" anchor="ctr"/>
+          <a:lstStyle/>
+          <a:p>
+            <a:pPr algn="ctr"/>
+            <a:endParaRPr lang="ko-KR" altLang="en-US"/>
+          </a:p>
+        </p:txBody>
+      </p:sp>
+      <p:grpSp>
+        <p:nvGrpSpPr>
+          <p:cNvPr id="22" name="그룹 21">
+            <a:extLst>
+              <a:ext uri="{FF2B5EF4-FFF2-40B4-BE49-F238E27FC236}">
+                <a16:creationId xmlns:a16="http://schemas.microsoft.com/office/drawing/2014/main" id="{F18E6DB4-89A2-4986-9B88-19BAAD8AD3A9}"/>
+              </a:ext>
+            </a:extLst>
+          </p:cNvPr>
+          <p:cNvGrpSpPr/>
+          <p:nvPr/>
+        </p:nvGrpSpPr>
+        <p:grpSpPr>
+          <a:xfrm>
+            <a:off x="555100" y="3474866"/>
+            <a:ext cx="1117855" cy="425934"/>
+            <a:chOff x="7556362" y="2855535"/>
+            <a:chExt cx="1117855" cy="425934"/>
+          </a:xfrm>
+        </p:grpSpPr>
+        <p:sp>
+          <p:nvSpPr>
+            <p:cNvPr id="23" name="화살표: 아래쪽 22">
+              <a:extLst>
+                <a:ext uri="{FF2B5EF4-FFF2-40B4-BE49-F238E27FC236}">
+                  <a16:creationId xmlns:a16="http://schemas.microsoft.com/office/drawing/2014/main" id="{A95F339F-D79A-4D07-AFF3-C40E389746CF}"/>
+                </a:ext>
+              </a:extLst>
+            </p:cNvPr>
+            <p:cNvSpPr/>
+            <p:nvPr/>
+          </p:nvSpPr>
+          <p:spPr>
+            <a:xfrm>
+              <a:off x="7811549" y="2856222"/>
+              <a:ext cx="553673" cy="425247"/>
+            </a:xfrm>
+            <a:prstGeom prst="downArrow">
+              <a:avLst/>
+            </a:prstGeom>
+          </p:spPr>
+          <p:style>
+            <a:lnRef idx="2">
+              <a:schemeClr val="accent1">
+                <a:shade val="50000"/>
+              </a:schemeClr>
+            </a:lnRef>
+            <a:fillRef idx="1">
+              <a:schemeClr val="accent1"/>
+            </a:fillRef>
+            <a:effectRef idx="0">
+              <a:schemeClr val="accent1"/>
+            </a:effectRef>
+            <a:fontRef idx="minor">
+              <a:schemeClr val="lt1"/>
+            </a:fontRef>
+          </p:style>
+          <p:txBody>
+            <a:bodyPr rtlCol="0" anchor="ctr"/>
+            <a:lstStyle/>
+            <a:p>
+              <a:pPr algn="ctr"/>
+              <a:endParaRPr lang="ko-KR" altLang="en-US" dirty="0"/>
+            </a:p>
+          </p:txBody>
+        </p:sp>
+        <p:sp>
+          <p:nvSpPr>
+            <p:cNvPr id="24" name="TextBox 23">
+              <a:extLst>
+                <a:ext uri="{FF2B5EF4-FFF2-40B4-BE49-F238E27FC236}">
+                  <a16:creationId xmlns:a16="http://schemas.microsoft.com/office/drawing/2014/main" id="{84649E46-BEB8-4DFD-BD7D-E2104520270D}"/>
+                </a:ext>
+              </a:extLst>
+            </p:cNvPr>
+            <p:cNvSpPr txBox="1"/>
+            <p:nvPr/>
+          </p:nvSpPr>
+          <p:spPr>
+            <a:xfrm>
+              <a:off x="7556362" y="2855535"/>
+              <a:ext cx="1117855" cy="369332"/>
+            </a:xfrm>
+            <a:prstGeom prst="rect">
+              <a:avLst/>
+            </a:prstGeom>
+            <a:noFill/>
+          </p:spPr>
+          <p:txBody>
+            <a:bodyPr wrap="square" rtlCol="0">
+              <a:spAutoFit/>
+            </a:bodyPr>
+            <a:lstStyle/>
+            <a:p>
+              <a:r>
+                <a:rPr lang="en-US" altLang="ko-KR" dirty="0"/>
+                <a:t>Delegate</a:t>
+              </a:r>
+            </a:p>
+          </p:txBody>
+        </p:sp>
+      </p:grpSp>
+      <p:sp>
+        <p:nvSpPr>
+          <p:cNvPr id="25" name="직사각형 24">
+            <a:extLst>
+              <a:ext uri="{FF2B5EF4-FFF2-40B4-BE49-F238E27FC236}">
+                <a16:creationId xmlns:a16="http://schemas.microsoft.com/office/drawing/2014/main" id="{EBF56073-CC08-4718-A011-64C7B17A4C99}"/>
+              </a:ext>
+            </a:extLst>
+          </p:cNvPr>
+          <p:cNvSpPr/>
+          <p:nvPr/>
+        </p:nvSpPr>
+        <p:spPr>
+          <a:xfrm>
+            <a:off x="449546" y="4029383"/>
+            <a:ext cx="1282132" cy="433636"/>
+          </a:xfrm>
+          <a:prstGeom prst="rect">
+            <a:avLst/>
+          </a:prstGeom>
+        </p:spPr>
+        <p:style>
+          <a:lnRef idx="2">
+            <a:schemeClr val="accent1">
+              <a:shade val="50000"/>
+            </a:schemeClr>
+          </a:lnRef>
+          <a:fillRef idx="1">
+            <a:schemeClr val="accent1"/>
+          </a:fillRef>
+          <a:effectRef idx="0">
+            <a:schemeClr val="accent1"/>
+          </a:effectRef>
+          <a:fontRef idx="minor">
+            <a:schemeClr val="lt1"/>
+          </a:fontRef>
+        </p:style>
+        <p:txBody>
+          <a:bodyPr rtlCol="0" anchor="ctr"/>
+          <a:lstStyle/>
+          <a:p>
+            <a:pPr algn="ctr"/>
+            <a:r>
+              <a:rPr lang="en-US" altLang="ko-KR" dirty="0"/>
+              <a:t>RWM</a:t>
             </a:r>
             <a:endParaRPr lang="ko-KR" altLang="en-US" dirty="0"/>
           </a:p>
@@ -6570,7 +6412,7 @@
     </p:spTree>
     <p:extLst>
       <p:ext uri="{BB962C8B-B14F-4D97-AF65-F5344CB8AC3E}">
-        <p14:creationId xmlns:p14="http://schemas.microsoft.com/office/powerpoint/2010/main" val="3093120559"/>
+        <p14:creationId xmlns:p14="http://schemas.microsoft.com/office/powerpoint/2010/main" val="3172159642"/>
       </p:ext>
     </p:extLst>
   </p:cSld>
@@ -6602,7 +6444,7 @@
           <p:cNvPr id="2" name="제목 1">
             <a:extLst>
               <a:ext uri="{FF2B5EF4-FFF2-40B4-BE49-F238E27FC236}">
-                <a16:creationId xmlns:a16="http://schemas.microsoft.com/office/drawing/2014/main" id="{24E42856-7F72-4B4B-B8B3-786B3A1A178D}"/>
+                <a16:creationId xmlns:a16="http://schemas.microsoft.com/office/drawing/2014/main" id="{D9D628DE-6E38-4489-9E2A-CF2CB3D63B50}"/>
               </a:ext>
             </a:extLst>
           </p:cNvPr>
@@ -6619,12 +6461,16 @@
           <a:lstStyle/>
           <a:p>
             <a:r>
-              <a:rPr lang="en-US" altLang="ko-KR" dirty="0"/>
-              <a:t>CEF </a:t>
-            </a:r>
-            <a:r>
-              <a:rPr lang="en-US" altLang="ko-KR" dirty="0" err="1"/>
-              <a:t>ClientHandler</a:t>
+              <a:rPr lang="en-US" altLang="ko-KR" dirty="0" err="1"/>
+              <a:t>Cef</a:t>
+            </a:r>
+            <a:r>
+              <a:rPr lang="en-US" altLang="ko-KR" dirty="0"/>
+              <a:t> </a:t>
+            </a:r>
+            <a:r>
+              <a:rPr lang="en-US" altLang="ko-KR" dirty="0" err="1"/>
+              <a:t>MainMessageLoop</a:t>
             </a:r>
             <a:endParaRPr lang="ko-KR" altLang="en-US" dirty="0"/>
           </a:p>
@@ -6632,18 +6478,18 @@
       </p:sp>
       <p:sp>
         <p:nvSpPr>
-          <p:cNvPr id="3" name="내용 개체 틀 2">
-            <a:extLst>
-              <a:ext uri="{FF2B5EF4-FFF2-40B4-BE49-F238E27FC236}">
-                <a16:creationId xmlns:a16="http://schemas.microsoft.com/office/drawing/2014/main" id="{E8FCFD9C-0A13-42BB-8508-5DC2B97CFB91}"/>
-              </a:ext>
-            </a:extLst>
-          </p:cNvPr>
-          <p:cNvSpPr>
-            <a:spLocks noGrp="1"/>
-          </p:cNvSpPr>
-          <p:nvPr>
-            <p:ph sz="half" idx="1"/>
+          <p:cNvPr id="9" name="텍스트 개체 틀 8">
+            <a:extLst>
+              <a:ext uri="{FF2B5EF4-FFF2-40B4-BE49-F238E27FC236}">
+                <a16:creationId xmlns:a16="http://schemas.microsoft.com/office/drawing/2014/main" id="{1383D25A-DFD3-4380-9EC4-33D52872974D}"/>
+              </a:ext>
+            </a:extLst>
+          </p:cNvPr>
+          <p:cNvSpPr>
+            <a:spLocks noGrp="1"/>
+          </p:cNvSpPr>
+          <p:nvPr>
+            <p:ph type="body" sz="quarter" idx="3"/>
           </p:nvPr>
         </p:nvSpPr>
         <p:spPr/>
@@ -6651,127 +6497,422 @@
           <a:bodyPr/>
           <a:lstStyle/>
           <a:p>
+            <a:r>
+              <a:rPr lang="en-US" altLang="ko-KR" dirty="0"/>
+              <a:t>Class names</a:t>
+            </a:r>
+            <a:endParaRPr lang="ko-KR" altLang="en-US" dirty="0"/>
+          </a:p>
+        </p:txBody>
+      </p:sp>
+      <p:sp>
+        <p:nvSpPr>
+          <p:cNvPr id="10" name="내용 개체 틀 9">
+            <a:extLst>
+              <a:ext uri="{FF2B5EF4-FFF2-40B4-BE49-F238E27FC236}">
+                <a16:creationId xmlns:a16="http://schemas.microsoft.com/office/drawing/2014/main" id="{DDCF44EE-4722-41A7-B099-75D6C5A96963}"/>
+              </a:ext>
+            </a:extLst>
+          </p:cNvPr>
+          <p:cNvSpPr>
+            <a:spLocks noGrp="1"/>
+          </p:cNvSpPr>
+          <p:nvPr>
+            <p:ph sz="quarter" idx="4"/>
+          </p:nvPr>
+        </p:nvSpPr>
+        <p:spPr/>
+        <p:txBody>
+          <a:bodyPr/>
+          <a:lstStyle/>
+          <a:p>
+            <a:r>
+              <a:rPr lang="en-US" altLang="ko-KR" dirty="0"/>
+              <a:t>MML: </a:t>
+            </a:r>
+            <a:r>
+              <a:rPr lang="en-US" altLang="ko-KR" dirty="0" err="1"/>
+              <a:t>MainMessageLoop</a:t>
+            </a:r>
+            <a:endParaRPr lang="ko-KR" altLang="en-US" dirty="0"/>
+          </a:p>
+          <a:p>
+            <a:r>
+              <a:rPr lang="en-US" altLang="ko-KR" dirty="0"/>
+              <a:t>MMLS: </a:t>
+            </a:r>
+            <a:r>
+              <a:rPr lang="en-US" altLang="ko-KR" dirty="0" err="1"/>
+              <a:t>MMLStd</a:t>
+            </a:r>
+            <a:endParaRPr lang="en-US" altLang="ko-KR" dirty="0"/>
+          </a:p>
+          <a:p>
+            <a:r>
+              <a:rPr lang="en-US" altLang="ko-KR" dirty="0"/>
+              <a:t>MMLMTW: </a:t>
+            </a:r>
+            <a:r>
+              <a:rPr lang="en-US" altLang="ko-KR" dirty="0" err="1"/>
+              <a:t>MMLMultiThreadedWin</a:t>
+            </a:r>
+            <a:endParaRPr lang="en-US" altLang="ko-KR" dirty="0"/>
+          </a:p>
+          <a:p>
+            <a:r>
+              <a:rPr lang="en-US" altLang="ko-KR" dirty="0"/>
+              <a:t>MMLEP: </a:t>
+            </a:r>
+            <a:r>
+              <a:rPr lang="en-US" altLang="ko-KR" dirty="0" err="1"/>
+              <a:t>MMLExternalPump</a:t>
+            </a:r>
+            <a:endParaRPr lang="ko-KR" altLang="en-US" dirty="0"/>
+          </a:p>
+        </p:txBody>
+      </p:sp>
+      <p:sp>
+        <p:nvSpPr>
+          <p:cNvPr id="3" name="직사각형 2">
+            <a:extLst>
+              <a:ext uri="{FF2B5EF4-FFF2-40B4-BE49-F238E27FC236}">
+                <a16:creationId xmlns:a16="http://schemas.microsoft.com/office/drawing/2014/main" id="{66D8A30A-E3CE-4B7F-86E3-3E4606C2127B}"/>
+              </a:ext>
+            </a:extLst>
+          </p:cNvPr>
+          <p:cNvSpPr/>
+          <p:nvPr/>
+        </p:nvSpPr>
+        <p:spPr>
+          <a:xfrm>
+            <a:off x="1435298" y="1690688"/>
+            <a:ext cx="1282132" cy="425247"/>
+          </a:xfrm>
+          <a:prstGeom prst="rect">
+            <a:avLst/>
+          </a:prstGeom>
+        </p:spPr>
+        <p:style>
+          <a:lnRef idx="2">
+            <a:schemeClr val="accent1">
+              <a:shade val="50000"/>
+            </a:schemeClr>
+          </a:lnRef>
+          <a:fillRef idx="1">
+            <a:schemeClr val="accent1"/>
+          </a:fillRef>
+          <a:effectRef idx="0">
+            <a:schemeClr val="accent1"/>
+          </a:effectRef>
+          <a:fontRef idx="minor">
+            <a:schemeClr val="lt1"/>
+          </a:fontRef>
+        </p:style>
+        <p:txBody>
+          <a:bodyPr rtlCol="0" anchor="ctr"/>
+          <a:lstStyle/>
+          <a:p>
+            <a:pPr algn="ctr"/>
+            <a:r>
+              <a:rPr lang="en-US" altLang="ko-KR" dirty="0"/>
+              <a:t>MML</a:t>
+            </a:r>
+            <a:endParaRPr lang="ko-KR" altLang="en-US" dirty="0"/>
+          </a:p>
+        </p:txBody>
+      </p:sp>
+      <p:sp>
+        <p:nvSpPr>
+          <p:cNvPr id="4" name="직사각형 3">
+            <a:extLst>
+              <a:ext uri="{FF2B5EF4-FFF2-40B4-BE49-F238E27FC236}">
+                <a16:creationId xmlns:a16="http://schemas.microsoft.com/office/drawing/2014/main" id="{A5D80F70-01B3-4B8A-8674-925C8EA97556}"/>
+              </a:ext>
+            </a:extLst>
+          </p:cNvPr>
+          <p:cNvSpPr/>
+          <p:nvPr/>
+        </p:nvSpPr>
+        <p:spPr>
+          <a:xfrm>
+            <a:off x="594237" y="2806061"/>
+            <a:ext cx="1282132" cy="425247"/>
+          </a:xfrm>
+          <a:prstGeom prst="rect">
+            <a:avLst/>
+          </a:prstGeom>
+        </p:spPr>
+        <p:style>
+          <a:lnRef idx="2">
+            <a:schemeClr val="accent1">
+              <a:shade val="50000"/>
+            </a:schemeClr>
+          </a:lnRef>
+          <a:fillRef idx="1">
+            <a:schemeClr val="accent1"/>
+          </a:fillRef>
+          <a:effectRef idx="0">
+            <a:schemeClr val="accent1"/>
+          </a:effectRef>
+          <a:fontRef idx="minor">
+            <a:schemeClr val="lt1"/>
+          </a:fontRef>
+        </p:style>
+        <p:txBody>
+          <a:bodyPr rtlCol="0" anchor="ctr"/>
+          <a:lstStyle/>
+          <a:p>
+            <a:pPr algn="ctr"/>
+            <a:r>
+              <a:rPr lang="en-US" altLang="ko-KR" dirty="0"/>
+              <a:t>MMLS</a:t>
+            </a:r>
+            <a:endParaRPr lang="ko-KR" altLang="en-US" dirty="0"/>
+          </a:p>
+        </p:txBody>
+      </p:sp>
+      <p:sp>
+        <p:nvSpPr>
+          <p:cNvPr id="5" name="화살표: 아래쪽 4">
+            <a:extLst>
+              <a:ext uri="{FF2B5EF4-FFF2-40B4-BE49-F238E27FC236}">
+                <a16:creationId xmlns:a16="http://schemas.microsoft.com/office/drawing/2014/main" id="{543B9663-4784-4767-B40C-35CC8125EA9B}"/>
+              </a:ext>
+            </a:extLst>
+          </p:cNvPr>
+          <p:cNvSpPr/>
+          <p:nvPr/>
+        </p:nvSpPr>
+        <p:spPr>
+          <a:xfrm>
+            <a:off x="988518" y="2292451"/>
+            <a:ext cx="553673" cy="425247"/>
+          </a:xfrm>
+          <a:prstGeom prst="downArrow">
+            <a:avLst/>
+          </a:prstGeom>
+        </p:spPr>
+        <p:style>
+          <a:lnRef idx="2">
+            <a:schemeClr val="accent1">
+              <a:shade val="50000"/>
+            </a:schemeClr>
+          </a:lnRef>
+          <a:fillRef idx="1">
+            <a:schemeClr val="accent1"/>
+          </a:fillRef>
+          <a:effectRef idx="0">
+            <a:schemeClr val="accent1"/>
+          </a:effectRef>
+          <a:fontRef idx="minor">
+            <a:schemeClr val="lt1"/>
+          </a:fontRef>
+        </p:style>
+        <p:txBody>
+          <a:bodyPr rtlCol="0" anchor="ctr"/>
+          <a:lstStyle/>
+          <a:p>
+            <a:pPr algn="ctr"/>
             <a:endParaRPr lang="ko-KR" altLang="en-US"/>
           </a:p>
         </p:txBody>
       </p:sp>
       <p:sp>
         <p:nvSpPr>
-          <p:cNvPr id="4" name="내용 개체 틀 3">
-            <a:extLst>
-              <a:ext uri="{FF2B5EF4-FFF2-40B4-BE49-F238E27FC236}">
-                <a16:creationId xmlns:a16="http://schemas.microsoft.com/office/drawing/2014/main" id="{3D1522A8-95B1-437D-9E53-18766AFA1944}"/>
-              </a:ext>
-            </a:extLst>
-          </p:cNvPr>
-          <p:cNvSpPr>
-            <a:spLocks noGrp="1"/>
-          </p:cNvSpPr>
-          <p:nvPr>
-            <p:ph sz="half" idx="2"/>
-          </p:nvPr>
-        </p:nvSpPr>
-        <p:spPr/>
-        <p:txBody>
-          <a:bodyPr/>
-          <a:lstStyle/>
-          <a:p>
+          <p:cNvPr id="11" name="화살표: 아래쪽 10">
+            <a:extLst>
+              <a:ext uri="{FF2B5EF4-FFF2-40B4-BE49-F238E27FC236}">
+                <a16:creationId xmlns:a16="http://schemas.microsoft.com/office/drawing/2014/main" id="{103BA21F-79B6-49BE-844F-5826D6627406}"/>
+              </a:ext>
+            </a:extLst>
+          </p:cNvPr>
+          <p:cNvSpPr/>
+          <p:nvPr/>
+        </p:nvSpPr>
+        <p:spPr>
+          <a:xfrm>
+            <a:off x="2675485" y="2292451"/>
+            <a:ext cx="553673" cy="425247"/>
+          </a:xfrm>
+          <a:prstGeom prst="downArrow">
+            <a:avLst/>
+          </a:prstGeom>
+        </p:spPr>
+        <p:style>
+          <a:lnRef idx="2">
+            <a:schemeClr val="accent1">
+              <a:shade val="50000"/>
+            </a:schemeClr>
+          </a:lnRef>
+          <a:fillRef idx="1">
+            <a:schemeClr val="accent1"/>
+          </a:fillRef>
+          <a:effectRef idx="0">
+            <a:schemeClr val="accent1"/>
+          </a:effectRef>
+          <a:fontRef idx="minor">
+            <a:schemeClr val="lt1"/>
+          </a:fontRef>
+        </p:style>
+        <p:txBody>
+          <a:bodyPr rtlCol="0" anchor="ctr"/>
+          <a:lstStyle/>
+          <a:p>
+            <a:pPr algn="ctr"/>
             <a:endParaRPr lang="ko-KR" altLang="en-US"/>
+          </a:p>
+        </p:txBody>
+      </p:sp>
+      <p:sp>
+        <p:nvSpPr>
+          <p:cNvPr id="12" name="직사각형 11">
+            <a:extLst>
+              <a:ext uri="{FF2B5EF4-FFF2-40B4-BE49-F238E27FC236}">
+                <a16:creationId xmlns:a16="http://schemas.microsoft.com/office/drawing/2014/main" id="{14551559-DCC9-419A-94D3-72461C27FB2E}"/>
+              </a:ext>
+            </a:extLst>
+          </p:cNvPr>
+          <p:cNvSpPr/>
+          <p:nvPr/>
+        </p:nvSpPr>
+        <p:spPr>
+          <a:xfrm>
+            <a:off x="2311255" y="2806061"/>
+            <a:ext cx="1282132" cy="425247"/>
+          </a:xfrm>
+          <a:prstGeom prst="rect">
+            <a:avLst/>
+          </a:prstGeom>
+        </p:spPr>
+        <p:style>
+          <a:lnRef idx="2">
+            <a:schemeClr val="accent1">
+              <a:shade val="50000"/>
+            </a:schemeClr>
+          </a:lnRef>
+          <a:fillRef idx="1">
+            <a:schemeClr val="accent1"/>
+          </a:fillRef>
+          <a:effectRef idx="0">
+            <a:schemeClr val="accent1"/>
+          </a:effectRef>
+          <a:fontRef idx="minor">
+            <a:schemeClr val="lt1"/>
+          </a:fontRef>
+        </p:style>
+        <p:txBody>
+          <a:bodyPr rtlCol="0" anchor="ctr"/>
+          <a:lstStyle/>
+          <a:p>
+            <a:pPr algn="ctr"/>
+            <a:r>
+              <a:rPr lang="en-US" altLang="ko-KR" dirty="0"/>
+              <a:t>MMLMTW</a:t>
+            </a:r>
+            <a:endParaRPr lang="ko-KR" altLang="en-US" dirty="0"/>
+          </a:p>
+        </p:txBody>
+      </p:sp>
+      <p:sp>
+        <p:nvSpPr>
+          <p:cNvPr id="13" name="화살표: 아래쪽 12">
+            <a:extLst>
+              <a:ext uri="{FF2B5EF4-FFF2-40B4-BE49-F238E27FC236}">
+                <a16:creationId xmlns:a16="http://schemas.microsoft.com/office/drawing/2014/main" id="{A1C98342-DBA8-45B2-A70F-D922F1BCF46C}"/>
+              </a:ext>
+            </a:extLst>
+          </p:cNvPr>
+          <p:cNvSpPr/>
+          <p:nvPr/>
+        </p:nvSpPr>
+        <p:spPr>
+          <a:xfrm>
+            <a:off x="988517" y="3449552"/>
+            <a:ext cx="553673" cy="425247"/>
+          </a:xfrm>
+          <a:prstGeom prst="downArrow">
+            <a:avLst/>
+          </a:prstGeom>
+        </p:spPr>
+        <p:style>
+          <a:lnRef idx="2">
+            <a:schemeClr val="accent1">
+              <a:shade val="50000"/>
+            </a:schemeClr>
+          </a:lnRef>
+          <a:fillRef idx="1">
+            <a:schemeClr val="accent1"/>
+          </a:fillRef>
+          <a:effectRef idx="0">
+            <a:schemeClr val="accent1"/>
+          </a:effectRef>
+          <a:fontRef idx="minor">
+            <a:schemeClr val="lt1"/>
+          </a:fontRef>
+        </p:style>
+        <p:txBody>
+          <a:bodyPr rtlCol="0" anchor="ctr"/>
+          <a:lstStyle/>
+          <a:p>
+            <a:pPr algn="ctr"/>
+            <a:endParaRPr lang="ko-KR" altLang="en-US"/>
+          </a:p>
+        </p:txBody>
+      </p:sp>
+      <p:sp>
+        <p:nvSpPr>
+          <p:cNvPr id="14" name="직사각형 13">
+            <a:extLst>
+              <a:ext uri="{FF2B5EF4-FFF2-40B4-BE49-F238E27FC236}">
+                <a16:creationId xmlns:a16="http://schemas.microsoft.com/office/drawing/2014/main" id="{4B1CA640-D94A-4EB3-8E11-2CBCB3D6B00F}"/>
+              </a:ext>
+            </a:extLst>
+          </p:cNvPr>
+          <p:cNvSpPr/>
+          <p:nvPr/>
+        </p:nvSpPr>
+        <p:spPr>
+          <a:xfrm>
+            <a:off x="624287" y="4093043"/>
+            <a:ext cx="1282132" cy="425247"/>
+          </a:xfrm>
+          <a:prstGeom prst="rect">
+            <a:avLst/>
+          </a:prstGeom>
+        </p:spPr>
+        <p:style>
+          <a:lnRef idx="2">
+            <a:schemeClr val="accent1">
+              <a:shade val="50000"/>
+            </a:schemeClr>
+          </a:lnRef>
+          <a:fillRef idx="1">
+            <a:schemeClr val="accent1"/>
+          </a:fillRef>
+          <a:effectRef idx="0">
+            <a:schemeClr val="accent1"/>
+          </a:effectRef>
+          <a:fontRef idx="minor">
+            <a:schemeClr val="lt1"/>
+          </a:fontRef>
+        </p:style>
+        <p:txBody>
+          <a:bodyPr rtlCol="0" anchor="ctr"/>
+          <a:lstStyle/>
+          <a:p>
+            <a:pPr algn="ctr"/>
+            <a:r>
+              <a:rPr lang="en-US" altLang="ko-KR" dirty="0"/>
+              <a:t>MMLEP</a:t>
+            </a:r>
+            <a:endParaRPr lang="ko-KR" altLang="en-US" dirty="0"/>
           </a:p>
         </p:txBody>
       </p:sp>
     </p:spTree>
     <p:extLst>
       <p:ext uri="{BB962C8B-B14F-4D97-AF65-F5344CB8AC3E}">
-        <p14:creationId xmlns:p14="http://schemas.microsoft.com/office/powerpoint/2010/main" val="919532843"/>
-      </p:ext>
-    </p:extLst>
-  </p:cSld>
-  <p:clrMapOvr>
-    <a:masterClrMapping/>
-  </p:clrMapOvr>
-</p:sld>
-</file>
-
-<file path=ppt/slides/slide9.xml><?xml version="1.0" encoding="utf-8"?>
-<p:sld xmlns:a="http://schemas.openxmlformats.org/drawingml/2006/main" xmlns:r="http://schemas.openxmlformats.org/officeDocument/2006/relationships" xmlns:p="http://schemas.openxmlformats.org/presentationml/2006/main">
-  <p:cSld>
-    <p:spTree>
-      <p:nvGrpSpPr>
-        <p:cNvPr id="1" name=""/>
-        <p:cNvGrpSpPr/>
-        <p:nvPr/>
-      </p:nvGrpSpPr>
-      <p:grpSpPr>
-        <a:xfrm>
-          <a:off x="0" y="0"/>
-          <a:ext cx="0" cy="0"/>
-          <a:chOff x="0" y="0"/>
-          <a:chExt cx="0" cy="0"/>
-        </a:xfrm>
-      </p:grpSpPr>
-      <p:sp>
-        <p:nvSpPr>
-          <p:cNvPr id="2" name="제목 1">
-            <a:extLst>
-              <a:ext uri="{FF2B5EF4-FFF2-40B4-BE49-F238E27FC236}">
-                <a16:creationId xmlns:a16="http://schemas.microsoft.com/office/drawing/2014/main" id="{1E8FA8A4-2DA2-4900-9ABD-971CB6D8DF0D}"/>
-              </a:ext>
-            </a:extLst>
-          </p:cNvPr>
-          <p:cNvSpPr>
-            <a:spLocks noGrp="1"/>
-          </p:cNvSpPr>
-          <p:nvPr>
-            <p:ph type="title"/>
-          </p:nvPr>
-        </p:nvSpPr>
-        <p:spPr/>
-        <p:txBody>
-          <a:bodyPr/>
-          <a:lstStyle/>
-          <a:p>
-            <a:r>
-              <a:rPr lang="en-US" altLang="ko-KR" dirty="0"/>
-              <a:t>namespace </a:t>
-            </a:r>
-            <a:r>
-              <a:rPr lang="en-US" altLang="ko-KR" dirty="0" err="1"/>
-              <a:t>OsrWindowWin</a:t>
-            </a:r>
-            <a:endParaRPr lang="en-US" altLang="ko-KR" dirty="0"/>
-          </a:p>
-        </p:txBody>
-      </p:sp>
-      <p:sp>
-        <p:nvSpPr>
-          <p:cNvPr id="3" name="내용 개체 틀 2">
-            <a:extLst>
-              <a:ext uri="{FF2B5EF4-FFF2-40B4-BE49-F238E27FC236}">
-                <a16:creationId xmlns:a16="http://schemas.microsoft.com/office/drawing/2014/main" id="{C672123B-1207-44E9-BB31-34D098B8D2E9}"/>
-              </a:ext>
-            </a:extLst>
-          </p:cNvPr>
-          <p:cNvSpPr>
-            <a:spLocks noGrp="1"/>
-          </p:cNvSpPr>
-          <p:nvPr>
-            <p:ph idx="1"/>
-          </p:nvPr>
-        </p:nvSpPr>
-        <p:spPr/>
-        <p:txBody>
-          <a:bodyPr/>
-          <a:lstStyle/>
-          <a:p>
-            <a:endParaRPr lang="ko-KR" altLang="en-US"/>
-          </a:p>
-        </p:txBody>
-      </p:sp>
-    </p:spTree>
-    <p:extLst>
-      <p:ext uri="{BB962C8B-B14F-4D97-AF65-F5344CB8AC3E}">
-        <p14:creationId xmlns:p14="http://schemas.microsoft.com/office/powerpoint/2010/main" val="4060583541"/>
+        <p14:creationId xmlns:p14="http://schemas.microsoft.com/office/powerpoint/2010/main" val="1592120146"/>
       </p:ext>
     </p:extLst>
   </p:cSld>

--- a/cefclient analysis.pptx
+++ b/cefclient analysis.pptx
@@ -266,7 +266,7 @@
           <a:p>
             <a:fld id="{5033E7CF-4E71-4BF9-87D5-BDE1343927F4}" type="datetimeFigureOut">
               <a:rPr lang="ko-KR" altLang="en-US" smtClean="0"/>
-              <a:t>2022-01-02</a:t>
+              <a:t>2022-01-03</a:t>
             </a:fld>
             <a:endParaRPr lang="ko-KR" altLang="en-US"/>
           </a:p>
@@ -464,7 +464,7 @@
           <a:p>
             <a:fld id="{5033E7CF-4E71-4BF9-87D5-BDE1343927F4}" type="datetimeFigureOut">
               <a:rPr lang="ko-KR" altLang="en-US" smtClean="0"/>
-              <a:t>2022-01-02</a:t>
+              <a:t>2022-01-03</a:t>
             </a:fld>
             <a:endParaRPr lang="ko-KR" altLang="en-US"/>
           </a:p>
@@ -672,7 +672,7 @@
           <a:p>
             <a:fld id="{5033E7CF-4E71-4BF9-87D5-BDE1343927F4}" type="datetimeFigureOut">
               <a:rPr lang="ko-KR" altLang="en-US" smtClean="0"/>
-              <a:t>2022-01-02</a:t>
+              <a:t>2022-01-03</a:t>
             </a:fld>
             <a:endParaRPr lang="ko-KR" altLang="en-US"/>
           </a:p>
@@ -870,7 +870,7 @@
           <a:p>
             <a:fld id="{5033E7CF-4E71-4BF9-87D5-BDE1343927F4}" type="datetimeFigureOut">
               <a:rPr lang="ko-KR" altLang="en-US" smtClean="0"/>
-              <a:t>2022-01-02</a:t>
+              <a:t>2022-01-03</a:t>
             </a:fld>
             <a:endParaRPr lang="ko-KR" altLang="en-US"/>
           </a:p>
@@ -1145,7 +1145,7 @@
           <a:p>
             <a:fld id="{5033E7CF-4E71-4BF9-87D5-BDE1343927F4}" type="datetimeFigureOut">
               <a:rPr lang="ko-KR" altLang="en-US" smtClean="0"/>
-              <a:t>2022-01-02</a:t>
+              <a:t>2022-01-03</a:t>
             </a:fld>
             <a:endParaRPr lang="ko-KR" altLang="en-US"/>
           </a:p>
@@ -1410,7 +1410,7 @@
           <a:p>
             <a:fld id="{5033E7CF-4E71-4BF9-87D5-BDE1343927F4}" type="datetimeFigureOut">
               <a:rPr lang="ko-KR" altLang="en-US" smtClean="0"/>
-              <a:t>2022-01-02</a:t>
+              <a:t>2022-01-03</a:t>
             </a:fld>
             <a:endParaRPr lang="ko-KR" altLang="en-US"/>
           </a:p>
@@ -1822,7 +1822,7 @@
           <a:p>
             <a:fld id="{5033E7CF-4E71-4BF9-87D5-BDE1343927F4}" type="datetimeFigureOut">
               <a:rPr lang="ko-KR" altLang="en-US" smtClean="0"/>
-              <a:t>2022-01-02</a:t>
+              <a:t>2022-01-03</a:t>
             </a:fld>
             <a:endParaRPr lang="ko-KR" altLang="en-US"/>
           </a:p>
@@ -1963,7 +1963,7 @@
           <a:p>
             <a:fld id="{5033E7CF-4E71-4BF9-87D5-BDE1343927F4}" type="datetimeFigureOut">
               <a:rPr lang="ko-KR" altLang="en-US" smtClean="0"/>
-              <a:t>2022-01-02</a:t>
+              <a:t>2022-01-03</a:t>
             </a:fld>
             <a:endParaRPr lang="ko-KR" altLang="en-US"/>
           </a:p>
@@ -2076,7 +2076,7 @@
           <a:p>
             <a:fld id="{5033E7CF-4E71-4BF9-87D5-BDE1343927F4}" type="datetimeFigureOut">
               <a:rPr lang="ko-KR" altLang="en-US" smtClean="0"/>
-              <a:t>2022-01-02</a:t>
+              <a:t>2022-01-03</a:t>
             </a:fld>
             <a:endParaRPr lang="ko-KR" altLang="en-US"/>
           </a:p>
@@ -2387,7 +2387,7 @@
           <a:p>
             <a:fld id="{5033E7CF-4E71-4BF9-87D5-BDE1343927F4}" type="datetimeFigureOut">
               <a:rPr lang="ko-KR" altLang="en-US" smtClean="0"/>
-              <a:t>2022-01-02</a:t>
+              <a:t>2022-01-03</a:t>
             </a:fld>
             <a:endParaRPr lang="ko-KR" altLang="en-US"/>
           </a:p>
@@ -2675,7 +2675,7 @@
           <a:p>
             <a:fld id="{5033E7CF-4E71-4BF9-87D5-BDE1343927F4}" type="datetimeFigureOut">
               <a:rPr lang="ko-KR" altLang="en-US" smtClean="0"/>
-              <a:t>2022-01-02</a:t>
+              <a:t>2022-01-03</a:t>
             </a:fld>
             <a:endParaRPr lang="ko-KR" altLang="en-US"/>
           </a:p>
@@ -2916,7 +2916,7 @@
           <a:p>
             <a:fld id="{5033E7CF-4E71-4BF9-87D5-BDE1343927F4}" type="datetimeFigureOut">
               <a:rPr lang="ko-KR" altLang="en-US" smtClean="0"/>
-              <a:t>2022-01-02</a:t>
+              <a:t>2022-01-03</a:t>
             </a:fld>
             <a:endParaRPr lang="ko-KR" altLang="en-US"/>
           </a:p>
@@ -5576,7 +5576,7 @@
             </a:r>
             <a:r>
               <a:rPr lang="en-US" altLang="ko-KR" dirty="0" err="1"/>
-              <a:t>CLientHandlerStd</a:t>
+              <a:t>ClientHandlerStd</a:t>
             </a:r>
             <a:endParaRPr lang="en-US" altLang="ko-KR" dirty="0"/>
           </a:p>
